--- a/コンポライブ.pptx
+++ b/コンポライブ.pptx
@@ -7,6 +7,7 @@
   <p:sldIdLst>
     <p:sldId id="256" r:id="rId2"/>
     <p:sldId id="257" r:id="rId3"/>
+    <p:sldId id="258" r:id="rId4"/>
   </p:sldIdLst>
   <p:sldSz cx="12192000" cy="6858000"/>
   <p:notesSz cx="6858000" cy="9144000"/>
@@ -4223,7 +4224,7 @@
           <a:lstStyle/>
           <a:p>
             <a:r>
-              <a:rPr lang="ja-JP" altLang="en-US"/>
+              <a:rPr lang="ja-JP" altLang="en-US" dirty="0"/>
               <a:t>コンセプト</a:t>
             </a:r>
             <a:endParaRPr kumimoji="1" lang="ja-JP" altLang="en-US" dirty="0"/>
@@ -4242,10 +4243,171 @@
         </p:nvSpPr>
         <p:spPr/>
         <p:txBody>
-          <a:bodyPr/>
-          <a:lstStyle/>
-          <a:p>
-            <a:endParaRPr kumimoji="1" lang="ja-JP" altLang="en-US"/>
+          <a:bodyPr>
+            <a:normAutofit lnSpcReduction="10000"/>
+          </a:bodyPr>
+          <a:lstStyle/>
+          <a:p>
+            <a:r>
+              <a:rPr lang="ja-JP" altLang="en-US" sz="3200" dirty="0"/>
+              <a:t>車</a:t>
+            </a:r>
+            <a:r>
+              <a:rPr lang="ja-JP" altLang="en-US" sz="3200" dirty="0" smtClean="0"/>
+              <a:t>の走行</a:t>
+            </a:r>
+            <a:r>
+              <a:rPr lang="ja-JP" altLang="en-US" sz="3200" dirty="0"/>
+              <a:t>データ</a:t>
+            </a:r>
+            <a:r>
+              <a:rPr lang="ja-JP" altLang="en-US" sz="3200" dirty="0" smtClean="0"/>
+              <a:t>を</a:t>
+            </a:r>
+            <a:r>
+              <a:rPr lang="ja-JP" altLang="en-US" sz="3200" dirty="0"/>
+              <a:t>リアルタイム</a:t>
+            </a:r>
+            <a:r>
+              <a:rPr lang="ja-JP" altLang="en-US" sz="3200" dirty="0" smtClean="0"/>
+              <a:t>に</a:t>
+            </a:r>
+            <a:r>
+              <a:rPr lang="ja-JP" altLang="en-US" sz="3200" strike="sngStrike" dirty="0" smtClean="0">
+                <a:solidFill>
+                  <a:schemeClr val="bg1">
+                    <a:lumMod val="75000"/>
+                  </a:schemeClr>
+                </a:solidFill>
+              </a:rPr>
+              <a:t>視覚化</a:t>
+            </a:r>
+            <a:endParaRPr lang="en-US" altLang="ja-JP" sz="3200" strike="sngStrike" dirty="0" smtClean="0">
+              <a:solidFill>
+                <a:schemeClr val="bg1">
+                  <a:lumMod val="75000"/>
+                </a:schemeClr>
+              </a:solidFill>
+            </a:endParaRPr>
+          </a:p>
+          <a:p>
+            <a:r>
+              <a:rPr kumimoji="1" lang="ja-JP" altLang="en-US" sz="3200" dirty="0">
+                <a:solidFill>
+                  <a:schemeClr val="bg1">
+                    <a:lumMod val="75000"/>
+                  </a:schemeClr>
+                </a:solidFill>
+              </a:rPr>
+              <a:t> </a:t>
+            </a:r>
+            <a:r>
+              <a:rPr kumimoji="1" lang="ja-JP" altLang="en-US" sz="3200" dirty="0" smtClean="0">
+                <a:solidFill>
+                  <a:schemeClr val="bg1">
+                    <a:lumMod val="75000"/>
+                  </a:schemeClr>
+                </a:solidFill>
+              </a:rPr>
+              <a:t>                                                            </a:t>
+            </a:r>
+            <a:r>
+              <a:rPr kumimoji="1" lang="ja-JP" altLang="en-US" sz="3200" b="1" u="sng" dirty="0" smtClean="0">
+                <a:solidFill>
+                  <a:schemeClr val="accent1">
+                    <a:lumMod val="75000"/>
+                  </a:schemeClr>
+                </a:solidFill>
+              </a:rPr>
+              <a:t>聴覚化</a:t>
+            </a:r>
+            <a:endParaRPr kumimoji="1" lang="en-US" altLang="ja-JP" sz="3200" b="1" u="sng" dirty="0" smtClean="0">
+              <a:solidFill>
+                <a:schemeClr val="accent1">
+                  <a:lumMod val="75000"/>
+                </a:schemeClr>
+              </a:solidFill>
+            </a:endParaRPr>
+          </a:p>
+          <a:p>
+            <a:endParaRPr lang="en-US" altLang="ja-JP" sz="3200" b="1" u="sng" dirty="0">
+              <a:solidFill>
+                <a:schemeClr val="accent1">
+                  <a:lumMod val="75000"/>
+                </a:schemeClr>
+              </a:solidFill>
+            </a:endParaRPr>
+          </a:p>
+          <a:p>
+            <a:r>
+              <a:rPr kumimoji="1" lang="ja-JP" altLang="en-US" sz="3200" dirty="0" smtClean="0">
+                <a:solidFill>
+                  <a:schemeClr val="tx1"/>
+                </a:solidFill>
+              </a:rPr>
+              <a:t>速度などのセンサーの値から</a:t>
+            </a:r>
+            <a:endParaRPr kumimoji="1" lang="en-US" altLang="ja-JP" sz="3200" dirty="0" smtClean="0">
+              <a:solidFill>
+                <a:schemeClr val="tx1"/>
+              </a:solidFill>
+            </a:endParaRPr>
+          </a:p>
+          <a:p>
+            <a:pPr>
+              <a:buFont typeface="Wingdings" panose="05000000000000000000" pitchFamily="2" charset="2"/>
+              <a:buChar char="l"/>
+            </a:pPr>
+            <a:r>
+              <a:rPr lang="ja-JP" altLang="en-US" sz="3200" dirty="0" smtClean="0">
+                <a:solidFill>
+                  <a:schemeClr val="tx1"/>
+                </a:solidFill>
+              </a:rPr>
+              <a:t>旋律</a:t>
+            </a:r>
+            <a:endParaRPr lang="en-US" altLang="ja-JP" sz="3200" dirty="0" smtClean="0">
+              <a:solidFill>
+                <a:schemeClr val="tx1"/>
+              </a:solidFill>
+            </a:endParaRPr>
+          </a:p>
+          <a:p>
+            <a:pPr>
+              <a:buFont typeface="Wingdings" panose="05000000000000000000" pitchFamily="2" charset="2"/>
+              <a:buChar char="l"/>
+            </a:pPr>
+            <a:r>
+              <a:rPr kumimoji="1" lang="ja-JP" altLang="en-US" sz="3200" dirty="0" smtClean="0">
+                <a:solidFill>
+                  <a:schemeClr val="tx1"/>
+                </a:solidFill>
+              </a:rPr>
+              <a:t>ドラム</a:t>
+            </a:r>
+            <a:endParaRPr kumimoji="1" lang="en-US" altLang="ja-JP" sz="3200" dirty="0" smtClean="0">
+              <a:solidFill>
+                <a:schemeClr val="tx1"/>
+              </a:solidFill>
+            </a:endParaRPr>
+          </a:p>
+          <a:p>
+            <a:pPr marL="0" indent="0">
+              <a:buNone/>
+            </a:pPr>
+            <a:r>
+              <a:rPr lang="ja-JP" altLang="en-US" sz="3200" dirty="0" smtClean="0">
+                <a:solidFill>
+                  <a:schemeClr val="tx1"/>
+                </a:solidFill>
+              </a:rPr>
+              <a:t>を生成する</a:t>
+            </a:r>
+            <a:endParaRPr kumimoji="1" lang="ja-JP" altLang="en-US" sz="3200" dirty="0">
+              <a:solidFill>
+                <a:schemeClr val="tx1"/>
+              </a:solidFill>
+            </a:endParaRPr>
           </a:p>
         </p:txBody>
       </p:sp>
@@ -4253,6 +4415,247 @@
     <p:extLst>
       <p:ext uri="{BB962C8B-B14F-4D97-AF65-F5344CB8AC3E}">
         <p14:creationId xmlns:p14="http://schemas.microsoft.com/office/powerpoint/2010/main" val="410376983"/>
+      </p:ext>
+    </p:extLst>
+  </p:cSld>
+  <p:clrMapOvr>
+    <a:masterClrMapping/>
+  </p:clrMapOvr>
+</p:sld>
+</file>
+
+<file path=ppt/slides/slide3.xml><?xml version="1.0" encoding="utf-8"?>
+<p:sld xmlns:a="http://schemas.openxmlformats.org/drawingml/2006/main" xmlns:r="http://schemas.openxmlformats.org/officeDocument/2006/relationships" xmlns:p="http://schemas.openxmlformats.org/presentationml/2006/main">
+  <p:cSld>
+    <p:spTree>
+      <p:nvGrpSpPr>
+        <p:cNvPr id="1" name=""/>
+        <p:cNvGrpSpPr/>
+        <p:nvPr/>
+      </p:nvGrpSpPr>
+      <p:grpSpPr>
+        <a:xfrm>
+          <a:off x="0" y="0"/>
+          <a:ext cx="0" cy="0"/>
+          <a:chOff x="0" y="0"/>
+          <a:chExt cx="0" cy="0"/>
+        </a:xfrm>
+      </p:grpSpPr>
+      <p:sp>
+        <p:nvSpPr>
+          <p:cNvPr id="2" name="タイトル 1"/>
+          <p:cNvSpPr>
+            <a:spLocks noGrp="1"/>
+          </p:cNvSpPr>
+          <p:nvPr>
+            <p:ph type="title"/>
+          </p:nvPr>
+        </p:nvSpPr>
+        <p:spPr/>
+        <p:txBody>
+          <a:bodyPr/>
+          <a:lstStyle/>
+          <a:p>
+            <a:endParaRPr kumimoji="1" lang="ja-JP" altLang="en-US"/>
+          </a:p>
+        </p:txBody>
+      </p:sp>
+      <p:sp>
+        <p:nvSpPr>
+          <p:cNvPr id="3" name="コンテンツ プレースホルダー 2"/>
+          <p:cNvSpPr>
+            <a:spLocks noGrp="1"/>
+          </p:cNvSpPr>
+          <p:nvPr>
+            <p:ph idx="1"/>
+          </p:nvPr>
+        </p:nvSpPr>
+        <p:spPr/>
+        <p:txBody>
+          <a:bodyPr/>
+          <a:lstStyle/>
+          <a:p>
+            <a:r>
+              <a:rPr kumimoji="1" lang="en-US" altLang="ja-JP" dirty="0" smtClean="0"/>
+              <a:t>(</a:t>
+            </a:r>
+            <a:r>
+              <a:rPr kumimoji="1" lang="ja-JP" altLang="en-US" b="1" dirty="0" smtClean="0">
+                <a:solidFill>
+                  <a:schemeClr val="accent1">
+                    <a:lumMod val="75000"/>
+                  </a:schemeClr>
+                </a:solidFill>
+              </a:rPr>
+              <a:t>「今回は限られた時間での </a:t>
+            </a:r>
+            <a:r>
+              <a:rPr kumimoji="1" lang="en-US" altLang="ja-JP" b="1" dirty="0" smtClean="0">
+                <a:solidFill>
+                  <a:schemeClr val="accent1">
+                    <a:lumMod val="75000"/>
+                  </a:schemeClr>
+                </a:solidFill>
+              </a:rPr>
+              <a:t>Proof of Concept </a:t>
+            </a:r>
+            <a:r>
+              <a:rPr kumimoji="1" lang="ja-JP" altLang="en-US" b="1" dirty="0" err="1" smtClean="0">
+                <a:solidFill>
+                  <a:schemeClr val="accent1">
+                    <a:lumMod val="75000"/>
+                  </a:schemeClr>
+                </a:solidFill>
+              </a:rPr>
+              <a:t>なの</a:t>
+            </a:r>
+            <a:r>
+              <a:rPr kumimoji="1" lang="ja-JP" altLang="en-US" b="1" dirty="0" smtClean="0">
+                <a:solidFill>
+                  <a:schemeClr val="accent1">
+                    <a:lumMod val="75000"/>
+                  </a:schemeClr>
+                </a:solidFill>
+              </a:rPr>
+              <a:t>で</a:t>
+            </a:r>
+            <a:endParaRPr kumimoji="1" lang="en-US" altLang="ja-JP" b="1" dirty="0" smtClean="0">
+              <a:solidFill>
+                <a:schemeClr val="accent1">
+                  <a:lumMod val="75000"/>
+                </a:schemeClr>
+              </a:solidFill>
+            </a:endParaRPr>
+          </a:p>
+          <a:p>
+            <a:r>
+              <a:rPr lang="ja-JP" altLang="en-US" b="1" dirty="0">
+                <a:solidFill>
+                  <a:schemeClr val="accent1">
+                    <a:lumMod val="75000"/>
+                  </a:schemeClr>
+                </a:solidFill>
+              </a:rPr>
+              <a:t> </a:t>
+            </a:r>
+            <a:r>
+              <a:rPr lang="ja-JP" altLang="en-US" b="1" dirty="0" smtClean="0">
+                <a:solidFill>
+                  <a:schemeClr val="accent1">
+                    <a:lumMod val="75000"/>
+                  </a:schemeClr>
+                </a:solidFill>
+              </a:rPr>
+              <a:t>   生成するのはドラムだけ</a:t>
+            </a:r>
+            <a:endParaRPr lang="en-US" altLang="ja-JP" b="1" dirty="0" smtClean="0">
+              <a:solidFill>
+                <a:schemeClr val="accent1">
+                  <a:lumMod val="75000"/>
+                </a:schemeClr>
+              </a:solidFill>
+            </a:endParaRPr>
+          </a:p>
+          <a:p>
+            <a:r>
+              <a:rPr kumimoji="1" lang="ja-JP" altLang="en-US" b="1" dirty="0">
+                <a:solidFill>
+                  <a:schemeClr val="accent1">
+                    <a:lumMod val="75000"/>
+                  </a:schemeClr>
+                </a:solidFill>
+              </a:rPr>
+              <a:t> </a:t>
+            </a:r>
+            <a:r>
+              <a:rPr kumimoji="1" lang="ja-JP" altLang="en-US" b="1" dirty="0" smtClean="0">
+                <a:solidFill>
+                  <a:schemeClr val="accent1">
+                    <a:lumMod val="75000"/>
+                  </a:schemeClr>
+                </a:solidFill>
+              </a:rPr>
+              <a:t>   タブレットのセンサーを車載センサーの代用とする</a:t>
+            </a:r>
+            <a:r>
+              <a:rPr lang="ja-JP" altLang="en-US" b="1" dirty="0" smtClean="0">
+                <a:solidFill>
+                  <a:schemeClr val="accent1">
+                    <a:lumMod val="75000"/>
+                  </a:schemeClr>
+                </a:solidFill>
+              </a:rPr>
+              <a:t>」</a:t>
+            </a:r>
+            <a:endParaRPr lang="en-US" altLang="ja-JP" b="1" dirty="0" smtClean="0">
+              <a:solidFill>
+                <a:schemeClr val="accent1">
+                  <a:lumMod val="75000"/>
+                </a:schemeClr>
+              </a:solidFill>
+            </a:endParaRPr>
+          </a:p>
+          <a:p>
+            <a:r>
+              <a:rPr kumimoji="1" lang="ja-JP" altLang="en-US" dirty="0"/>
+              <a:t> </a:t>
+            </a:r>
+            <a:r>
+              <a:rPr kumimoji="1" lang="ja-JP" altLang="en-US" dirty="0" smtClean="0"/>
+              <a:t> ことを、</a:t>
+            </a:r>
+            <a:r>
+              <a:rPr kumimoji="1" lang="en-US" altLang="ja-JP" dirty="0" smtClean="0"/>
+              <a:t>3~4</a:t>
+            </a:r>
+            <a:r>
+              <a:rPr kumimoji="1" lang="ja-JP" altLang="en-US" dirty="0" smtClean="0"/>
+              <a:t>分 </a:t>
+            </a:r>
+            <a:r>
+              <a:rPr kumimoji="1" lang="en-US" altLang="ja-JP" dirty="0" smtClean="0"/>
+              <a:t>(</a:t>
+            </a:r>
+            <a:r>
+              <a:rPr kumimoji="1" lang="ja-JP" altLang="en-US" dirty="0" smtClean="0"/>
+              <a:t>スライド </a:t>
+            </a:r>
+            <a:r>
+              <a:rPr kumimoji="1" lang="en-US" altLang="ja-JP" dirty="0" smtClean="0"/>
+              <a:t>3</a:t>
+            </a:r>
+            <a:r>
+              <a:rPr kumimoji="1" lang="ja-JP" altLang="en-US" dirty="0" smtClean="0"/>
+              <a:t>～</a:t>
+            </a:r>
+            <a:r>
+              <a:rPr kumimoji="1" lang="en-US" altLang="ja-JP" dirty="0" smtClean="0"/>
+              <a:t>4</a:t>
+            </a:r>
+            <a:r>
+              <a:rPr lang="ja-JP" altLang="en-US" dirty="0" smtClean="0"/>
+              <a:t>枚</a:t>
+            </a:r>
+            <a:r>
+              <a:rPr lang="en-US" altLang="ja-JP" dirty="0" smtClean="0"/>
+              <a:t>) </a:t>
+            </a:r>
+            <a:r>
+              <a:rPr lang="ja-JP" altLang="en-US" dirty="0" smtClean="0"/>
+              <a:t>にまとめる</a:t>
+            </a:r>
+            <a:r>
+              <a:rPr lang="en-US" altLang="ja-JP" dirty="0" smtClean="0"/>
+              <a:t>)</a:t>
+            </a:r>
+            <a:endParaRPr kumimoji="1" lang="en-US" altLang="ja-JP" dirty="0" smtClean="0"/>
+          </a:p>
+        </p:txBody>
+      </p:sp>
+    </p:spTree>
+    <p:extLst>
+      <p:ext uri="{BB962C8B-B14F-4D97-AF65-F5344CB8AC3E}">
+        <p14:creationId xmlns:p14="http://schemas.microsoft.com/office/powerpoint/2010/main" val="728922337"/>
       </p:ext>
     </p:extLst>
   </p:cSld>

--- a/コンポライブ.pptx
+++ b/コンポライブ.pptx
@@ -4,10 +4,16 @@
   <p:sldMasterIdLst>
     <p:sldMasterId id="2147483672" r:id="rId1"/>
   </p:sldMasterIdLst>
+  <p:notesMasterIdLst>
+    <p:notesMasterId r:id="rId8"/>
+  </p:notesMasterIdLst>
   <p:sldIdLst>
     <p:sldId id="256" r:id="rId2"/>
     <p:sldId id="257" r:id="rId3"/>
-    <p:sldId id="258" r:id="rId4"/>
+    <p:sldId id="262" r:id="rId4"/>
+    <p:sldId id="261" r:id="rId5"/>
+    <p:sldId id="258" r:id="rId6"/>
+    <p:sldId id="259" r:id="rId7"/>
   </p:sldIdLst>
   <p:sldSz cx="12192000" cy="6858000"/>
   <p:notesSz cx="6858000" cy="9144000"/>
@@ -108,7 +114,7 @@
   </p:defaultTextStyle>
   <p:extLst>
     <p:ext uri="{EFAFB233-063F-42B5-8137-9DF3F51BA10A}">
-      <p15:sldGuideLst xmlns:p15="http://schemas.microsoft.com/office/powerpoint/2012/main">
+      <p15:sldGuideLst xmlns:p15="http://schemas.microsoft.com/office/powerpoint/2012/main" xmlns="">
         <p15:guide id="1" orient="horz" pos="2160" userDrawn="1">
           <p15:clr>
             <a:srgbClr val="A4A3A4"/>
@@ -123,6 +129,624 @@
     </p:ext>
   </p:extLst>
 </p:presentation>
+</file>
+
+<file path=ppt/notesMasters/notesMaster1.xml><?xml version="1.0" encoding="utf-8"?>
+<p:notesMaster xmlns:a="http://schemas.openxmlformats.org/drawingml/2006/main" xmlns:r="http://schemas.openxmlformats.org/officeDocument/2006/relationships" xmlns:p="http://schemas.openxmlformats.org/presentationml/2006/main">
+  <p:cSld>
+    <p:bg>
+      <p:bgRef idx="1001">
+        <a:schemeClr val="bg1"/>
+      </p:bgRef>
+    </p:bg>
+    <p:spTree>
+      <p:nvGrpSpPr>
+        <p:cNvPr id="1" name=""/>
+        <p:cNvGrpSpPr/>
+        <p:nvPr/>
+      </p:nvGrpSpPr>
+      <p:grpSpPr>
+        <a:xfrm>
+          <a:off x="0" y="0"/>
+          <a:ext cx="0" cy="0"/>
+          <a:chOff x="0" y="0"/>
+          <a:chExt cx="0" cy="0"/>
+        </a:xfrm>
+      </p:grpSpPr>
+      <p:sp>
+        <p:nvSpPr>
+          <p:cNvPr id="2" name="ヘッダー プレースホルダー 1"/>
+          <p:cNvSpPr>
+            <a:spLocks noGrp="1"/>
+          </p:cNvSpPr>
+          <p:nvPr>
+            <p:ph type="hdr" sz="quarter"/>
+          </p:nvPr>
+        </p:nvSpPr>
+        <p:spPr>
+          <a:xfrm>
+            <a:off x="0" y="0"/>
+            <a:ext cx="2971800" cy="457200"/>
+          </a:xfrm>
+          <a:prstGeom prst="rect">
+            <a:avLst/>
+          </a:prstGeom>
+        </p:spPr>
+        <p:txBody>
+          <a:bodyPr vert="horz" lIns="91440" tIns="45720" rIns="91440" bIns="45720" rtlCol="0"/>
+          <a:lstStyle>
+            <a:lvl1pPr algn="l">
+              <a:defRPr sz="1200"/>
+            </a:lvl1pPr>
+          </a:lstStyle>
+          <a:p>
+            <a:endParaRPr kumimoji="1" lang="ja-JP" altLang="en-US"/>
+          </a:p>
+        </p:txBody>
+      </p:sp>
+      <p:sp>
+        <p:nvSpPr>
+          <p:cNvPr id="3" name="日付プレースホルダー 2"/>
+          <p:cNvSpPr>
+            <a:spLocks noGrp="1"/>
+          </p:cNvSpPr>
+          <p:nvPr>
+            <p:ph type="dt" idx="1"/>
+          </p:nvPr>
+        </p:nvSpPr>
+        <p:spPr>
+          <a:xfrm>
+            <a:off x="3884613" y="0"/>
+            <a:ext cx="2971800" cy="457200"/>
+          </a:xfrm>
+          <a:prstGeom prst="rect">
+            <a:avLst/>
+          </a:prstGeom>
+        </p:spPr>
+        <p:txBody>
+          <a:bodyPr vert="horz" lIns="91440" tIns="45720" rIns="91440" bIns="45720" rtlCol="0"/>
+          <a:lstStyle>
+            <a:lvl1pPr algn="r">
+              <a:defRPr sz="1200"/>
+            </a:lvl1pPr>
+          </a:lstStyle>
+          <a:p>
+            <a:fld id="{0D27107A-1F8B-4976-98BF-5838F74F14F1}" type="datetimeFigureOut">
+              <a:rPr kumimoji="1" lang="ja-JP" altLang="en-US" smtClean="0"/>
+              <a:t>2014/3/8</a:t>
+            </a:fld>
+            <a:endParaRPr kumimoji="1" lang="ja-JP" altLang="en-US"/>
+          </a:p>
+        </p:txBody>
+      </p:sp>
+      <p:sp>
+        <p:nvSpPr>
+          <p:cNvPr id="4" name="スライド イメージ プレースホルダー 3"/>
+          <p:cNvSpPr>
+            <a:spLocks noGrp="1" noRot="1" noChangeAspect="1"/>
+          </p:cNvSpPr>
+          <p:nvPr>
+            <p:ph type="sldImg" idx="2"/>
+          </p:nvPr>
+        </p:nvSpPr>
+        <p:spPr>
+          <a:xfrm>
+            <a:off x="381000" y="685800"/>
+            <a:ext cx="6096000" cy="3429000"/>
+          </a:xfrm>
+          <a:prstGeom prst="rect">
+            <a:avLst/>
+          </a:prstGeom>
+          <a:noFill/>
+          <a:ln w="12700">
+            <a:solidFill>
+              <a:prstClr val="black"/>
+            </a:solidFill>
+          </a:ln>
+        </p:spPr>
+        <p:txBody>
+          <a:bodyPr vert="horz" lIns="91440" tIns="45720" rIns="91440" bIns="45720" rtlCol="0" anchor="ctr"/>
+          <a:lstStyle/>
+          <a:p>
+            <a:endParaRPr lang="ja-JP" altLang="en-US"/>
+          </a:p>
+        </p:txBody>
+      </p:sp>
+      <p:sp>
+        <p:nvSpPr>
+          <p:cNvPr id="5" name="ノート プレースホルダー 4"/>
+          <p:cNvSpPr>
+            <a:spLocks noGrp="1"/>
+          </p:cNvSpPr>
+          <p:nvPr>
+            <p:ph type="body" sz="quarter" idx="3"/>
+          </p:nvPr>
+        </p:nvSpPr>
+        <p:spPr>
+          <a:xfrm>
+            <a:off x="685800" y="4343400"/>
+            <a:ext cx="5486400" cy="4114800"/>
+          </a:xfrm>
+          <a:prstGeom prst="rect">
+            <a:avLst/>
+          </a:prstGeom>
+        </p:spPr>
+        <p:txBody>
+          <a:bodyPr vert="horz" lIns="91440" tIns="45720" rIns="91440" bIns="45720" rtlCol="0"/>
+          <a:lstStyle/>
+          <a:p>
+            <a:pPr lvl="0"/>
+            <a:r>
+              <a:rPr kumimoji="1" lang="ja-JP" altLang="en-US" smtClean="0"/>
+              <a:t>マスター テキストの書式設定</a:t>
+            </a:r>
+          </a:p>
+          <a:p>
+            <a:pPr lvl="1"/>
+            <a:r>
+              <a:rPr kumimoji="1" lang="ja-JP" altLang="en-US" smtClean="0"/>
+              <a:t>第 </a:t>
+            </a:r>
+            <a:r>
+              <a:rPr kumimoji="1" lang="en-US" altLang="ja-JP" smtClean="0"/>
+              <a:t>2 </a:t>
+            </a:r>
+            <a:r>
+              <a:rPr kumimoji="1" lang="ja-JP" altLang="en-US" smtClean="0"/>
+              <a:t>レベル</a:t>
+            </a:r>
+          </a:p>
+          <a:p>
+            <a:pPr lvl="2"/>
+            <a:r>
+              <a:rPr kumimoji="1" lang="ja-JP" altLang="en-US" smtClean="0"/>
+              <a:t>第 </a:t>
+            </a:r>
+            <a:r>
+              <a:rPr kumimoji="1" lang="en-US" altLang="ja-JP" smtClean="0"/>
+              <a:t>3 </a:t>
+            </a:r>
+            <a:r>
+              <a:rPr kumimoji="1" lang="ja-JP" altLang="en-US" smtClean="0"/>
+              <a:t>レベル</a:t>
+            </a:r>
+          </a:p>
+          <a:p>
+            <a:pPr lvl="3"/>
+            <a:r>
+              <a:rPr kumimoji="1" lang="ja-JP" altLang="en-US" smtClean="0"/>
+              <a:t>第 </a:t>
+            </a:r>
+            <a:r>
+              <a:rPr kumimoji="1" lang="en-US" altLang="ja-JP" smtClean="0"/>
+              <a:t>4 </a:t>
+            </a:r>
+            <a:r>
+              <a:rPr kumimoji="1" lang="ja-JP" altLang="en-US" smtClean="0"/>
+              <a:t>レベル</a:t>
+            </a:r>
+          </a:p>
+          <a:p>
+            <a:pPr lvl="4"/>
+            <a:r>
+              <a:rPr kumimoji="1" lang="ja-JP" altLang="en-US" smtClean="0"/>
+              <a:t>第 </a:t>
+            </a:r>
+            <a:r>
+              <a:rPr kumimoji="1" lang="en-US" altLang="ja-JP" smtClean="0"/>
+              <a:t>5 </a:t>
+            </a:r>
+            <a:r>
+              <a:rPr kumimoji="1" lang="ja-JP" altLang="en-US" smtClean="0"/>
+              <a:t>レベル</a:t>
+            </a:r>
+            <a:endParaRPr kumimoji="1" lang="ja-JP" altLang="en-US"/>
+          </a:p>
+        </p:txBody>
+      </p:sp>
+      <p:sp>
+        <p:nvSpPr>
+          <p:cNvPr id="6" name="フッター プレースホルダー 5"/>
+          <p:cNvSpPr>
+            <a:spLocks noGrp="1"/>
+          </p:cNvSpPr>
+          <p:nvPr>
+            <p:ph type="ftr" sz="quarter" idx="4"/>
+          </p:nvPr>
+        </p:nvSpPr>
+        <p:spPr>
+          <a:xfrm>
+            <a:off x="0" y="8685213"/>
+            <a:ext cx="2971800" cy="457200"/>
+          </a:xfrm>
+          <a:prstGeom prst="rect">
+            <a:avLst/>
+          </a:prstGeom>
+        </p:spPr>
+        <p:txBody>
+          <a:bodyPr vert="horz" lIns="91440" tIns="45720" rIns="91440" bIns="45720" rtlCol="0" anchor="b"/>
+          <a:lstStyle>
+            <a:lvl1pPr algn="l">
+              <a:defRPr sz="1200"/>
+            </a:lvl1pPr>
+          </a:lstStyle>
+          <a:p>
+            <a:endParaRPr kumimoji="1" lang="ja-JP" altLang="en-US"/>
+          </a:p>
+        </p:txBody>
+      </p:sp>
+      <p:sp>
+        <p:nvSpPr>
+          <p:cNvPr id="7" name="スライド番号プレースホルダー 6"/>
+          <p:cNvSpPr>
+            <a:spLocks noGrp="1"/>
+          </p:cNvSpPr>
+          <p:nvPr>
+            <p:ph type="sldNum" sz="quarter" idx="5"/>
+          </p:nvPr>
+        </p:nvSpPr>
+        <p:spPr>
+          <a:xfrm>
+            <a:off x="3884613" y="8685213"/>
+            <a:ext cx="2971800" cy="457200"/>
+          </a:xfrm>
+          <a:prstGeom prst="rect">
+            <a:avLst/>
+          </a:prstGeom>
+        </p:spPr>
+        <p:txBody>
+          <a:bodyPr vert="horz" lIns="91440" tIns="45720" rIns="91440" bIns="45720" rtlCol="0" anchor="b"/>
+          <a:lstStyle>
+            <a:lvl1pPr algn="r">
+              <a:defRPr sz="1200"/>
+            </a:lvl1pPr>
+          </a:lstStyle>
+          <a:p>
+            <a:fld id="{67E2B855-C789-47AF-9A27-59D9F3F544C4}" type="slidenum">
+              <a:rPr kumimoji="1" lang="ja-JP" altLang="en-US" smtClean="0"/>
+              <a:t>‹#›</a:t>
+            </a:fld>
+            <a:endParaRPr kumimoji="1" lang="ja-JP" altLang="en-US"/>
+          </a:p>
+        </p:txBody>
+      </p:sp>
+    </p:spTree>
+    <p:extLst>
+      <p:ext uri="{BB962C8B-B14F-4D97-AF65-F5344CB8AC3E}">
+        <p14:creationId xmlns:p14="http://schemas.microsoft.com/office/powerpoint/2010/main" val="4181174376"/>
+      </p:ext>
+    </p:extLst>
+  </p:cSld>
+  <p:clrMap bg1="lt1" tx1="dk1" bg2="lt2" tx2="dk2" accent1="accent1" accent2="accent2" accent3="accent3" accent4="accent4" accent5="accent5" accent6="accent6" hlink="hlink" folHlink="folHlink"/>
+  <p:notesStyle>
+    <a:lvl1pPr marL="0" algn="l" defTabSz="914400" rtl="0" eaLnBrk="1" latinLnBrk="0" hangingPunct="1">
+      <a:defRPr kumimoji="1" sz="1200" kern="1200">
+        <a:solidFill>
+          <a:schemeClr val="tx1"/>
+        </a:solidFill>
+        <a:latin typeface="+mn-lt"/>
+        <a:ea typeface="+mn-ea"/>
+        <a:cs typeface="+mn-cs"/>
+      </a:defRPr>
+    </a:lvl1pPr>
+    <a:lvl2pPr marL="457200" algn="l" defTabSz="914400" rtl="0" eaLnBrk="1" latinLnBrk="0" hangingPunct="1">
+      <a:defRPr kumimoji="1" sz="1200" kern="1200">
+        <a:solidFill>
+          <a:schemeClr val="tx1"/>
+        </a:solidFill>
+        <a:latin typeface="+mn-lt"/>
+        <a:ea typeface="+mn-ea"/>
+        <a:cs typeface="+mn-cs"/>
+      </a:defRPr>
+    </a:lvl2pPr>
+    <a:lvl3pPr marL="914400" algn="l" defTabSz="914400" rtl="0" eaLnBrk="1" latinLnBrk="0" hangingPunct="1">
+      <a:defRPr kumimoji="1" sz="1200" kern="1200">
+        <a:solidFill>
+          <a:schemeClr val="tx1"/>
+        </a:solidFill>
+        <a:latin typeface="+mn-lt"/>
+        <a:ea typeface="+mn-ea"/>
+        <a:cs typeface="+mn-cs"/>
+      </a:defRPr>
+    </a:lvl3pPr>
+    <a:lvl4pPr marL="1371600" algn="l" defTabSz="914400" rtl="0" eaLnBrk="1" latinLnBrk="0" hangingPunct="1">
+      <a:defRPr kumimoji="1" sz="1200" kern="1200">
+        <a:solidFill>
+          <a:schemeClr val="tx1"/>
+        </a:solidFill>
+        <a:latin typeface="+mn-lt"/>
+        <a:ea typeface="+mn-ea"/>
+        <a:cs typeface="+mn-cs"/>
+      </a:defRPr>
+    </a:lvl4pPr>
+    <a:lvl5pPr marL="1828800" algn="l" defTabSz="914400" rtl="0" eaLnBrk="1" latinLnBrk="0" hangingPunct="1">
+      <a:defRPr kumimoji="1" sz="1200" kern="1200">
+        <a:solidFill>
+          <a:schemeClr val="tx1"/>
+        </a:solidFill>
+        <a:latin typeface="+mn-lt"/>
+        <a:ea typeface="+mn-ea"/>
+        <a:cs typeface="+mn-cs"/>
+      </a:defRPr>
+    </a:lvl5pPr>
+    <a:lvl6pPr marL="2286000" algn="l" defTabSz="914400" rtl="0" eaLnBrk="1" latinLnBrk="0" hangingPunct="1">
+      <a:defRPr kumimoji="1" sz="1200" kern="1200">
+        <a:solidFill>
+          <a:schemeClr val="tx1"/>
+        </a:solidFill>
+        <a:latin typeface="+mn-lt"/>
+        <a:ea typeface="+mn-ea"/>
+        <a:cs typeface="+mn-cs"/>
+      </a:defRPr>
+    </a:lvl6pPr>
+    <a:lvl7pPr marL="2743200" algn="l" defTabSz="914400" rtl="0" eaLnBrk="1" latinLnBrk="0" hangingPunct="1">
+      <a:defRPr kumimoji="1" sz="1200" kern="1200">
+        <a:solidFill>
+          <a:schemeClr val="tx1"/>
+        </a:solidFill>
+        <a:latin typeface="+mn-lt"/>
+        <a:ea typeface="+mn-ea"/>
+        <a:cs typeface="+mn-cs"/>
+      </a:defRPr>
+    </a:lvl7pPr>
+    <a:lvl8pPr marL="3200400" algn="l" defTabSz="914400" rtl="0" eaLnBrk="1" latinLnBrk="0" hangingPunct="1">
+      <a:defRPr kumimoji="1" sz="1200" kern="1200">
+        <a:solidFill>
+          <a:schemeClr val="tx1"/>
+        </a:solidFill>
+        <a:latin typeface="+mn-lt"/>
+        <a:ea typeface="+mn-ea"/>
+        <a:cs typeface="+mn-cs"/>
+      </a:defRPr>
+    </a:lvl8pPr>
+    <a:lvl9pPr marL="3657600" algn="l" defTabSz="914400" rtl="0" eaLnBrk="1" latinLnBrk="0" hangingPunct="1">
+      <a:defRPr kumimoji="1" sz="1200" kern="1200">
+        <a:solidFill>
+          <a:schemeClr val="tx1"/>
+        </a:solidFill>
+        <a:latin typeface="+mn-lt"/>
+        <a:ea typeface="+mn-ea"/>
+        <a:cs typeface="+mn-cs"/>
+      </a:defRPr>
+    </a:lvl9pPr>
+  </p:notesStyle>
+</p:notesMaster>
+</file>
+
+<file path=ppt/notesSlides/notesSlide1.xml><?xml version="1.0" encoding="utf-8"?>
+<p:notes xmlns:a="http://schemas.openxmlformats.org/drawingml/2006/main" xmlns:r="http://schemas.openxmlformats.org/officeDocument/2006/relationships" xmlns:p="http://schemas.openxmlformats.org/presentationml/2006/main">
+  <p:cSld>
+    <p:spTree>
+      <p:nvGrpSpPr>
+        <p:cNvPr id="1" name=""/>
+        <p:cNvGrpSpPr/>
+        <p:nvPr/>
+      </p:nvGrpSpPr>
+      <p:grpSpPr>
+        <a:xfrm>
+          <a:off x="0" y="0"/>
+          <a:ext cx="0" cy="0"/>
+          <a:chOff x="0" y="0"/>
+          <a:chExt cx="0" cy="0"/>
+        </a:xfrm>
+      </p:grpSpPr>
+      <p:sp>
+        <p:nvSpPr>
+          <p:cNvPr id="2" name="スライド イメージ プレースホルダー 1"/>
+          <p:cNvSpPr>
+            <a:spLocks noGrp="1" noRot="1" noChangeAspect="1"/>
+          </p:cNvSpPr>
+          <p:nvPr>
+            <p:ph type="sldImg"/>
+          </p:nvPr>
+        </p:nvSpPr>
+        <p:spPr/>
+      </p:sp>
+      <p:sp>
+        <p:nvSpPr>
+          <p:cNvPr id="3" name="ノート プレースホルダー 2"/>
+          <p:cNvSpPr>
+            <a:spLocks noGrp="1"/>
+          </p:cNvSpPr>
+          <p:nvPr>
+            <p:ph type="body" idx="1"/>
+          </p:nvPr>
+        </p:nvSpPr>
+        <p:spPr/>
+        <p:txBody>
+          <a:bodyPr/>
+          <a:lstStyle/>
+          <a:p>
+            <a:r>
+              <a:rPr kumimoji="1" lang="en-US" altLang="ja-JP" dirty="0" smtClean="0"/>
+              <a:t>(</a:t>
+            </a:r>
+            <a:r>
+              <a:rPr kumimoji="1" lang="ja-JP" altLang="en-US" b="1" dirty="0" smtClean="0">
+                <a:solidFill>
+                  <a:schemeClr val="accent1">
+                    <a:lumMod val="75000"/>
+                  </a:schemeClr>
+                </a:solidFill>
+              </a:rPr>
+              <a:t>「今回は限られた時間での </a:t>
+            </a:r>
+            <a:r>
+              <a:rPr kumimoji="1" lang="en-US" altLang="ja-JP" b="1" dirty="0" smtClean="0">
+                <a:solidFill>
+                  <a:schemeClr val="accent1">
+                    <a:lumMod val="75000"/>
+                  </a:schemeClr>
+                </a:solidFill>
+              </a:rPr>
+              <a:t>Proof of Concept </a:t>
+            </a:r>
+            <a:r>
+              <a:rPr kumimoji="1" lang="ja-JP" altLang="en-US" b="1" dirty="0" err="1" smtClean="0">
+                <a:solidFill>
+                  <a:schemeClr val="accent1">
+                    <a:lumMod val="75000"/>
+                  </a:schemeClr>
+                </a:solidFill>
+              </a:rPr>
+              <a:t>なの</a:t>
+            </a:r>
+            <a:r>
+              <a:rPr kumimoji="1" lang="ja-JP" altLang="en-US" b="1" dirty="0" smtClean="0">
+                <a:solidFill>
+                  <a:schemeClr val="accent1">
+                    <a:lumMod val="75000"/>
+                  </a:schemeClr>
+                </a:solidFill>
+              </a:rPr>
+              <a:t>で</a:t>
+            </a:r>
+            <a:endParaRPr kumimoji="1" lang="en-US" altLang="ja-JP" b="1" dirty="0" smtClean="0">
+              <a:solidFill>
+                <a:schemeClr val="accent1">
+                  <a:lumMod val="75000"/>
+                </a:schemeClr>
+              </a:solidFill>
+            </a:endParaRPr>
+          </a:p>
+          <a:p>
+            <a:r>
+              <a:rPr lang="ja-JP" altLang="en-US" b="1" dirty="0" smtClean="0">
+                <a:solidFill>
+                  <a:schemeClr val="accent1">
+                    <a:lumMod val="75000"/>
+                  </a:schemeClr>
+                </a:solidFill>
+              </a:rPr>
+              <a:t>    生成するのはドラムだけ</a:t>
+            </a:r>
+            <a:endParaRPr lang="en-US" altLang="ja-JP" b="1" dirty="0" smtClean="0">
+              <a:solidFill>
+                <a:schemeClr val="accent1">
+                  <a:lumMod val="75000"/>
+                </a:schemeClr>
+              </a:solidFill>
+            </a:endParaRPr>
+          </a:p>
+          <a:p>
+            <a:r>
+              <a:rPr kumimoji="1" lang="ja-JP" altLang="en-US" b="1" dirty="0" smtClean="0">
+                <a:solidFill>
+                  <a:schemeClr val="accent1">
+                    <a:lumMod val="75000"/>
+                  </a:schemeClr>
+                </a:solidFill>
+              </a:rPr>
+              <a:t>    タブレットのセンサーを車載センサーの代用とする</a:t>
+            </a:r>
+            <a:r>
+              <a:rPr lang="ja-JP" altLang="en-US" b="1" dirty="0" smtClean="0">
+                <a:solidFill>
+                  <a:schemeClr val="accent1">
+                    <a:lumMod val="75000"/>
+                  </a:schemeClr>
+                </a:solidFill>
+              </a:rPr>
+              <a:t>」</a:t>
+            </a:r>
+            <a:endParaRPr lang="en-US" altLang="ja-JP" b="1" dirty="0" smtClean="0">
+              <a:solidFill>
+                <a:schemeClr val="accent1">
+                  <a:lumMod val="75000"/>
+                </a:schemeClr>
+              </a:solidFill>
+            </a:endParaRPr>
+          </a:p>
+          <a:p>
+            <a:r>
+              <a:rPr kumimoji="1" lang="ja-JP" altLang="en-US" dirty="0" smtClean="0"/>
+              <a:t>  ことを、</a:t>
+            </a:r>
+            <a:r>
+              <a:rPr kumimoji="1" lang="en-US" altLang="ja-JP" dirty="0" smtClean="0"/>
+              <a:t>3~4</a:t>
+            </a:r>
+            <a:r>
+              <a:rPr kumimoji="1" lang="ja-JP" altLang="en-US" dirty="0" smtClean="0"/>
+              <a:t>分 </a:t>
+            </a:r>
+            <a:r>
+              <a:rPr kumimoji="1" lang="en-US" altLang="ja-JP" dirty="0" smtClean="0"/>
+              <a:t>(</a:t>
+            </a:r>
+            <a:r>
+              <a:rPr kumimoji="1" lang="ja-JP" altLang="en-US" dirty="0" smtClean="0"/>
+              <a:t>スライド </a:t>
+            </a:r>
+            <a:r>
+              <a:rPr kumimoji="1" lang="en-US" altLang="ja-JP" dirty="0" smtClean="0"/>
+              <a:t>3</a:t>
+            </a:r>
+            <a:r>
+              <a:rPr kumimoji="1" lang="ja-JP" altLang="en-US" dirty="0" smtClean="0"/>
+              <a:t>～</a:t>
+            </a:r>
+            <a:r>
+              <a:rPr kumimoji="1" lang="en-US" altLang="ja-JP" dirty="0" smtClean="0"/>
+              <a:t>4</a:t>
+            </a:r>
+            <a:r>
+              <a:rPr lang="ja-JP" altLang="en-US" dirty="0" smtClean="0"/>
+              <a:t>枚</a:t>
+            </a:r>
+            <a:r>
+              <a:rPr lang="en-US" altLang="ja-JP" dirty="0" smtClean="0"/>
+              <a:t>) </a:t>
+            </a:r>
+            <a:r>
+              <a:rPr lang="ja-JP" altLang="en-US" dirty="0" smtClean="0"/>
+              <a:t>にまとめる</a:t>
+            </a:r>
+            <a:r>
+              <a:rPr lang="en-US" altLang="ja-JP" dirty="0" smtClean="0"/>
+              <a:t>)</a:t>
+            </a:r>
+            <a:endParaRPr kumimoji="1" lang="en-US" altLang="ja-JP" dirty="0" smtClean="0"/>
+          </a:p>
+          <a:p>
+            <a:endParaRPr kumimoji="1" lang="ja-JP" altLang="en-US" dirty="0"/>
+          </a:p>
+        </p:txBody>
+      </p:sp>
+      <p:sp>
+        <p:nvSpPr>
+          <p:cNvPr id="4" name="スライド番号プレースホルダー 3"/>
+          <p:cNvSpPr>
+            <a:spLocks noGrp="1"/>
+          </p:cNvSpPr>
+          <p:nvPr>
+            <p:ph type="sldNum" sz="quarter" idx="10"/>
+          </p:nvPr>
+        </p:nvSpPr>
+        <p:spPr/>
+        <p:txBody>
+          <a:bodyPr/>
+          <a:lstStyle/>
+          <a:p>
+            <a:fld id="{67E2B855-C789-47AF-9A27-59D9F3F544C4}" type="slidenum">
+              <a:rPr kumimoji="1" lang="ja-JP" altLang="en-US" smtClean="0"/>
+              <a:t>5</a:t>
+            </a:fld>
+            <a:endParaRPr kumimoji="1" lang="ja-JP" altLang="en-US"/>
+          </a:p>
+        </p:txBody>
+      </p:sp>
+    </p:spTree>
+    <p:extLst>
+      <p:ext uri="{BB962C8B-B14F-4D97-AF65-F5344CB8AC3E}">
+        <p14:creationId xmlns:p14="http://schemas.microsoft.com/office/powerpoint/2010/main" val="4038972247"/>
+      </p:ext>
+    </p:extLst>
+  </p:cSld>
+  <p:clrMapOvr>
+    <a:masterClrMapping/>
+  </p:clrMapOvr>
+</p:notes>
 </file>
 
 <file path=ppt/slideLayouts/slideLayout1.xml><?xml version="1.0" encoding="utf-8"?>
@@ -4241,39 +4865,48 @@
             <p:ph idx="1"/>
           </p:nvPr>
         </p:nvSpPr>
-        <p:spPr/>
+        <p:spPr>
+          <a:xfrm>
+            <a:off x="1036320" y="3095414"/>
+            <a:ext cx="10058400" cy="1415626"/>
+          </a:xfrm>
+        </p:spPr>
         <p:txBody>
           <a:bodyPr>
-            <a:normAutofit lnSpcReduction="10000"/>
+            <a:noAutofit/>
           </a:bodyPr>
           <a:lstStyle/>
           <a:p>
             <a:r>
-              <a:rPr lang="ja-JP" altLang="en-US" sz="3200" dirty="0"/>
+              <a:rPr lang="ja-JP" altLang="en-US" sz="4400" dirty="0"/>
               <a:t>車</a:t>
             </a:r>
             <a:r>
-              <a:rPr lang="ja-JP" altLang="en-US" sz="3200" dirty="0" smtClean="0"/>
+              <a:rPr lang="ja-JP" altLang="en-US" sz="4400" dirty="0" smtClean="0"/>
               <a:t>の走行</a:t>
             </a:r>
             <a:r>
-              <a:rPr lang="ja-JP" altLang="en-US" sz="3200" dirty="0"/>
+              <a:rPr lang="ja-JP" altLang="en-US" sz="4400" dirty="0"/>
               <a:t>データ</a:t>
             </a:r>
             <a:r>
-              <a:rPr lang="ja-JP" altLang="en-US" sz="3200" dirty="0" smtClean="0"/>
+              <a:rPr lang="ja-JP" altLang="en-US" sz="4400" dirty="0" smtClean="0"/>
               <a:t>を</a:t>
             </a:r>
             <a:r>
-              <a:rPr lang="ja-JP" altLang="en-US" sz="3200" dirty="0"/>
+              <a:rPr lang="ja-JP" altLang="en-US" sz="4400" u="sng" dirty="0">
+                <a:solidFill>
+                  <a:srgbClr val="FF0000"/>
+                </a:solidFill>
+              </a:rPr>
               <a:t>リアルタイム</a:t>
             </a:r>
             <a:r>
-              <a:rPr lang="ja-JP" altLang="en-US" sz="3200" dirty="0" smtClean="0"/>
+              <a:rPr lang="ja-JP" altLang="en-US" sz="4400" dirty="0" smtClean="0"/>
               <a:t>に</a:t>
             </a:r>
             <a:r>
-              <a:rPr lang="ja-JP" altLang="en-US" sz="3200" strike="sngStrike" dirty="0" smtClean="0">
+              <a:rPr lang="ja-JP" altLang="en-US" sz="4400" strike="sngStrike" dirty="0" smtClean="0">
                 <a:solidFill>
                   <a:schemeClr val="bg1">
                     <a:lumMod val="75000"/>
@@ -4282,7 +4915,7 @@
               </a:rPr>
               <a:t>視覚化</a:t>
             </a:r>
-            <a:endParaRPr lang="en-US" altLang="ja-JP" sz="3200" strike="sngStrike" dirty="0" smtClean="0">
+            <a:endParaRPr lang="en-US" altLang="ja-JP" sz="4400" strike="sngStrike" dirty="0" smtClean="0">
               <a:solidFill>
                 <a:schemeClr val="bg1">
                   <a:lumMod val="75000"/>
@@ -4292,7 +4925,7 @@
           </a:p>
           <a:p>
             <a:r>
-              <a:rPr kumimoji="1" lang="ja-JP" altLang="en-US" sz="3200" dirty="0">
+              <a:rPr kumimoji="1" lang="ja-JP" altLang="en-US" sz="4400" dirty="0">
                 <a:solidFill>
                   <a:schemeClr val="bg1">
                     <a:lumMod val="75000"/>
@@ -4302,7 +4935,7 @@
               <a:t> </a:t>
             </a:r>
             <a:r>
-              <a:rPr kumimoji="1" lang="ja-JP" altLang="en-US" sz="3200" dirty="0" smtClean="0">
+              <a:rPr kumimoji="1" lang="ja-JP" altLang="en-US" sz="4400" dirty="0" smtClean="0">
                 <a:solidFill>
                   <a:schemeClr val="bg1">
                     <a:lumMod val="75000"/>
@@ -4312,7 +4945,7 @@
               <a:t>                                                            </a:t>
             </a:r>
             <a:r>
-              <a:rPr kumimoji="1" lang="ja-JP" altLang="en-US" sz="3200" b="1" u="sng" dirty="0" smtClean="0">
+              <a:rPr kumimoji="1" lang="ja-JP" altLang="en-US" sz="4400" b="1" u="sng" dirty="0" smtClean="0">
                 <a:solidFill>
                   <a:schemeClr val="accent1">
                     <a:lumMod val="75000"/>
@@ -4321,91 +4954,11 @@
               </a:rPr>
               <a:t>聴覚化</a:t>
             </a:r>
-            <a:endParaRPr kumimoji="1" lang="en-US" altLang="ja-JP" sz="3200" b="1" u="sng" dirty="0" smtClean="0">
+            <a:endParaRPr lang="en-US" altLang="ja-JP" sz="4400" b="1" u="sng" dirty="0">
               <a:solidFill>
                 <a:schemeClr val="accent1">
                   <a:lumMod val="75000"/>
                 </a:schemeClr>
-              </a:solidFill>
-            </a:endParaRPr>
-          </a:p>
-          <a:p>
-            <a:endParaRPr lang="en-US" altLang="ja-JP" sz="3200" b="1" u="sng" dirty="0">
-              <a:solidFill>
-                <a:schemeClr val="accent1">
-                  <a:lumMod val="75000"/>
-                </a:schemeClr>
-              </a:solidFill>
-            </a:endParaRPr>
-          </a:p>
-          <a:p>
-            <a:r>
-              <a:rPr kumimoji="1" lang="ja-JP" altLang="en-US" sz="3200" dirty="0" smtClean="0">
-                <a:solidFill>
-                  <a:schemeClr val="tx1"/>
-                </a:solidFill>
-              </a:rPr>
-              <a:t>速度などのセンサーの値から</a:t>
-            </a:r>
-            <a:endParaRPr kumimoji="1" lang="en-US" altLang="ja-JP" sz="3200" dirty="0" smtClean="0">
-              <a:solidFill>
-                <a:schemeClr val="tx1"/>
-              </a:solidFill>
-            </a:endParaRPr>
-          </a:p>
-          <a:p>
-            <a:pPr>
-              <a:buFont typeface="Wingdings" panose="05000000000000000000" pitchFamily="2" charset="2"/>
-              <a:buChar char="l"/>
-            </a:pPr>
-            <a:r>
-              <a:rPr lang="ja-JP" altLang="en-US" sz="3200" dirty="0" smtClean="0">
-                <a:solidFill>
-                  <a:schemeClr val="tx1"/>
-                </a:solidFill>
-              </a:rPr>
-              <a:t>旋律</a:t>
-            </a:r>
-            <a:endParaRPr lang="en-US" altLang="ja-JP" sz="3200" dirty="0" smtClean="0">
-              <a:solidFill>
-                <a:schemeClr val="tx1"/>
-              </a:solidFill>
-            </a:endParaRPr>
-          </a:p>
-          <a:p>
-            <a:pPr>
-              <a:buFont typeface="Wingdings" panose="05000000000000000000" pitchFamily="2" charset="2"/>
-              <a:buChar char="l"/>
-            </a:pPr>
-            <a:r>
-              <a:rPr kumimoji="1" lang="ja-JP" altLang="en-US" sz="3200" dirty="0" smtClean="0">
-                <a:solidFill>
-                  <a:schemeClr val="tx1"/>
-                </a:solidFill>
-              </a:rPr>
-              <a:t>ドラム</a:t>
-            </a:r>
-            <a:endParaRPr kumimoji="1" lang="en-US" altLang="ja-JP" sz="3200" dirty="0" smtClean="0">
-              <a:solidFill>
-                <a:schemeClr val="tx1"/>
-              </a:solidFill>
-            </a:endParaRPr>
-          </a:p>
-          <a:p>
-            <a:pPr marL="0" indent="0">
-              <a:buNone/>
-            </a:pPr>
-            <a:r>
-              <a:rPr lang="ja-JP" altLang="en-US" sz="3200" dirty="0" smtClean="0">
-                <a:solidFill>
-                  <a:schemeClr val="tx1"/>
-                </a:solidFill>
-              </a:rPr>
-              <a:t>を生成する</a:t>
-            </a:r>
-            <a:endParaRPr kumimoji="1" lang="ja-JP" altLang="en-US" sz="3200" dirty="0">
-              <a:solidFill>
-                <a:schemeClr val="tx1"/>
               </a:solidFill>
             </a:endParaRPr>
           </a:p>
@@ -4441,9 +4994,393 @@
           <a:chExt cx="0" cy="0"/>
         </a:xfrm>
       </p:grpSpPr>
-      <p:sp>
-        <p:nvSpPr>
-          <p:cNvPr id="2" name="タイトル 1"/>
+      <p:grpSp>
+        <p:nvGrpSpPr>
+          <p:cNvPr id="8" name="グループ化 7"/>
+          <p:cNvGrpSpPr/>
+          <p:nvPr/>
+        </p:nvGrpSpPr>
+        <p:grpSpPr>
+          <a:xfrm>
+            <a:off x="944880" y="1874520"/>
+            <a:ext cx="10195560" cy="1097280"/>
+            <a:chOff x="960120" y="777240"/>
+            <a:chExt cx="10195560" cy="1097280"/>
+          </a:xfrm>
+          <a:solidFill>
+            <a:schemeClr val="accent1">
+              <a:lumMod val="40000"/>
+              <a:lumOff val="60000"/>
+            </a:schemeClr>
+          </a:solidFill>
+        </p:grpSpPr>
+        <p:sp>
+          <p:nvSpPr>
+            <p:cNvPr id="4" name="角丸四角形 3"/>
+            <p:cNvSpPr/>
+            <p:nvPr/>
+          </p:nvSpPr>
+          <p:spPr>
+            <a:xfrm>
+              <a:off x="960120" y="777240"/>
+              <a:ext cx="3352800" cy="1097280"/>
+            </a:xfrm>
+            <a:prstGeom prst="roundRect">
+              <a:avLst/>
+            </a:prstGeom>
+            <a:grpFill/>
+          </p:spPr>
+          <p:style>
+            <a:lnRef idx="2">
+              <a:schemeClr val="accent1">
+                <a:shade val="50000"/>
+              </a:schemeClr>
+            </a:lnRef>
+            <a:fillRef idx="1">
+              <a:schemeClr val="accent1"/>
+            </a:fillRef>
+            <a:effectRef idx="0">
+              <a:schemeClr val="accent1"/>
+            </a:effectRef>
+            <a:fontRef idx="minor">
+              <a:schemeClr val="lt1"/>
+            </a:fontRef>
+          </p:style>
+          <p:txBody>
+            <a:bodyPr rtlCol="0" anchor="ctr"/>
+            <a:lstStyle/>
+            <a:p>
+              <a:pPr algn="ctr"/>
+              <a:r>
+                <a:rPr lang="ja-JP" altLang="en-US" sz="2800" b="1" dirty="0" smtClean="0">
+                  <a:solidFill>
+                    <a:schemeClr val="tx1"/>
+                  </a:solidFill>
+                </a:rPr>
+                <a:t>車の位置</a:t>
+              </a:r>
+              <a:endParaRPr lang="en-US" altLang="ja-JP" sz="2800" b="1" dirty="0" smtClean="0">
+                <a:solidFill>
+                  <a:schemeClr val="tx1"/>
+                </a:solidFill>
+              </a:endParaRPr>
+            </a:p>
+            <a:p>
+              <a:pPr algn="ctr"/>
+              <a:r>
+                <a:rPr lang="en-US" altLang="ja-JP" sz="2400" b="1" dirty="0" smtClean="0">
+                  <a:solidFill>
+                    <a:schemeClr val="tx1"/>
+                  </a:solidFill>
+                </a:rPr>
+                <a:t>(</a:t>
+              </a:r>
+              <a:r>
+                <a:rPr lang="ja-JP" altLang="en-US" sz="2400" b="1" dirty="0" smtClean="0">
+                  <a:solidFill>
+                    <a:schemeClr val="tx1"/>
+                  </a:solidFill>
+                </a:rPr>
+                <a:t>場所や標高</a:t>
+              </a:r>
+              <a:r>
+                <a:rPr lang="en-US" altLang="ja-JP" sz="2400" b="1" dirty="0" smtClean="0">
+                  <a:solidFill>
+                    <a:schemeClr val="tx1"/>
+                  </a:solidFill>
+                </a:rPr>
+                <a:t>)</a:t>
+              </a:r>
+              <a:endParaRPr kumimoji="1" lang="ja-JP" altLang="en-US" sz="2000" b="1" dirty="0">
+                <a:solidFill>
+                  <a:schemeClr val="tx1"/>
+                </a:solidFill>
+              </a:endParaRPr>
+            </a:p>
+          </p:txBody>
+        </p:sp>
+        <p:sp>
+          <p:nvSpPr>
+            <p:cNvPr id="5" name="角丸四角形 4"/>
+            <p:cNvSpPr/>
+            <p:nvPr/>
+          </p:nvSpPr>
+          <p:spPr>
+            <a:xfrm>
+              <a:off x="4686300" y="777240"/>
+              <a:ext cx="3048000" cy="1097280"/>
+            </a:xfrm>
+            <a:prstGeom prst="roundRect">
+              <a:avLst/>
+            </a:prstGeom>
+            <a:grpFill/>
+          </p:spPr>
+          <p:style>
+            <a:lnRef idx="2">
+              <a:schemeClr val="accent1">
+                <a:shade val="50000"/>
+              </a:schemeClr>
+            </a:lnRef>
+            <a:fillRef idx="1">
+              <a:schemeClr val="accent1"/>
+            </a:fillRef>
+            <a:effectRef idx="0">
+              <a:schemeClr val="accent1"/>
+            </a:effectRef>
+            <a:fontRef idx="minor">
+              <a:schemeClr val="lt1"/>
+            </a:fontRef>
+          </p:style>
+          <p:txBody>
+            <a:bodyPr rtlCol="0" anchor="ctr"/>
+            <a:lstStyle/>
+            <a:p>
+              <a:pPr algn="ctr"/>
+              <a:r>
+                <a:rPr kumimoji="1" lang="ja-JP" altLang="en-US" sz="3200" b="1" dirty="0" smtClean="0">
+                  <a:solidFill>
+                    <a:schemeClr val="tx1"/>
+                  </a:solidFill>
+                </a:rPr>
+                <a:t>運転方法</a:t>
+              </a:r>
+              <a:endParaRPr kumimoji="1" lang="en-US" altLang="ja-JP" sz="3200" b="1" dirty="0" smtClean="0">
+                <a:solidFill>
+                  <a:schemeClr val="tx1"/>
+                </a:solidFill>
+              </a:endParaRPr>
+            </a:p>
+            <a:p>
+              <a:pPr algn="ctr"/>
+              <a:r>
+                <a:rPr lang="ja-JP" altLang="en-US" sz="2000" b="1" dirty="0" smtClean="0">
+                  <a:solidFill>
+                    <a:schemeClr val="tx1"/>
+                  </a:solidFill>
+                </a:rPr>
+                <a:t>（速度やハンドルの操作）</a:t>
+              </a:r>
+              <a:endParaRPr kumimoji="1" lang="ja-JP" altLang="en-US" sz="2000" b="1" dirty="0">
+                <a:solidFill>
+                  <a:schemeClr val="tx1"/>
+                </a:solidFill>
+              </a:endParaRPr>
+            </a:p>
+          </p:txBody>
+        </p:sp>
+        <p:sp>
+          <p:nvSpPr>
+            <p:cNvPr id="6" name="角丸四角形 5"/>
+            <p:cNvSpPr/>
+            <p:nvPr/>
+          </p:nvSpPr>
+          <p:spPr>
+            <a:xfrm>
+              <a:off x="8107680" y="777240"/>
+              <a:ext cx="3048000" cy="1097280"/>
+            </a:xfrm>
+            <a:prstGeom prst="roundRect">
+              <a:avLst/>
+            </a:prstGeom>
+            <a:grpFill/>
+          </p:spPr>
+          <p:style>
+            <a:lnRef idx="2">
+              <a:schemeClr val="accent1">
+                <a:shade val="50000"/>
+              </a:schemeClr>
+            </a:lnRef>
+            <a:fillRef idx="1">
+              <a:schemeClr val="accent1"/>
+            </a:fillRef>
+            <a:effectRef idx="0">
+              <a:schemeClr val="accent1"/>
+            </a:effectRef>
+            <a:fontRef idx="minor">
+              <a:schemeClr val="lt1"/>
+            </a:fontRef>
+          </p:style>
+          <p:txBody>
+            <a:bodyPr rtlCol="0" anchor="ctr"/>
+            <a:lstStyle/>
+            <a:p>
+              <a:pPr algn="ctr"/>
+              <a:r>
+                <a:rPr lang="ja-JP" altLang="en-US" sz="3200" b="1" dirty="0">
+                  <a:solidFill>
+                    <a:schemeClr val="tx1"/>
+                  </a:solidFill>
+                </a:rPr>
+                <a:t>気象</a:t>
+              </a:r>
+              <a:r>
+                <a:rPr lang="ja-JP" altLang="en-US" sz="3200" b="1" dirty="0" smtClean="0">
+                  <a:solidFill>
+                    <a:schemeClr val="tx1"/>
+                  </a:solidFill>
+                </a:rPr>
+                <a:t>情報</a:t>
+              </a:r>
+              <a:endParaRPr lang="en-US" altLang="ja-JP" sz="3200" b="1" dirty="0" smtClean="0">
+                <a:solidFill>
+                  <a:schemeClr val="tx1"/>
+                </a:solidFill>
+              </a:endParaRPr>
+            </a:p>
+            <a:p>
+              <a:pPr algn="ctr"/>
+              <a:r>
+                <a:rPr kumimoji="1" lang="en-US" altLang="ja-JP" sz="2400" b="1" dirty="0" smtClean="0">
+                  <a:solidFill>
+                    <a:schemeClr val="tx1"/>
+                  </a:solidFill>
+                </a:rPr>
+                <a:t>(</a:t>
+              </a:r>
+              <a:r>
+                <a:rPr lang="ja-JP" altLang="en-US" sz="2400" b="1" dirty="0" smtClean="0">
+                  <a:solidFill>
+                    <a:schemeClr val="tx1"/>
+                  </a:solidFill>
+                </a:rPr>
+                <a:t>晴れ・雨・曇り</a:t>
+              </a:r>
+              <a:r>
+                <a:rPr kumimoji="1" lang="en-US" altLang="ja-JP" sz="2400" b="1" dirty="0" smtClean="0">
+                  <a:solidFill>
+                    <a:schemeClr val="tx1"/>
+                  </a:solidFill>
+                </a:rPr>
+                <a:t>)</a:t>
+              </a:r>
+              <a:endParaRPr kumimoji="1" lang="ja-JP" altLang="en-US" sz="2400" b="1" dirty="0">
+                <a:solidFill>
+                  <a:schemeClr val="tx1"/>
+                </a:solidFill>
+              </a:endParaRPr>
+            </a:p>
+          </p:txBody>
+        </p:sp>
+      </p:grpSp>
+      <p:sp>
+        <p:nvSpPr>
+          <p:cNvPr id="7" name="下矢印 6"/>
+          <p:cNvSpPr/>
+          <p:nvPr/>
+        </p:nvSpPr>
+        <p:spPr>
+          <a:xfrm>
+            <a:off x="5183556" y="3249461"/>
+            <a:ext cx="2023007" cy="1151558"/>
+          </a:xfrm>
+          <a:prstGeom prst="downArrow">
+            <a:avLst/>
+          </a:prstGeom>
+          <a:solidFill>
+            <a:schemeClr val="bg1">
+              <a:lumMod val="95000"/>
+            </a:schemeClr>
+          </a:solidFill>
+          <a:ln>
+            <a:solidFill>
+              <a:schemeClr val="tx1">
+                <a:lumMod val="50000"/>
+                <a:lumOff val="50000"/>
+              </a:schemeClr>
+            </a:solidFill>
+          </a:ln>
+        </p:spPr>
+        <p:style>
+          <a:lnRef idx="2">
+            <a:schemeClr val="accent1">
+              <a:shade val="50000"/>
+            </a:schemeClr>
+          </a:lnRef>
+          <a:fillRef idx="1">
+            <a:schemeClr val="accent1"/>
+          </a:fillRef>
+          <a:effectRef idx="0">
+            <a:schemeClr val="accent1"/>
+          </a:effectRef>
+          <a:fontRef idx="minor">
+            <a:schemeClr val="lt1"/>
+          </a:fontRef>
+        </p:style>
+        <p:txBody>
+          <a:bodyPr rtlCol="0" anchor="ctr"/>
+          <a:lstStyle/>
+          <a:p>
+            <a:pPr algn="ctr"/>
+            <a:endParaRPr kumimoji="1" lang="ja-JP" altLang="en-US"/>
+          </a:p>
+        </p:txBody>
+      </p:sp>
+      <p:sp>
+        <p:nvSpPr>
+          <p:cNvPr id="10" name="角丸四角形 9"/>
+          <p:cNvSpPr/>
+          <p:nvPr/>
+        </p:nvSpPr>
+        <p:spPr>
+          <a:xfrm>
+            <a:off x="960120" y="4678680"/>
+            <a:ext cx="10195560" cy="1097280"/>
+          </a:xfrm>
+          <a:prstGeom prst="roundRect">
+            <a:avLst/>
+          </a:prstGeom>
+          <a:solidFill>
+            <a:srgbClr val="FEA184"/>
+          </a:solidFill>
+        </p:spPr>
+        <p:style>
+          <a:lnRef idx="2">
+            <a:schemeClr val="accent1">
+              <a:shade val="50000"/>
+            </a:schemeClr>
+          </a:lnRef>
+          <a:fillRef idx="1">
+            <a:schemeClr val="accent1"/>
+          </a:fillRef>
+          <a:effectRef idx="0">
+            <a:schemeClr val="accent1"/>
+          </a:effectRef>
+          <a:fontRef idx="minor">
+            <a:schemeClr val="lt1"/>
+          </a:fontRef>
+        </p:style>
+        <p:txBody>
+          <a:bodyPr rtlCol="0" anchor="ctr"/>
+          <a:lstStyle/>
+          <a:p>
+            <a:pPr algn="ctr"/>
+            <a:r>
+              <a:rPr lang="ja-JP" altLang="en-US" sz="3600" b="1" dirty="0">
+                <a:solidFill>
+                  <a:schemeClr val="tx1"/>
+                </a:solidFill>
+              </a:rPr>
+              <a:t>楽器</a:t>
+            </a:r>
+            <a:r>
+              <a:rPr lang="ja-JP" altLang="en-US" sz="3600" b="1" dirty="0" smtClean="0">
+                <a:solidFill>
+                  <a:schemeClr val="tx1"/>
+                </a:solidFill>
+              </a:rPr>
+              <a:t>の種類、リズム、旋律を生成</a:t>
+            </a:r>
+            <a:endParaRPr kumimoji="1" lang="ja-JP" altLang="en-US" sz="3600" b="1" dirty="0">
+              <a:solidFill>
+                <a:schemeClr val="tx1"/>
+              </a:solidFill>
+            </a:endParaRPr>
+          </a:p>
+        </p:txBody>
+      </p:sp>
+      <p:sp>
+        <p:nvSpPr>
+          <p:cNvPr id="13" name="タイトル 1"/>
           <p:cNvSpPr>
             <a:spLocks noGrp="1"/>
           </p:cNvSpPr>
@@ -4451,23 +5388,62 @@
             <p:ph type="title"/>
           </p:nvPr>
         </p:nvSpPr>
-        <p:spPr/>
+        <p:spPr>
+          <a:xfrm>
+            <a:off x="1097280" y="286603"/>
+            <a:ext cx="10058400" cy="1450757"/>
+          </a:xfrm>
+        </p:spPr>
         <p:txBody>
           <a:bodyPr/>
           <a:lstStyle/>
           <a:p>
-            <a:endParaRPr kumimoji="1" lang="ja-JP" altLang="en-US"/>
-          </a:p>
-        </p:txBody>
-      </p:sp>
-      <p:sp>
-        <p:nvSpPr>
-          <p:cNvPr id="3" name="コンテンツ プレースホルダー 2"/>
-          <p:cNvSpPr>
-            <a:spLocks noGrp="1"/>
-          </p:cNvSpPr>
-          <p:nvPr>
-            <p:ph idx="1"/>
+            <a:r>
+              <a:rPr lang="ja-JP" altLang="en-US" dirty="0"/>
+              <a:t>コンセプト</a:t>
+            </a:r>
+            <a:endParaRPr kumimoji="1" lang="ja-JP" altLang="en-US" dirty="0"/>
+          </a:p>
+        </p:txBody>
+      </p:sp>
+    </p:spTree>
+    <p:extLst>
+      <p:ext uri="{BB962C8B-B14F-4D97-AF65-F5344CB8AC3E}">
+        <p14:creationId xmlns:p14="http://schemas.microsoft.com/office/powerpoint/2010/main" val="1378045832"/>
+      </p:ext>
+    </p:extLst>
+  </p:cSld>
+  <p:clrMapOvr>
+    <a:masterClrMapping/>
+  </p:clrMapOvr>
+</p:sld>
+</file>
+
+<file path=ppt/slides/slide4.xml><?xml version="1.0" encoding="utf-8"?>
+<p:sld xmlns:a="http://schemas.openxmlformats.org/drawingml/2006/main" xmlns:r="http://schemas.openxmlformats.org/officeDocument/2006/relationships" xmlns:p="http://schemas.openxmlformats.org/presentationml/2006/main">
+  <p:cSld>
+    <p:spTree>
+      <p:nvGrpSpPr>
+        <p:cNvPr id="1" name=""/>
+        <p:cNvGrpSpPr/>
+        <p:nvPr/>
+      </p:nvGrpSpPr>
+      <p:grpSpPr>
+        <a:xfrm>
+          <a:off x="0" y="0"/>
+          <a:ext cx="0" cy="0"/>
+          <a:chOff x="0" y="0"/>
+          <a:chExt cx="0" cy="0"/>
+        </a:xfrm>
+      </p:grpSpPr>
+      <p:sp>
+        <p:nvSpPr>
+          <p:cNvPr id="2" name="タイトル 1"/>
+          <p:cNvSpPr>
+            <a:spLocks noGrp="1"/>
+          </p:cNvSpPr>
+          <p:nvPr>
+            <p:ph type="title"/>
           </p:nvPr>
         </p:nvSpPr>
         <p:spPr/>
@@ -4476,179 +5452,163 @@
           <a:lstStyle/>
           <a:p>
             <a:r>
-              <a:rPr kumimoji="1" lang="en-US" altLang="ja-JP" dirty="0" smtClean="0"/>
-              <a:t>(</a:t>
-            </a:r>
-            <a:r>
-              <a:rPr kumimoji="1" lang="ja-JP" altLang="en-US" b="1" dirty="0" smtClean="0">
+              <a:rPr lang="ja-JP" altLang="en-US" dirty="0"/>
+              <a:t>使い方</a:t>
+            </a:r>
+            <a:endParaRPr kumimoji="1" lang="ja-JP" altLang="en-US" dirty="0"/>
+          </a:p>
+        </p:txBody>
+      </p:sp>
+      <p:sp>
+        <p:nvSpPr>
+          <p:cNvPr id="3" name="コンテンツ プレースホルダー 2"/>
+          <p:cNvSpPr>
+            <a:spLocks noGrp="1"/>
+          </p:cNvSpPr>
+          <p:nvPr>
+            <p:ph idx="1"/>
+          </p:nvPr>
+        </p:nvSpPr>
+        <p:spPr/>
+        <p:txBody>
+          <a:bodyPr/>
+          <a:lstStyle/>
+          <a:p>
+            <a:endParaRPr kumimoji="1" lang="ja-JP" altLang="en-US" dirty="0"/>
+          </a:p>
+        </p:txBody>
+      </p:sp>
+    </p:spTree>
+    <p:extLst>
+      <p:ext uri="{BB962C8B-B14F-4D97-AF65-F5344CB8AC3E}">
+        <p14:creationId xmlns:p14="http://schemas.microsoft.com/office/powerpoint/2010/main" val="3479645016"/>
+      </p:ext>
+    </p:extLst>
+  </p:cSld>
+  <p:clrMapOvr>
+    <a:masterClrMapping/>
+  </p:clrMapOvr>
+</p:sld>
+</file>
+
+<file path=ppt/slides/slide5.xml><?xml version="1.0" encoding="utf-8"?>
+<p:sld xmlns:a="http://schemas.openxmlformats.org/drawingml/2006/main" xmlns:r="http://schemas.openxmlformats.org/officeDocument/2006/relationships" xmlns:p="http://schemas.openxmlformats.org/presentationml/2006/main">
+  <p:cSld>
+    <p:spTree>
+      <p:nvGrpSpPr>
+        <p:cNvPr id="1" name=""/>
+        <p:cNvGrpSpPr/>
+        <p:nvPr/>
+      </p:nvGrpSpPr>
+      <p:grpSpPr>
+        <a:xfrm>
+          <a:off x="0" y="0"/>
+          <a:ext cx="0" cy="0"/>
+          <a:chOff x="0" y="0"/>
+          <a:chExt cx="0" cy="0"/>
+        </a:xfrm>
+      </p:grpSpPr>
+      <p:sp>
+        <p:nvSpPr>
+          <p:cNvPr id="2" name="タイトル 1"/>
+          <p:cNvSpPr>
+            <a:spLocks noGrp="1"/>
+          </p:cNvSpPr>
+          <p:nvPr>
+            <p:ph type="title"/>
+          </p:nvPr>
+        </p:nvSpPr>
+        <p:spPr/>
+        <p:txBody>
+          <a:bodyPr/>
+          <a:lstStyle/>
+          <a:p>
+            <a:r>
+              <a:rPr kumimoji="1" lang="ja-JP" altLang="en-US" dirty="0" smtClean="0"/>
+              <a:t>アプリについて</a:t>
+            </a:r>
+            <a:endParaRPr kumimoji="1" lang="ja-JP" altLang="en-US" dirty="0"/>
+          </a:p>
+        </p:txBody>
+      </p:sp>
+      <p:sp>
+        <p:nvSpPr>
+          <p:cNvPr id="3" name="コンテンツ プレースホルダー 2"/>
+          <p:cNvSpPr>
+            <a:spLocks noGrp="1"/>
+          </p:cNvSpPr>
+          <p:nvPr>
+            <p:ph idx="1"/>
+          </p:nvPr>
+        </p:nvSpPr>
+        <p:spPr>
+          <a:xfrm>
+            <a:off x="1097280" y="3156374"/>
+            <a:ext cx="10058400" cy="1308946"/>
+          </a:xfrm>
+        </p:spPr>
+        <p:txBody>
+          <a:bodyPr>
+            <a:normAutofit lnSpcReduction="10000"/>
+          </a:bodyPr>
+          <a:lstStyle/>
+          <a:p>
+            <a:pPr marL="0" indent="0">
+              <a:buNone/>
+            </a:pPr>
+            <a:r>
+              <a:rPr kumimoji="1" lang="ja-JP" altLang="en-US" sz="3600" dirty="0" smtClean="0"/>
+              <a:t>今回は、</a:t>
+            </a:r>
+            <a:r>
+              <a:rPr kumimoji="1" lang="ja-JP" altLang="en-US" sz="4400" u="sng" dirty="0" smtClean="0">
                 <a:solidFill>
-                  <a:schemeClr val="accent1">
-                    <a:lumMod val="75000"/>
-                  </a:schemeClr>
+                  <a:srgbClr val="FF0000"/>
                 </a:solidFill>
               </a:rPr>
-              <a:t>「今回は限られた時間での </a:t>
-            </a:r>
-            <a:r>
-              <a:rPr kumimoji="1" lang="en-US" altLang="ja-JP" b="1" dirty="0" smtClean="0">
+              <a:t>車の速度</a:t>
+            </a:r>
+            <a:r>
+              <a:rPr lang="en-US" altLang="ja-JP" sz="4400" u="sng" dirty="0" smtClean="0">
                 <a:solidFill>
-                  <a:schemeClr val="accent1">
-                    <a:lumMod val="75000"/>
-                  </a:schemeClr>
+                  <a:srgbClr val="FF0000"/>
                 </a:solidFill>
               </a:rPr>
-              <a:t>Proof of Concept </a:t>
-            </a:r>
-            <a:r>
-              <a:rPr kumimoji="1" lang="ja-JP" altLang="en-US" b="1" dirty="0" err="1" smtClean="0">
+              <a:t> = </a:t>
+            </a:r>
+            <a:r>
+              <a:rPr lang="ja-JP" altLang="en-US" sz="4400" u="sng" dirty="0" smtClean="0">
                 <a:solidFill>
-                  <a:schemeClr val="accent1">
-                    <a:lumMod val="75000"/>
-                  </a:schemeClr>
+                  <a:srgbClr val="FF0000"/>
                 </a:solidFill>
               </a:rPr>
-              <a:t>なの</a:t>
-            </a:r>
-            <a:r>
-              <a:rPr kumimoji="1" lang="ja-JP" altLang="en-US" b="1" dirty="0" smtClean="0">
-                <a:solidFill>
-                  <a:schemeClr val="accent1">
-                    <a:lumMod val="75000"/>
-                  </a:schemeClr>
-                </a:solidFill>
-              </a:rPr>
-              <a:t>で</a:t>
-            </a:r>
-            <a:endParaRPr kumimoji="1" lang="en-US" altLang="ja-JP" b="1" dirty="0" smtClean="0">
-              <a:solidFill>
-                <a:schemeClr val="accent1">
-                  <a:lumMod val="75000"/>
-                </a:schemeClr>
-              </a:solidFill>
-            </a:endParaRPr>
-          </a:p>
-          <a:p>
-            <a:r>
-              <a:rPr lang="ja-JP" altLang="en-US" b="1" dirty="0">
-                <a:solidFill>
-                  <a:schemeClr val="accent1">
-                    <a:lumMod val="75000"/>
-                  </a:schemeClr>
-                </a:solidFill>
-              </a:rPr>
-              <a:t> </a:t>
-            </a:r>
-            <a:r>
-              <a:rPr lang="ja-JP" altLang="en-US" b="1" dirty="0" smtClean="0">
-                <a:solidFill>
-                  <a:schemeClr val="accent1">
-                    <a:lumMod val="75000"/>
-                  </a:schemeClr>
-                </a:solidFill>
-              </a:rPr>
-              <a:t>   生成するのはドラムだけ</a:t>
-            </a:r>
-            <a:endParaRPr lang="en-US" altLang="ja-JP" b="1" dirty="0" smtClean="0">
-              <a:solidFill>
-                <a:schemeClr val="accent1">
-                  <a:lumMod val="75000"/>
-                </a:schemeClr>
-              </a:solidFill>
-            </a:endParaRPr>
-          </a:p>
-          <a:p>
-            <a:r>
-              <a:rPr kumimoji="1" lang="ja-JP" altLang="en-US" b="1" dirty="0">
-                <a:solidFill>
-                  <a:schemeClr val="accent1">
-                    <a:lumMod val="75000"/>
-                  </a:schemeClr>
-                </a:solidFill>
-              </a:rPr>
-              <a:t> </a:t>
-            </a:r>
-            <a:r>
-              <a:rPr kumimoji="1" lang="ja-JP" altLang="en-US" b="1" dirty="0" smtClean="0">
-                <a:solidFill>
-                  <a:schemeClr val="accent1">
-                    <a:lumMod val="75000"/>
-                  </a:schemeClr>
-                </a:solidFill>
-              </a:rPr>
-              <a:t>   タブレットのセンサーを車載センサーの代用とする</a:t>
-            </a:r>
-            <a:r>
-              <a:rPr lang="ja-JP" altLang="en-US" b="1" dirty="0" smtClean="0">
-                <a:solidFill>
-                  <a:schemeClr val="accent1">
-                    <a:lumMod val="75000"/>
-                  </a:schemeClr>
-                </a:solidFill>
-              </a:rPr>
-              <a:t>」</a:t>
-            </a:r>
-            <a:endParaRPr lang="en-US" altLang="ja-JP" b="1" dirty="0" smtClean="0">
-              <a:solidFill>
-                <a:schemeClr val="accent1">
-                  <a:lumMod val="75000"/>
-                </a:schemeClr>
-              </a:solidFill>
-            </a:endParaRPr>
-          </a:p>
-          <a:p>
-            <a:r>
-              <a:rPr kumimoji="1" lang="ja-JP" altLang="en-US" dirty="0"/>
-              <a:t> </a:t>
-            </a:r>
-            <a:r>
-              <a:rPr kumimoji="1" lang="ja-JP" altLang="en-US" dirty="0" smtClean="0"/>
-              <a:t> ことを、</a:t>
-            </a:r>
-            <a:r>
-              <a:rPr kumimoji="1" lang="en-US" altLang="ja-JP" dirty="0" smtClean="0"/>
-              <a:t>3~4</a:t>
-            </a:r>
-            <a:r>
-              <a:rPr kumimoji="1" lang="ja-JP" altLang="en-US" dirty="0" smtClean="0"/>
-              <a:t>分 </a:t>
-            </a:r>
-            <a:r>
-              <a:rPr kumimoji="1" lang="en-US" altLang="ja-JP" dirty="0" smtClean="0"/>
-              <a:t>(</a:t>
-            </a:r>
-            <a:r>
-              <a:rPr kumimoji="1" lang="ja-JP" altLang="en-US" dirty="0" smtClean="0"/>
-              <a:t>スライド </a:t>
-            </a:r>
-            <a:r>
-              <a:rPr kumimoji="1" lang="en-US" altLang="ja-JP" dirty="0" smtClean="0"/>
-              <a:t>3</a:t>
-            </a:r>
-            <a:r>
-              <a:rPr kumimoji="1" lang="ja-JP" altLang="en-US" dirty="0" smtClean="0"/>
-              <a:t>～</a:t>
-            </a:r>
-            <a:r>
-              <a:rPr kumimoji="1" lang="en-US" altLang="ja-JP" dirty="0" smtClean="0"/>
-              <a:t>4</a:t>
-            </a:r>
-            <a:r>
-              <a:rPr lang="ja-JP" altLang="en-US" dirty="0" smtClean="0"/>
-              <a:t>枚</a:t>
-            </a:r>
-            <a:r>
-              <a:rPr lang="en-US" altLang="ja-JP" dirty="0" smtClean="0"/>
-              <a:t>) </a:t>
-            </a:r>
-            <a:r>
-              <a:rPr lang="ja-JP" altLang="en-US" dirty="0" smtClean="0"/>
-              <a:t>にまとめる</a:t>
-            </a:r>
-            <a:r>
-              <a:rPr lang="en-US" altLang="ja-JP" dirty="0" smtClean="0"/>
-              <a:t>)</a:t>
-            </a:r>
-            <a:endParaRPr kumimoji="1" lang="en-US" altLang="ja-JP" dirty="0" smtClean="0"/>
+              <a:t>加速度</a:t>
+            </a:r>
+            <a:r>
+              <a:rPr lang="ja-JP" altLang="en-US" sz="3600" dirty="0" smtClean="0"/>
+              <a:t>　とし、</a:t>
+            </a:r>
+            <a:endParaRPr lang="en-US" altLang="ja-JP" sz="3600" dirty="0" smtClean="0"/>
+          </a:p>
+          <a:p>
+            <a:pPr marL="0" indent="0">
+              <a:buNone/>
+            </a:pPr>
+            <a:r>
+              <a:rPr lang="ja-JP" altLang="en-US" sz="3600" dirty="0"/>
+              <a:t>　</a:t>
+            </a:r>
+            <a:r>
+              <a:rPr lang="ja-JP" altLang="en-US" sz="3600" dirty="0" smtClean="0"/>
+              <a:t>その情報を基にドラムのリズムを生成した。</a:t>
+            </a:r>
+            <a:endParaRPr lang="en-US" altLang="ja-JP" sz="3600" dirty="0" smtClean="0"/>
+          </a:p>
+          <a:p>
+            <a:pPr marL="0" indent="0">
+              <a:buNone/>
+            </a:pPr>
+            <a:endParaRPr lang="en-US" altLang="ja-JP" dirty="0"/>
           </a:p>
         </p:txBody>
       </p:sp>
@@ -4656,6 +5616,74 @@
     <p:extLst>
       <p:ext uri="{BB962C8B-B14F-4D97-AF65-F5344CB8AC3E}">
         <p14:creationId xmlns:p14="http://schemas.microsoft.com/office/powerpoint/2010/main" val="728922337"/>
+      </p:ext>
+    </p:extLst>
+  </p:cSld>
+  <p:clrMapOvr>
+    <a:masterClrMapping/>
+  </p:clrMapOvr>
+</p:sld>
+</file>
+
+<file path=ppt/slides/slide6.xml><?xml version="1.0" encoding="utf-8"?>
+<p:sld xmlns:a="http://schemas.openxmlformats.org/drawingml/2006/main" xmlns:r="http://schemas.openxmlformats.org/officeDocument/2006/relationships" xmlns:p="http://schemas.openxmlformats.org/presentationml/2006/main">
+  <p:cSld>
+    <p:spTree>
+      <p:nvGrpSpPr>
+        <p:cNvPr id="1" name=""/>
+        <p:cNvGrpSpPr/>
+        <p:nvPr/>
+      </p:nvGrpSpPr>
+      <p:grpSpPr>
+        <a:xfrm>
+          <a:off x="0" y="0"/>
+          <a:ext cx="0" cy="0"/>
+          <a:chOff x="0" y="0"/>
+          <a:chExt cx="0" cy="0"/>
+        </a:xfrm>
+      </p:grpSpPr>
+      <p:sp>
+        <p:nvSpPr>
+          <p:cNvPr id="2" name="タイトル 1"/>
+          <p:cNvSpPr>
+            <a:spLocks noGrp="1"/>
+          </p:cNvSpPr>
+          <p:nvPr>
+            <p:ph type="title"/>
+          </p:nvPr>
+        </p:nvSpPr>
+        <p:spPr/>
+        <p:txBody>
+          <a:bodyPr/>
+          <a:lstStyle/>
+          <a:p>
+            <a:endParaRPr kumimoji="1" lang="ja-JP" altLang="en-US"/>
+          </a:p>
+        </p:txBody>
+      </p:sp>
+      <p:sp>
+        <p:nvSpPr>
+          <p:cNvPr id="3" name="コンテンツ プレースホルダー 2"/>
+          <p:cNvSpPr>
+            <a:spLocks noGrp="1"/>
+          </p:cNvSpPr>
+          <p:nvPr>
+            <p:ph idx="1"/>
+          </p:nvPr>
+        </p:nvSpPr>
+        <p:spPr/>
+        <p:txBody>
+          <a:bodyPr/>
+          <a:lstStyle/>
+          <a:p>
+            <a:endParaRPr kumimoji="1" lang="ja-JP" altLang="en-US"/>
+          </a:p>
+        </p:txBody>
+      </p:sp>
+    </p:spTree>
+    <p:extLst>
+      <p:ext uri="{BB962C8B-B14F-4D97-AF65-F5344CB8AC3E}">
+        <p14:creationId xmlns:p14="http://schemas.microsoft.com/office/powerpoint/2010/main" val="4148518912"/>
       </p:ext>
     </p:extLst>
   </p:cSld>
@@ -4942,8 +5970,293 @@
   <a:extraClrSchemeLst/>
   <a:extLst>
     <a:ext uri="{05A4C25C-085E-4340-85A3-A5531E510DB2}">
-      <thm15:themeFamily xmlns:thm15="http://schemas.microsoft.com/office/thememl/2012/main" name="Retrospect" id="{5F128B03-DCCA-4EEB-AB3B-CF2899314A46}" vid="{9CC26709-368C-4D72-9060-94E5B3FF3CD6}"/>
+      <thm15:themeFamily xmlns:thm15="http://schemas.microsoft.com/office/thememl/2012/main" xmlns="" name="Retrospect" id="{5F128B03-DCCA-4EEB-AB3B-CF2899314A46}" vid="{9CC26709-368C-4D72-9060-94E5B3FF3CD6}"/>
     </a:ext>
   </a:extLst>
 </a:theme>
+</file>
+
+<file path=ppt/theme/theme2.xml><?xml version="1.0" encoding="utf-8"?>
+<a:theme xmlns:a="http://schemas.openxmlformats.org/drawingml/2006/main" name="Office ​​テーマ">
+  <a:themeElements>
+    <a:clrScheme name="Office">
+      <a:dk1>
+        <a:sysClr val="windowText" lastClr="000000"/>
+      </a:dk1>
+      <a:lt1>
+        <a:sysClr val="window" lastClr="FFFFFF"/>
+      </a:lt1>
+      <a:dk2>
+        <a:srgbClr val="1F497D"/>
+      </a:dk2>
+      <a:lt2>
+        <a:srgbClr val="EEECE1"/>
+      </a:lt2>
+      <a:accent1>
+        <a:srgbClr val="4F81BD"/>
+      </a:accent1>
+      <a:accent2>
+        <a:srgbClr val="C0504D"/>
+      </a:accent2>
+      <a:accent3>
+        <a:srgbClr val="9BBB59"/>
+      </a:accent3>
+      <a:accent4>
+        <a:srgbClr val="8064A2"/>
+      </a:accent4>
+      <a:accent5>
+        <a:srgbClr val="4BACC6"/>
+      </a:accent5>
+      <a:accent6>
+        <a:srgbClr val="F79646"/>
+      </a:accent6>
+      <a:hlink>
+        <a:srgbClr val="0000FF"/>
+      </a:hlink>
+      <a:folHlink>
+        <a:srgbClr val="800080"/>
+      </a:folHlink>
+    </a:clrScheme>
+    <a:fontScheme name="Office">
+      <a:majorFont>
+        <a:latin typeface="Calibri"/>
+        <a:ea typeface=""/>
+        <a:cs typeface=""/>
+        <a:font script="Jpan" typeface="ＭＳ Ｐゴシック"/>
+        <a:font script="Hang" typeface="맑은 고딕"/>
+        <a:font script="Hans" typeface="宋体"/>
+        <a:font script="Hant" typeface="新細明體"/>
+        <a:font script="Arab" typeface="Times New Roman"/>
+        <a:font script="Hebr" typeface="Times New Roman"/>
+        <a:font script="Thai" typeface="Angsana New"/>
+        <a:font script="Ethi" typeface="Nyala"/>
+        <a:font script="Beng" typeface="Vrinda"/>
+        <a:font script="Gujr" typeface="Shruti"/>
+        <a:font script="Khmr" typeface="MoolBoran"/>
+        <a:font script="Knda" typeface="Tunga"/>
+        <a:font script="Guru" typeface="Raavi"/>
+        <a:font script="Cans" typeface="Euphemia"/>
+        <a:font script="Cher" typeface="Plantagenet Cherokee"/>
+        <a:font script="Yiii" typeface="Microsoft Yi Baiti"/>
+        <a:font script="Tibt" typeface="Microsoft Himalaya"/>
+        <a:font script="Thaa" typeface="MV Boli"/>
+        <a:font script="Deva" typeface="Mangal"/>
+        <a:font script="Telu" typeface="Gautami"/>
+        <a:font script="Taml" typeface="Latha"/>
+        <a:font script="Syrc" typeface="Estrangelo Edessa"/>
+        <a:font script="Orya" typeface="Kalinga"/>
+        <a:font script="Mlym" typeface="Kartika"/>
+        <a:font script="Laoo" typeface="DokChampa"/>
+        <a:font script="Sinh" typeface="Iskoola Pota"/>
+        <a:font script="Mong" typeface="Mongolian Baiti"/>
+        <a:font script="Viet" typeface="Times New Roman"/>
+        <a:font script="Uigh" typeface="Microsoft Uighur"/>
+        <a:font script="Geor" typeface="Sylfaen"/>
+      </a:majorFont>
+      <a:minorFont>
+        <a:latin typeface="Calibri"/>
+        <a:ea typeface=""/>
+        <a:cs typeface=""/>
+        <a:font script="Jpan" typeface="ＭＳ Ｐゴシック"/>
+        <a:font script="Hang" typeface="맑은 고딕"/>
+        <a:font script="Hans" typeface="宋体"/>
+        <a:font script="Hant" typeface="新細明體"/>
+        <a:font script="Arab" typeface="Arial"/>
+        <a:font script="Hebr" typeface="Arial"/>
+        <a:font script="Thai" typeface="Cordia New"/>
+        <a:font script="Ethi" typeface="Nyala"/>
+        <a:font script="Beng" typeface="Vrinda"/>
+        <a:font script="Gujr" typeface="Shruti"/>
+        <a:font script="Khmr" typeface="DaunPenh"/>
+        <a:font script="Knda" typeface="Tunga"/>
+        <a:font script="Guru" typeface="Raavi"/>
+        <a:font script="Cans" typeface="Euphemia"/>
+        <a:font script="Cher" typeface="Plantagenet Cherokee"/>
+        <a:font script="Yiii" typeface="Microsoft Yi Baiti"/>
+        <a:font script="Tibt" typeface="Microsoft Himalaya"/>
+        <a:font script="Thaa" typeface="MV Boli"/>
+        <a:font script="Deva" typeface="Mangal"/>
+        <a:font script="Telu" typeface="Gautami"/>
+        <a:font script="Taml" typeface="Latha"/>
+        <a:font script="Syrc" typeface="Estrangelo Edessa"/>
+        <a:font script="Orya" typeface="Kalinga"/>
+        <a:font script="Mlym" typeface="Kartika"/>
+        <a:font script="Laoo" typeface="DokChampa"/>
+        <a:font script="Sinh" typeface="Iskoola Pota"/>
+        <a:font script="Mong" typeface="Mongolian Baiti"/>
+        <a:font script="Viet" typeface="Arial"/>
+        <a:font script="Uigh" typeface="Microsoft Uighur"/>
+        <a:font script="Geor" typeface="Sylfaen"/>
+      </a:minorFont>
+    </a:fontScheme>
+    <a:fmtScheme name="Office">
+      <a:fillStyleLst>
+        <a:solidFill>
+          <a:schemeClr val="phClr"/>
+        </a:solidFill>
+        <a:gradFill rotWithShape="1">
+          <a:gsLst>
+            <a:gs pos="0">
+              <a:schemeClr val="phClr">
+                <a:tint val="50000"/>
+                <a:satMod val="300000"/>
+              </a:schemeClr>
+            </a:gs>
+            <a:gs pos="35000">
+              <a:schemeClr val="phClr">
+                <a:tint val="37000"/>
+                <a:satMod val="300000"/>
+              </a:schemeClr>
+            </a:gs>
+            <a:gs pos="100000">
+              <a:schemeClr val="phClr">
+                <a:tint val="15000"/>
+                <a:satMod val="350000"/>
+              </a:schemeClr>
+            </a:gs>
+          </a:gsLst>
+          <a:lin ang="16200000" scaled="1"/>
+        </a:gradFill>
+        <a:gradFill rotWithShape="1">
+          <a:gsLst>
+            <a:gs pos="0">
+              <a:schemeClr val="phClr">
+                <a:shade val="51000"/>
+                <a:satMod val="130000"/>
+              </a:schemeClr>
+            </a:gs>
+            <a:gs pos="80000">
+              <a:schemeClr val="phClr">
+                <a:shade val="93000"/>
+                <a:satMod val="130000"/>
+              </a:schemeClr>
+            </a:gs>
+            <a:gs pos="100000">
+              <a:schemeClr val="phClr">
+                <a:shade val="94000"/>
+                <a:satMod val="135000"/>
+              </a:schemeClr>
+            </a:gs>
+          </a:gsLst>
+          <a:lin ang="16200000" scaled="0"/>
+        </a:gradFill>
+      </a:fillStyleLst>
+      <a:lnStyleLst>
+        <a:ln w="9525" cap="flat" cmpd="sng" algn="ctr">
+          <a:solidFill>
+            <a:schemeClr val="phClr">
+              <a:shade val="95000"/>
+              <a:satMod val="105000"/>
+            </a:schemeClr>
+          </a:solidFill>
+          <a:prstDash val="solid"/>
+        </a:ln>
+        <a:ln w="25400" cap="flat" cmpd="sng" algn="ctr">
+          <a:solidFill>
+            <a:schemeClr val="phClr"/>
+          </a:solidFill>
+          <a:prstDash val="solid"/>
+        </a:ln>
+        <a:ln w="38100" cap="flat" cmpd="sng" algn="ctr">
+          <a:solidFill>
+            <a:schemeClr val="phClr"/>
+          </a:solidFill>
+          <a:prstDash val="solid"/>
+        </a:ln>
+      </a:lnStyleLst>
+      <a:effectStyleLst>
+        <a:effectStyle>
+          <a:effectLst>
+            <a:outerShdw blurRad="40000" dist="20000" dir="5400000" rotWithShape="0">
+              <a:srgbClr val="000000">
+                <a:alpha val="38000"/>
+              </a:srgbClr>
+            </a:outerShdw>
+          </a:effectLst>
+        </a:effectStyle>
+        <a:effectStyle>
+          <a:effectLst>
+            <a:outerShdw blurRad="40000" dist="23000" dir="5400000" rotWithShape="0">
+              <a:srgbClr val="000000">
+                <a:alpha val="35000"/>
+              </a:srgbClr>
+            </a:outerShdw>
+          </a:effectLst>
+        </a:effectStyle>
+        <a:effectStyle>
+          <a:effectLst>
+            <a:outerShdw blurRad="40000" dist="23000" dir="5400000" rotWithShape="0">
+              <a:srgbClr val="000000">
+                <a:alpha val="35000"/>
+              </a:srgbClr>
+            </a:outerShdw>
+          </a:effectLst>
+          <a:scene3d>
+            <a:camera prst="orthographicFront">
+              <a:rot lat="0" lon="0" rev="0"/>
+            </a:camera>
+            <a:lightRig rig="threePt" dir="t">
+              <a:rot lat="0" lon="0" rev="1200000"/>
+            </a:lightRig>
+          </a:scene3d>
+          <a:sp3d>
+            <a:bevelT w="63500" h="25400"/>
+          </a:sp3d>
+        </a:effectStyle>
+      </a:effectStyleLst>
+      <a:bgFillStyleLst>
+        <a:solidFill>
+          <a:schemeClr val="phClr"/>
+        </a:solidFill>
+        <a:gradFill rotWithShape="1">
+          <a:gsLst>
+            <a:gs pos="0">
+              <a:schemeClr val="phClr">
+                <a:tint val="40000"/>
+                <a:satMod val="350000"/>
+              </a:schemeClr>
+            </a:gs>
+            <a:gs pos="40000">
+              <a:schemeClr val="phClr">
+                <a:tint val="45000"/>
+                <a:shade val="99000"/>
+                <a:satMod val="350000"/>
+              </a:schemeClr>
+            </a:gs>
+            <a:gs pos="100000">
+              <a:schemeClr val="phClr">
+                <a:shade val="20000"/>
+                <a:satMod val="255000"/>
+              </a:schemeClr>
+            </a:gs>
+          </a:gsLst>
+          <a:path path="circle">
+            <a:fillToRect l="50000" t="-80000" r="50000" b="180000"/>
+          </a:path>
+        </a:gradFill>
+        <a:gradFill rotWithShape="1">
+          <a:gsLst>
+            <a:gs pos="0">
+              <a:schemeClr val="phClr">
+                <a:tint val="80000"/>
+                <a:satMod val="300000"/>
+              </a:schemeClr>
+            </a:gs>
+            <a:gs pos="100000">
+              <a:schemeClr val="phClr">
+                <a:shade val="30000"/>
+                <a:satMod val="200000"/>
+              </a:schemeClr>
+            </a:gs>
+          </a:gsLst>
+          <a:path path="circle">
+            <a:fillToRect l="50000" t="50000" r="50000" b="50000"/>
+          </a:path>
+        </a:gradFill>
+      </a:bgFillStyleLst>
+    </a:fmtScheme>
+  </a:themeElements>
+  <a:objectDefaults/>
+  <a:extraClrSchemeLst/>
+</a:theme>
 </file>
--- a/コンポライブ.pptx
+++ b/コンポライブ.pptx
@@ -5,15 +5,17 @@
     <p:sldMasterId id="2147483672" r:id="rId1"/>
   </p:sldMasterIdLst>
   <p:notesMasterIdLst>
-    <p:notesMasterId r:id="rId8"/>
+    <p:notesMasterId r:id="rId10"/>
   </p:notesMasterIdLst>
   <p:sldIdLst>
     <p:sldId id="256" r:id="rId2"/>
-    <p:sldId id="257" r:id="rId3"/>
-    <p:sldId id="262" r:id="rId4"/>
-    <p:sldId id="261" r:id="rId5"/>
+    <p:sldId id="263" r:id="rId3"/>
+    <p:sldId id="257" r:id="rId4"/>
+    <p:sldId id="262" r:id="rId5"/>
     <p:sldId id="258" r:id="rId6"/>
-    <p:sldId id="259" r:id="rId7"/>
+    <p:sldId id="264" r:id="rId7"/>
+    <p:sldId id="259" r:id="rId8"/>
+    <p:sldId id="265" r:id="rId9"/>
   </p:sldIdLst>
   <p:sldSz cx="12192000" cy="6858000"/>
   <p:notesSz cx="6858000" cy="9144000"/>
@@ -514,6 +516,90 @@
 </file>
 
 <file path=ppt/notesSlides/notesSlide1.xml><?xml version="1.0" encoding="utf-8"?>
+<p:notes xmlns:a="http://schemas.openxmlformats.org/drawingml/2006/main" xmlns:r="http://schemas.openxmlformats.org/officeDocument/2006/relationships" xmlns:p="http://schemas.openxmlformats.org/presentationml/2006/main">
+  <p:cSld>
+    <p:spTree>
+      <p:nvGrpSpPr>
+        <p:cNvPr id="1" name=""/>
+        <p:cNvGrpSpPr/>
+        <p:nvPr/>
+      </p:nvGrpSpPr>
+      <p:grpSpPr>
+        <a:xfrm>
+          <a:off x="0" y="0"/>
+          <a:ext cx="0" cy="0"/>
+          <a:chOff x="0" y="0"/>
+          <a:chExt cx="0" cy="0"/>
+        </a:xfrm>
+      </p:grpSpPr>
+      <p:sp>
+        <p:nvSpPr>
+          <p:cNvPr id="2" name="スライド イメージ プレースホルダー 1"/>
+          <p:cNvSpPr>
+            <a:spLocks noGrp="1" noRot="1" noChangeAspect="1"/>
+          </p:cNvSpPr>
+          <p:nvPr>
+            <p:ph type="sldImg"/>
+          </p:nvPr>
+        </p:nvSpPr>
+        <p:spPr/>
+      </p:sp>
+      <p:sp>
+        <p:nvSpPr>
+          <p:cNvPr id="3" name="ノート プレースホルダー 2"/>
+          <p:cNvSpPr>
+            <a:spLocks noGrp="1"/>
+          </p:cNvSpPr>
+          <p:nvPr>
+            <p:ph type="body" idx="1"/>
+          </p:nvPr>
+        </p:nvSpPr>
+        <p:spPr/>
+        <p:txBody>
+          <a:bodyPr/>
+          <a:lstStyle/>
+          <a:p>
+            <a:endParaRPr kumimoji="1" lang="ja-JP" altLang="en-US" dirty="0"/>
+          </a:p>
+        </p:txBody>
+      </p:sp>
+      <p:sp>
+        <p:nvSpPr>
+          <p:cNvPr id="4" name="スライド番号プレースホルダー 3"/>
+          <p:cNvSpPr>
+            <a:spLocks noGrp="1"/>
+          </p:cNvSpPr>
+          <p:nvPr>
+            <p:ph type="sldNum" sz="quarter" idx="10"/>
+          </p:nvPr>
+        </p:nvSpPr>
+        <p:spPr/>
+        <p:txBody>
+          <a:bodyPr/>
+          <a:lstStyle/>
+          <a:p>
+            <a:fld id="{67E2B855-C789-47AF-9A27-59D9F3F544C4}" type="slidenum">
+              <a:rPr kumimoji="1" lang="ja-JP" altLang="en-US" smtClean="0"/>
+              <a:t>4</a:t>
+            </a:fld>
+            <a:endParaRPr kumimoji="1" lang="ja-JP" altLang="en-US"/>
+          </a:p>
+        </p:txBody>
+      </p:sp>
+    </p:spTree>
+    <p:extLst>
+      <p:ext uri="{BB962C8B-B14F-4D97-AF65-F5344CB8AC3E}">
+        <p14:creationId xmlns:p14="http://schemas.microsoft.com/office/powerpoint/2010/main" val="2533896945"/>
+      </p:ext>
+    </p:extLst>
+  </p:cSld>
+  <p:clrMapOvr>
+    <a:masterClrMapping/>
+  </p:clrMapOvr>
+</p:notes>
+</file>
+
+<file path=ppt/notesSlides/notesSlide2.xml><?xml version="1.0" encoding="utf-8"?>
 <p:notes xmlns:a="http://schemas.openxmlformats.org/drawingml/2006/main" xmlns:r="http://schemas.openxmlformats.org/officeDocument/2006/relationships" xmlns:p="http://schemas.openxmlformats.org/presentationml/2006/main">
   <p:cSld>
     <p:spTree>
@@ -4848,6 +4934,535 @@
           <a:lstStyle/>
           <a:p>
             <a:r>
+              <a:rPr kumimoji="1" lang="ja-JP" altLang="en-US" dirty="0" smtClean="0"/>
+              <a:t>コンセプト</a:t>
+            </a:r>
+            <a:endParaRPr kumimoji="1" lang="ja-JP" altLang="en-US" dirty="0"/>
+          </a:p>
+        </p:txBody>
+      </p:sp>
+      <p:sp>
+        <p:nvSpPr>
+          <p:cNvPr id="3" name="コンテンツ プレースホルダー 2"/>
+          <p:cNvSpPr>
+            <a:spLocks noGrp="1"/>
+          </p:cNvSpPr>
+          <p:nvPr>
+            <p:ph idx="1"/>
+          </p:nvPr>
+        </p:nvSpPr>
+        <p:spPr>
+          <a:xfrm>
+            <a:off x="1062446" y="2629506"/>
+            <a:ext cx="10058400" cy="427203"/>
+          </a:xfrm>
+        </p:spPr>
+        <p:txBody>
+          <a:bodyPr>
+            <a:noAutofit/>
+          </a:bodyPr>
+          <a:lstStyle/>
+          <a:p>
+            <a:pPr algn="ctr"/>
+            <a:r>
+              <a:rPr kumimoji="1" lang="ja-JP" altLang="en-US" sz="4400" dirty="0" smtClean="0"/>
+              <a:t>人生に</a:t>
+            </a:r>
+            <a:r>
+              <a:rPr kumimoji="1" lang="en-US" altLang="ja-JP" sz="4400" dirty="0" smtClean="0"/>
+              <a:t>1</a:t>
+            </a:r>
+            <a:r>
+              <a:rPr kumimoji="1" lang="ja-JP" altLang="en-US" sz="4400" dirty="0" smtClean="0"/>
+              <a:t>度きりの音楽</a:t>
+            </a:r>
+            <a:r>
+              <a:rPr lang="ja-JP" altLang="en-US" sz="4400" dirty="0" smtClean="0"/>
+              <a:t>、そして</a:t>
+            </a:r>
+            <a:r>
+              <a:rPr kumimoji="1" lang="ja-JP" altLang="en-US" sz="4400" dirty="0" smtClean="0"/>
+              <a:t>ドライブ</a:t>
+            </a:r>
+            <a:endParaRPr lang="en-US" altLang="ja-JP" sz="4400" dirty="0"/>
+          </a:p>
+        </p:txBody>
+      </p:sp>
+      <p:sp>
+        <p:nvSpPr>
+          <p:cNvPr id="4" name="コンテンツ プレースホルダー 2"/>
+          <p:cNvSpPr txBox="1">
+            <a:spLocks/>
+          </p:cNvSpPr>
+          <p:nvPr/>
+        </p:nvSpPr>
+        <p:spPr>
+          <a:xfrm>
+            <a:off x="1062446" y="4177211"/>
+            <a:ext cx="10058400" cy="427203"/>
+          </a:xfrm>
+          <a:prstGeom prst="rect">
+            <a:avLst/>
+          </a:prstGeom>
+        </p:spPr>
+        <p:txBody>
+          <a:bodyPr vert="horz" lIns="0" tIns="45720" rIns="0" bIns="45720" rtlCol="0">
+            <a:normAutofit fontScale="92500" lnSpcReduction="20000"/>
+          </a:bodyPr>
+          <a:lstStyle>
+            <a:lvl1pPr marL="91440" indent="-91440" algn="l" defTabSz="914400" rtl="0" eaLnBrk="1" latinLnBrk="0" hangingPunct="1">
+              <a:lnSpc>
+                <a:spcPct val="90000"/>
+              </a:lnSpc>
+              <a:spcBef>
+                <a:spcPts val="1200"/>
+              </a:spcBef>
+              <a:spcAft>
+                <a:spcPts val="200"/>
+              </a:spcAft>
+              <a:buClr>
+                <a:schemeClr val="accent1"/>
+              </a:buClr>
+              <a:buSzPct val="100000"/>
+              <a:buFont typeface="Calibri" panose="020F0502020204030204" pitchFamily="34" charset="0"/>
+              <a:buChar char=" "/>
+              <a:defRPr kumimoji="1" sz="2000" kern="1200">
+                <a:solidFill>
+                  <a:schemeClr val="tx1">
+                    <a:lumMod val="75000"/>
+                    <a:lumOff val="25000"/>
+                  </a:schemeClr>
+                </a:solidFill>
+                <a:latin typeface="+mn-lt"/>
+                <a:ea typeface="+mn-ea"/>
+                <a:cs typeface="+mn-cs"/>
+              </a:defRPr>
+            </a:lvl1pPr>
+            <a:lvl2pPr marL="384048" indent="-182880" algn="l" defTabSz="914400" rtl="0" eaLnBrk="1" latinLnBrk="0" hangingPunct="1">
+              <a:lnSpc>
+                <a:spcPct val="90000"/>
+              </a:lnSpc>
+              <a:spcBef>
+                <a:spcPts val="200"/>
+              </a:spcBef>
+              <a:spcAft>
+                <a:spcPts val="400"/>
+              </a:spcAft>
+              <a:buClr>
+                <a:schemeClr val="accent1"/>
+              </a:buClr>
+              <a:buFont typeface="Calibri" pitchFamily="34" charset="0"/>
+              <a:buChar char="◦"/>
+              <a:defRPr kumimoji="1" sz="1800" kern="1200">
+                <a:solidFill>
+                  <a:schemeClr val="tx1">
+                    <a:lumMod val="75000"/>
+                    <a:lumOff val="25000"/>
+                  </a:schemeClr>
+                </a:solidFill>
+                <a:latin typeface="+mn-lt"/>
+                <a:ea typeface="+mn-ea"/>
+                <a:cs typeface="+mn-cs"/>
+              </a:defRPr>
+            </a:lvl2pPr>
+            <a:lvl3pPr marL="566928" indent="-182880" algn="l" defTabSz="914400" rtl="0" eaLnBrk="1" latinLnBrk="0" hangingPunct="1">
+              <a:lnSpc>
+                <a:spcPct val="90000"/>
+              </a:lnSpc>
+              <a:spcBef>
+                <a:spcPts val="200"/>
+              </a:spcBef>
+              <a:spcAft>
+                <a:spcPts val="400"/>
+              </a:spcAft>
+              <a:buClr>
+                <a:schemeClr val="accent1"/>
+              </a:buClr>
+              <a:buFont typeface="Calibri" pitchFamily="34" charset="0"/>
+              <a:buChar char="◦"/>
+              <a:defRPr kumimoji="1" sz="1400" kern="1200">
+                <a:solidFill>
+                  <a:schemeClr val="tx1">
+                    <a:lumMod val="75000"/>
+                    <a:lumOff val="25000"/>
+                  </a:schemeClr>
+                </a:solidFill>
+                <a:latin typeface="+mn-lt"/>
+                <a:ea typeface="+mn-ea"/>
+                <a:cs typeface="+mn-cs"/>
+              </a:defRPr>
+            </a:lvl3pPr>
+            <a:lvl4pPr marL="749808" indent="-182880" algn="l" defTabSz="914400" rtl="0" eaLnBrk="1" latinLnBrk="0" hangingPunct="1">
+              <a:lnSpc>
+                <a:spcPct val="90000"/>
+              </a:lnSpc>
+              <a:spcBef>
+                <a:spcPts val="200"/>
+              </a:spcBef>
+              <a:spcAft>
+                <a:spcPts val="400"/>
+              </a:spcAft>
+              <a:buClr>
+                <a:schemeClr val="accent1"/>
+              </a:buClr>
+              <a:buFont typeface="Calibri" pitchFamily="34" charset="0"/>
+              <a:buChar char="◦"/>
+              <a:defRPr kumimoji="1" sz="1400" kern="1200">
+                <a:solidFill>
+                  <a:schemeClr val="tx1">
+                    <a:lumMod val="75000"/>
+                    <a:lumOff val="25000"/>
+                  </a:schemeClr>
+                </a:solidFill>
+                <a:latin typeface="+mn-lt"/>
+                <a:ea typeface="+mn-ea"/>
+                <a:cs typeface="+mn-cs"/>
+              </a:defRPr>
+            </a:lvl4pPr>
+            <a:lvl5pPr marL="932688" indent="-182880" algn="l" defTabSz="914400" rtl="0" eaLnBrk="1" latinLnBrk="0" hangingPunct="1">
+              <a:lnSpc>
+                <a:spcPct val="90000"/>
+              </a:lnSpc>
+              <a:spcBef>
+                <a:spcPts val="200"/>
+              </a:spcBef>
+              <a:spcAft>
+                <a:spcPts val="400"/>
+              </a:spcAft>
+              <a:buClr>
+                <a:schemeClr val="accent1"/>
+              </a:buClr>
+              <a:buFont typeface="Calibri" pitchFamily="34" charset="0"/>
+              <a:buChar char="◦"/>
+              <a:defRPr kumimoji="1" sz="1400" kern="1200">
+                <a:solidFill>
+                  <a:schemeClr val="tx1">
+                    <a:lumMod val="75000"/>
+                    <a:lumOff val="25000"/>
+                  </a:schemeClr>
+                </a:solidFill>
+                <a:latin typeface="+mn-lt"/>
+                <a:ea typeface="+mn-ea"/>
+                <a:cs typeface="+mn-cs"/>
+              </a:defRPr>
+            </a:lvl5pPr>
+            <a:lvl6pPr marL="1100000" indent="-228600" algn="l" defTabSz="914400" rtl="0" eaLnBrk="1" latinLnBrk="0" hangingPunct="1">
+              <a:lnSpc>
+                <a:spcPct val="90000"/>
+              </a:lnSpc>
+              <a:spcBef>
+                <a:spcPts val="200"/>
+              </a:spcBef>
+              <a:spcAft>
+                <a:spcPts val="400"/>
+              </a:spcAft>
+              <a:buClr>
+                <a:schemeClr val="accent1"/>
+              </a:buClr>
+              <a:buFont typeface="Calibri" pitchFamily="34" charset="0"/>
+              <a:buChar char="◦"/>
+              <a:defRPr kumimoji="1" sz="1400" kern="1200">
+                <a:solidFill>
+                  <a:schemeClr val="tx1">
+                    <a:lumMod val="75000"/>
+                    <a:lumOff val="25000"/>
+                  </a:schemeClr>
+                </a:solidFill>
+                <a:latin typeface="+mn-lt"/>
+                <a:ea typeface="+mn-ea"/>
+                <a:cs typeface="+mn-cs"/>
+              </a:defRPr>
+            </a:lvl6pPr>
+            <a:lvl7pPr marL="1300000" indent="-228600" algn="l" defTabSz="914400" rtl="0" eaLnBrk="1" latinLnBrk="0" hangingPunct="1">
+              <a:lnSpc>
+                <a:spcPct val="90000"/>
+              </a:lnSpc>
+              <a:spcBef>
+                <a:spcPts val="200"/>
+              </a:spcBef>
+              <a:spcAft>
+                <a:spcPts val="400"/>
+              </a:spcAft>
+              <a:buClr>
+                <a:schemeClr val="accent1"/>
+              </a:buClr>
+              <a:buFont typeface="Calibri" pitchFamily="34" charset="0"/>
+              <a:buChar char="◦"/>
+              <a:defRPr kumimoji="1" sz="1400" kern="1200">
+                <a:solidFill>
+                  <a:schemeClr val="tx1">
+                    <a:lumMod val="75000"/>
+                    <a:lumOff val="25000"/>
+                  </a:schemeClr>
+                </a:solidFill>
+                <a:latin typeface="+mn-lt"/>
+                <a:ea typeface="+mn-ea"/>
+                <a:cs typeface="+mn-cs"/>
+              </a:defRPr>
+            </a:lvl7pPr>
+            <a:lvl8pPr marL="1500000" indent="-228600" algn="l" defTabSz="914400" rtl="0" eaLnBrk="1" latinLnBrk="0" hangingPunct="1">
+              <a:lnSpc>
+                <a:spcPct val="90000"/>
+              </a:lnSpc>
+              <a:spcBef>
+                <a:spcPts val="200"/>
+              </a:spcBef>
+              <a:spcAft>
+                <a:spcPts val="400"/>
+              </a:spcAft>
+              <a:buClr>
+                <a:schemeClr val="accent1"/>
+              </a:buClr>
+              <a:buFont typeface="Calibri" pitchFamily="34" charset="0"/>
+              <a:buChar char="◦"/>
+              <a:defRPr kumimoji="1" sz="1400" kern="1200">
+                <a:solidFill>
+                  <a:schemeClr val="tx1">
+                    <a:lumMod val="75000"/>
+                    <a:lumOff val="25000"/>
+                  </a:schemeClr>
+                </a:solidFill>
+                <a:latin typeface="+mn-lt"/>
+                <a:ea typeface="+mn-ea"/>
+                <a:cs typeface="+mn-cs"/>
+              </a:defRPr>
+            </a:lvl8pPr>
+            <a:lvl9pPr marL="1700000" indent="-228600" algn="l" defTabSz="914400" rtl="0" eaLnBrk="1" latinLnBrk="0" hangingPunct="1">
+              <a:lnSpc>
+                <a:spcPct val="90000"/>
+              </a:lnSpc>
+              <a:spcBef>
+                <a:spcPts val="200"/>
+              </a:spcBef>
+              <a:spcAft>
+                <a:spcPts val="400"/>
+              </a:spcAft>
+              <a:buClr>
+                <a:schemeClr val="accent1"/>
+              </a:buClr>
+              <a:buFont typeface="Calibri" pitchFamily="34" charset="0"/>
+              <a:buChar char="◦"/>
+              <a:defRPr kumimoji="1" sz="1400" kern="1200">
+                <a:solidFill>
+                  <a:schemeClr val="tx1">
+                    <a:lumMod val="75000"/>
+                    <a:lumOff val="25000"/>
+                  </a:schemeClr>
+                </a:solidFill>
+                <a:latin typeface="+mn-lt"/>
+                <a:ea typeface="+mn-ea"/>
+                <a:cs typeface="+mn-cs"/>
+              </a:defRPr>
+            </a:lvl9pPr>
+          </a:lstStyle>
+          <a:p>
+            <a:pPr algn="ctr"/>
+            <a:r>
+              <a:rPr lang="ja-JP" altLang="en-US" sz="3000" dirty="0" smtClean="0"/>
+              <a:t>日常のほんの一幕にもより良い価値を</a:t>
+            </a:r>
+            <a:r>
+              <a:rPr lang="ja-JP" altLang="en-US" dirty="0" smtClean="0"/>
+              <a:t>　</a:t>
+            </a:r>
+            <a:endParaRPr lang="en-US" altLang="ja-JP" dirty="0"/>
+          </a:p>
+        </p:txBody>
+      </p:sp>
+    </p:spTree>
+    <p:extLst>
+      <p:ext uri="{BB962C8B-B14F-4D97-AF65-F5344CB8AC3E}">
+        <p14:creationId xmlns:p14="http://schemas.microsoft.com/office/powerpoint/2010/main" val="87358340"/>
+      </p:ext>
+    </p:extLst>
+  </p:cSld>
+  <p:clrMapOvr>
+    <a:masterClrMapping/>
+  </p:clrMapOvr>
+  <p:timing>
+    <p:tnLst>
+      <p:par>
+        <p:cTn id="1" dur="indefinite" restart="never" nodeType="tmRoot">
+          <p:childTnLst>
+            <p:seq concurrent="1" nextAc="seek">
+              <p:cTn id="2" dur="indefinite" nodeType="mainSeq">
+                <p:childTnLst>
+                  <p:par>
+                    <p:cTn id="3" fill="hold">
+                      <p:stCondLst>
+                        <p:cond delay="indefinite"/>
+                      </p:stCondLst>
+                      <p:childTnLst>
+                        <p:par>
+                          <p:cTn id="4" fill="hold">
+                            <p:stCondLst>
+                              <p:cond delay="0"/>
+                            </p:stCondLst>
+                            <p:childTnLst>
+                              <p:par>
+                                <p:cTn id="5" presetID="10" presetClass="entr" presetSubtype="0" fill="hold" grpId="0" nodeType="clickEffect">
+                                  <p:stCondLst>
+                                    <p:cond delay="0"/>
+                                  </p:stCondLst>
+                                  <p:childTnLst>
+                                    <p:set>
+                                      <p:cBhvr>
+                                        <p:cTn id="6" dur="1" fill="hold">
+                                          <p:stCondLst>
+                                            <p:cond delay="0"/>
+                                          </p:stCondLst>
+                                        </p:cTn>
+                                        <p:tgtEl>
+                                          <p:spTgt spid="3">
+                                            <p:txEl>
+                                              <p:pRg st="0" end="0"/>
+                                            </p:txEl>
+                                          </p:spTgt>
+                                        </p:tgtEl>
+                                        <p:attrNameLst>
+                                          <p:attrName>style.visibility</p:attrName>
+                                        </p:attrNameLst>
+                                      </p:cBhvr>
+                                      <p:to>
+                                        <p:strVal val="visible"/>
+                                      </p:to>
+                                    </p:set>
+                                    <p:animEffect transition="in" filter="fade">
+                                      <p:cBhvr>
+                                        <p:cTn id="7" dur="500"/>
+                                        <p:tgtEl>
+                                          <p:spTgt spid="3">
+                                            <p:txEl>
+                                              <p:pRg st="0" end="0"/>
+                                            </p:txEl>
+                                          </p:spTgt>
+                                        </p:tgtEl>
+                                      </p:cBhvr>
+                                    </p:animEffect>
+                                  </p:childTnLst>
+                                </p:cTn>
+                              </p:par>
+                            </p:childTnLst>
+                          </p:cTn>
+                        </p:par>
+                      </p:childTnLst>
+                    </p:cTn>
+                  </p:par>
+                  <p:par>
+                    <p:cTn id="8" fill="hold">
+                      <p:stCondLst>
+                        <p:cond delay="indefinite"/>
+                      </p:stCondLst>
+                      <p:childTnLst>
+                        <p:par>
+                          <p:cTn id="9" fill="hold">
+                            <p:stCondLst>
+                              <p:cond delay="0"/>
+                            </p:stCondLst>
+                            <p:childTnLst>
+                              <p:par>
+                                <p:cTn id="10" presetID="10" presetClass="entr" presetSubtype="0" fill="hold" grpId="0" nodeType="clickEffect">
+                                  <p:stCondLst>
+                                    <p:cond delay="0"/>
+                                  </p:stCondLst>
+                                  <p:childTnLst>
+                                    <p:set>
+                                      <p:cBhvr>
+                                        <p:cTn id="11" dur="1" fill="hold">
+                                          <p:stCondLst>
+                                            <p:cond delay="0"/>
+                                          </p:stCondLst>
+                                        </p:cTn>
+                                        <p:tgtEl>
+                                          <p:spTgt spid="4"/>
+                                        </p:tgtEl>
+                                        <p:attrNameLst>
+                                          <p:attrName>style.visibility</p:attrName>
+                                        </p:attrNameLst>
+                                      </p:cBhvr>
+                                      <p:to>
+                                        <p:strVal val="visible"/>
+                                      </p:to>
+                                    </p:set>
+                                    <p:animEffect transition="in" filter="fade">
+                                      <p:cBhvr>
+                                        <p:cTn id="12" dur="500"/>
+                                        <p:tgtEl>
+                                          <p:spTgt spid="4"/>
+                                        </p:tgtEl>
+                                      </p:cBhvr>
+                                    </p:animEffect>
+                                  </p:childTnLst>
+                                </p:cTn>
+                              </p:par>
+                            </p:childTnLst>
+                          </p:cTn>
+                        </p:par>
+                      </p:childTnLst>
+                    </p:cTn>
+                  </p:par>
+                </p:childTnLst>
+              </p:cTn>
+              <p:prevCondLst>
+                <p:cond evt="onPrev" delay="0">
+                  <p:tgtEl>
+                    <p:sldTgt/>
+                  </p:tgtEl>
+                </p:cond>
+              </p:prevCondLst>
+              <p:nextCondLst>
+                <p:cond evt="onNext" delay="0">
+                  <p:tgtEl>
+                    <p:sldTgt/>
+                  </p:tgtEl>
+                </p:cond>
+              </p:nextCondLst>
+            </p:seq>
+          </p:childTnLst>
+        </p:cTn>
+      </p:par>
+    </p:tnLst>
+    <p:bldLst>
+      <p:bldP spid="3" grpId="0" build="p"/>
+      <p:bldP spid="4" grpId="0"/>
+    </p:bldLst>
+  </p:timing>
+</p:sld>
+</file>
+
+<file path=ppt/slides/slide3.xml><?xml version="1.0" encoding="utf-8"?>
+<p:sld xmlns:a="http://schemas.openxmlformats.org/drawingml/2006/main" xmlns:r="http://schemas.openxmlformats.org/officeDocument/2006/relationships" xmlns:p="http://schemas.openxmlformats.org/presentationml/2006/main">
+  <p:cSld>
+    <p:spTree>
+      <p:nvGrpSpPr>
+        <p:cNvPr id="1" name=""/>
+        <p:cNvGrpSpPr/>
+        <p:nvPr/>
+      </p:nvGrpSpPr>
+      <p:grpSpPr>
+        <a:xfrm>
+          <a:off x="0" y="0"/>
+          <a:ext cx="0" cy="0"/>
+          <a:chOff x="0" y="0"/>
+          <a:chExt cx="0" cy="0"/>
+        </a:xfrm>
+      </p:grpSpPr>
+      <p:sp>
+        <p:nvSpPr>
+          <p:cNvPr id="2" name="タイトル 1"/>
+          <p:cNvSpPr>
+            <a:spLocks noGrp="1"/>
+          </p:cNvSpPr>
+          <p:nvPr>
+            <p:ph type="title"/>
+          </p:nvPr>
+        </p:nvSpPr>
+        <p:spPr/>
+        <p:txBody>
+          <a:bodyPr/>
+          <a:lstStyle/>
+          <a:p>
+            <a:r>
               <a:rPr lang="ja-JP" altLang="en-US" dirty="0"/>
               <a:t>コンセプト</a:t>
             </a:r>
@@ -4974,10 +5589,17 @@
   <p:clrMapOvr>
     <a:masterClrMapping/>
   </p:clrMapOvr>
+  <p:timing>
+    <p:tnLst>
+      <p:par>
+        <p:cTn id="1" dur="indefinite" restart="never" nodeType="tmRoot"/>
+      </p:par>
+    </p:tnLst>
+  </p:timing>
 </p:sld>
 </file>
 
-<file path=ppt/slides/slide3.xml><?xml version="1.0" encoding="utf-8"?>
+<file path=ppt/slides/slide4.xml><?xml version="1.0" encoding="utf-8"?>
 <p:sld xmlns:a="http://schemas.openxmlformats.org/drawingml/2006/main" xmlns:r="http://schemas.openxmlformats.org/officeDocument/2006/relationships" xmlns:p="http://schemas.openxmlformats.org/presentationml/2006/main">
   <p:cSld>
     <p:spTree>
@@ -5052,14 +5674,14 @@
             <a:p>
               <a:pPr algn="ctr"/>
               <a:r>
-                <a:rPr lang="ja-JP" altLang="en-US" sz="2800" b="1" dirty="0" smtClean="0">
+                <a:rPr lang="ja-JP" altLang="en-US" sz="3200" b="1" dirty="0" smtClean="0">
                   <a:solidFill>
                     <a:schemeClr val="tx1"/>
                   </a:solidFill>
                 </a:rPr>
                 <a:t>車の位置</a:t>
               </a:r>
-              <a:endParaRPr lang="en-US" altLang="ja-JP" sz="2800" b="1" dirty="0" smtClean="0">
+              <a:endParaRPr lang="en-US" altLang="ja-JP" sz="3200" b="1" dirty="0" smtClean="0">
                 <a:solidFill>
                   <a:schemeClr val="tx1"/>
                 </a:solidFill>
@@ -5416,78 +6038,13 @@
   <p:clrMapOvr>
     <a:masterClrMapping/>
   </p:clrMapOvr>
-</p:sld>
-</file>
-
-<file path=ppt/slides/slide4.xml><?xml version="1.0" encoding="utf-8"?>
-<p:sld xmlns:a="http://schemas.openxmlformats.org/drawingml/2006/main" xmlns:r="http://schemas.openxmlformats.org/officeDocument/2006/relationships" xmlns:p="http://schemas.openxmlformats.org/presentationml/2006/main">
-  <p:cSld>
-    <p:spTree>
-      <p:nvGrpSpPr>
-        <p:cNvPr id="1" name=""/>
-        <p:cNvGrpSpPr/>
-        <p:nvPr/>
-      </p:nvGrpSpPr>
-      <p:grpSpPr>
-        <a:xfrm>
-          <a:off x="0" y="0"/>
-          <a:ext cx="0" cy="0"/>
-          <a:chOff x="0" y="0"/>
-          <a:chExt cx="0" cy="0"/>
-        </a:xfrm>
-      </p:grpSpPr>
-      <p:sp>
-        <p:nvSpPr>
-          <p:cNvPr id="2" name="タイトル 1"/>
-          <p:cNvSpPr>
-            <a:spLocks noGrp="1"/>
-          </p:cNvSpPr>
-          <p:nvPr>
-            <p:ph type="title"/>
-          </p:nvPr>
-        </p:nvSpPr>
-        <p:spPr/>
-        <p:txBody>
-          <a:bodyPr/>
-          <a:lstStyle/>
-          <a:p>
-            <a:r>
-              <a:rPr lang="ja-JP" altLang="en-US" dirty="0"/>
-              <a:t>使い方</a:t>
-            </a:r>
-            <a:endParaRPr kumimoji="1" lang="ja-JP" altLang="en-US" dirty="0"/>
-          </a:p>
-        </p:txBody>
-      </p:sp>
-      <p:sp>
-        <p:nvSpPr>
-          <p:cNvPr id="3" name="コンテンツ プレースホルダー 2"/>
-          <p:cNvSpPr>
-            <a:spLocks noGrp="1"/>
-          </p:cNvSpPr>
-          <p:nvPr>
-            <p:ph idx="1"/>
-          </p:nvPr>
-        </p:nvSpPr>
-        <p:spPr/>
-        <p:txBody>
-          <a:bodyPr/>
-          <a:lstStyle/>
-          <a:p>
-            <a:endParaRPr kumimoji="1" lang="ja-JP" altLang="en-US" dirty="0"/>
-          </a:p>
-        </p:txBody>
-      </p:sp>
-    </p:spTree>
-    <p:extLst>
-      <p:ext uri="{BB962C8B-B14F-4D97-AF65-F5344CB8AC3E}">
-        <p14:creationId xmlns:p14="http://schemas.microsoft.com/office/powerpoint/2010/main" val="3479645016"/>
-      </p:ext>
-    </p:extLst>
-  </p:cSld>
-  <p:clrMapOvr>
-    <a:masterClrMapping/>
-  </p:clrMapOvr>
+  <p:timing>
+    <p:tnLst>
+      <p:par>
+        <p:cTn id="1" dur="indefinite" restart="never" nodeType="tmRoot"/>
+      </p:par>
+    </p:tnLst>
+  </p:timing>
 </p:sld>
 </file>
 
@@ -5543,13 +6100,13 @@
         </p:nvSpPr>
         <p:spPr>
           <a:xfrm>
-            <a:off x="1097280" y="3156374"/>
-            <a:ext cx="10058400" cy="1308946"/>
+            <a:off x="1097280" y="1767840"/>
+            <a:ext cx="10058400" cy="3977640"/>
           </a:xfrm>
         </p:spPr>
         <p:txBody>
           <a:bodyPr>
-            <a:normAutofit lnSpcReduction="10000"/>
+            <a:normAutofit/>
           </a:bodyPr>
           <a:lstStyle/>
           <a:p>
@@ -5557,52 +6114,88 @@
               <a:buNone/>
             </a:pPr>
             <a:r>
-              <a:rPr kumimoji="1" lang="ja-JP" altLang="en-US" sz="3600" dirty="0" smtClean="0"/>
-              <a:t>今回は、</a:t>
-            </a:r>
-            <a:r>
-              <a:rPr kumimoji="1" lang="ja-JP" altLang="en-US" sz="4400" u="sng" dirty="0" smtClean="0">
-                <a:solidFill>
-                  <a:srgbClr val="FF0000"/>
-                </a:solidFill>
-              </a:rPr>
-              <a:t>車の速度</a:t>
-            </a:r>
-            <a:r>
-              <a:rPr lang="en-US" altLang="ja-JP" sz="4400" u="sng" dirty="0" smtClean="0">
-                <a:solidFill>
-                  <a:srgbClr val="FF0000"/>
-                </a:solidFill>
-              </a:rPr>
-              <a:t> = </a:t>
-            </a:r>
-            <a:r>
-              <a:rPr lang="ja-JP" altLang="en-US" sz="4400" u="sng" dirty="0" smtClean="0">
-                <a:solidFill>
-                  <a:srgbClr val="FF0000"/>
-                </a:solidFill>
-              </a:rPr>
-              <a:t>加速度</a:t>
-            </a:r>
-            <a:r>
-              <a:rPr lang="ja-JP" altLang="en-US" sz="3600" dirty="0" smtClean="0"/>
-              <a:t>　とし、</a:t>
-            </a:r>
-            <a:endParaRPr lang="en-US" altLang="ja-JP" sz="3600" dirty="0" smtClean="0"/>
+              <a:rPr lang="ja-JP" altLang="en-US" sz="4000" dirty="0" smtClean="0"/>
+              <a:t>今回は時間・環境の制約のため単純化</a:t>
+            </a:r>
+            <a:r>
+              <a:rPr lang="en-US" altLang="ja-JP" sz="4000" dirty="0" smtClean="0"/>
+              <a:t>:</a:t>
+            </a:r>
+            <a:endParaRPr kumimoji="1" lang="en-US" altLang="ja-JP" sz="4000" dirty="0" smtClean="0"/>
+          </a:p>
+          <a:p>
+            <a:pPr marL="715518" lvl="1" indent="-514350">
+              <a:buFont typeface="+mj-lt"/>
+              <a:buAutoNum type="arabicPeriod"/>
+            </a:pPr>
+            <a:r>
+              <a:rPr kumimoji="1" lang="en-US" altLang="ja-JP" sz="3400" dirty="0" smtClean="0"/>
+              <a:t>Android</a:t>
+            </a:r>
+            <a:r>
+              <a:rPr lang="ja-JP" altLang="en-US" sz="3400" dirty="0" smtClean="0"/>
+              <a:t>センサーを車載センサーとして代用</a:t>
+            </a:r>
+            <a:endParaRPr kumimoji="1" lang="en-US" altLang="ja-JP" sz="3400" dirty="0" smtClean="0"/>
+          </a:p>
+          <a:p>
+            <a:pPr marL="715518" lvl="1" indent="-514350">
+              <a:buFont typeface="+mj-lt"/>
+              <a:buAutoNum type="arabicPeriod"/>
+            </a:pPr>
+            <a:r>
+              <a:rPr kumimoji="1" lang="ja-JP" altLang="en-US" sz="3400" dirty="0" smtClean="0"/>
+              <a:t>ドラムの</a:t>
+            </a:r>
+            <a:r>
+              <a:rPr lang="ja-JP" altLang="en-US" sz="3400" dirty="0" smtClean="0"/>
+              <a:t>拍だけを出力</a:t>
+            </a:r>
+            <a:endParaRPr lang="en-US" altLang="ja-JP" sz="3400" dirty="0" smtClean="0"/>
           </a:p>
           <a:p>
             <a:pPr marL="0" indent="0">
               <a:buNone/>
             </a:pPr>
-            <a:r>
-              <a:rPr lang="ja-JP" altLang="en-US" sz="3600" dirty="0"/>
-              <a:t>　</a:t>
-            </a:r>
-            <a:r>
-              <a:rPr lang="ja-JP" altLang="en-US" sz="3600" dirty="0" smtClean="0"/>
-              <a:t>その情報を基にドラムのリズムを生成した。</a:t>
-            </a:r>
-            <a:endParaRPr lang="en-US" altLang="ja-JP" sz="3600" dirty="0" smtClean="0"/>
+            <a:endParaRPr lang="en-US" altLang="ja-JP" sz="4000" dirty="0" smtClean="0">
+              <a:solidFill>
+                <a:schemeClr val="tx1"/>
+              </a:solidFill>
+            </a:endParaRPr>
+          </a:p>
+          <a:p>
+            <a:pPr marL="0" indent="0">
+              <a:buNone/>
+            </a:pPr>
+            <a:r>
+              <a:rPr lang="ja-JP" altLang="en-US" sz="4000" dirty="0" smtClean="0">
+                <a:solidFill>
+                  <a:schemeClr val="tx1"/>
+                </a:solidFill>
+              </a:rPr>
+              <a:t>加速度センサーの値</a:t>
+            </a:r>
+            <a:r>
+              <a:rPr lang="ja-JP" altLang="en-US" sz="3600" dirty="0" smtClean="0">
+                <a:solidFill>
+                  <a:schemeClr val="tx1"/>
+                </a:solidFill>
+              </a:rPr>
+              <a:t>　⇒　</a:t>
+            </a:r>
+            <a:r>
+              <a:rPr lang="ja-JP" altLang="en-US" sz="4400" dirty="0" smtClean="0">
+                <a:solidFill>
+                  <a:schemeClr val="tx1"/>
+                </a:solidFill>
+              </a:rPr>
+              <a:t>リズムを生成</a:t>
+            </a:r>
+            <a:endParaRPr lang="en-US" altLang="ja-JP" sz="3600" dirty="0" smtClean="0">
+              <a:solidFill>
+                <a:schemeClr val="tx1"/>
+              </a:solidFill>
+            </a:endParaRPr>
           </a:p>
           <a:p>
             <a:pPr marL="0" indent="0">
@@ -5622,6 +6215,13 @@
   <p:clrMapOvr>
     <a:masterClrMapping/>
   </p:clrMapOvr>
+  <p:timing>
+    <p:tnLst>
+      <p:par>
+        <p:cTn id="1" dur="indefinite" restart="never" nodeType="tmRoot"/>
+      </p:par>
+    </p:tnLst>
+  </p:timing>
 </p:sld>
 </file>
 
@@ -5657,13 +6257,17 @@
           <a:bodyPr/>
           <a:lstStyle/>
           <a:p>
-            <a:endParaRPr kumimoji="1" lang="ja-JP" altLang="en-US"/>
-          </a:p>
-        </p:txBody>
-      </p:sp>
-      <p:sp>
-        <p:nvSpPr>
-          <p:cNvPr id="3" name="コンテンツ プレースホルダー 2"/>
+            <a:r>
+              <a:rPr kumimoji="1" lang="ja-JP" altLang="en-US" dirty="0" smtClean="0"/>
+              <a:t>発展</a:t>
+            </a:r>
+            <a:endParaRPr kumimoji="1" lang="ja-JP" altLang="en-US" dirty="0"/>
+          </a:p>
+        </p:txBody>
+      </p:sp>
+      <p:sp>
+        <p:nvSpPr>
+          <p:cNvPr id="5" name="コンテンツ プレースホルダー 4"/>
           <p:cNvSpPr>
             <a:spLocks noGrp="1"/>
           </p:cNvSpPr>
@@ -5676,7 +6280,679 @@
           <a:bodyPr/>
           <a:lstStyle/>
           <a:p>
+            <a:endParaRPr kumimoji="1" lang="ja-JP" altLang="en-US" dirty="0"/>
+          </a:p>
+        </p:txBody>
+      </p:sp>
+      <p:grpSp>
+        <p:nvGrpSpPr>
+          <p:cNvPr id="6" name="グループ化 5"/>
+          <p:cNvGrpSpPr/>
+          <p:nvPr/>
+        </p:nvGrpSpPr>
+        <p:grpSpPr>
+          <a:xfrm>
+            <a:off x="944880" y="1874520"/>
+            <a:ext cx="10195560" cy="1097280"/>
+            <a:chOff x="960120" y="777240"/>
+            <a:chExt cx="10195560" cy="1097280"/>
+          </a:xfrm>
+          <a:solidFill>
+            <a:schemeClr val="accent1">
+              <a:lumMod val="40000"/>
+              <a:lumOff val="60000"/>
+            </a:schemeClr>
+          </a:solidFill>
+        </p:grpSpPr>
+        <p:sp>
+          <p:nvSpPr>
+            <p:cNvPr id="7" name="角丸四角形 6"/>
+            <p:cNvSpPr/>
+            <p:nvPr/>
+          </p:nvSpPr>
+          <p:spPr>
+            <a:xfrm>
+              <a:off x="960120" y="777240"/>
+              <a:ext cx="3352800" cy="1097280"/>
+            </a:xfrm>
+            <a:prstGeom prst="roundRect">
+              <a:avLst/>
+            </a:prstGeom>
+            <a:grpFill/>
+          </p:spPr>
+          <p:style>
+            <a:lnRef idx="2">
+              <a:schemeClr val="accent1">
+                <a:shade val="50000"/>
+              </a:schemeClr>
+            </a:lnRef>
+            <a:fillRef idx="1">
+              <a:schemeClr val="accent1"/>
+            </a:fillRef>
+            <a:effectRef idx="0">
+              <a:schemeClr val="accent1"/>
+            </a:effectRef>
+            <a:fontRef idx="minor">
+              <a:schemeClr val="lt1"/>
+            </a:fontRef>
+          </p:style>
+          <p:txBody>
+            <a:bodyPr rtlCol="0" anchor="ctr"/>
+            <a:lstStyle/>
+            <a:p>
+              <a:pPr algn="ctr"/>
+              <a:r>
+                <a:rPr lang="ja-JP" altLang="en-US" sz="2800" b="1" dirty="0" smtClean="0">
+                  <a:solidFill>
+                    <a:schemeClr val="tx1"/>
+                  </a:solidFill>
+                </a:rPr>
+                <a:t>車の位置</a:t>
+              </a:r>
+              <a:endParaRPr lang="en-US" altLang="ja-JP" sz="2800" b="1" dirty="0" smtClean="0">
+                <a:solidFill>
+                  <a:schemeClr val="tx1"/>
+                </a:solidFill>
+              </a:endParaRPr>
+            </a:p>
+            <a:p>
+              <a:pPr algn="ctr"/>
+              <a:r>
+                <a:rPr lang="en-US" altLang="ja-JP" sz="2400" b="1" dirty="0" smtClean="0">
+                  <a:solidFill>
+                    <a:schemeClr val="tx1"/>
+                  </a:solidFill>
+                </a:rPr>
+                <a:t>(</a:t>
+              </a:r>
+              <a:r>
+                <a:rPr lang="ja-JP" altLang="en-US" sz="2400" b="1" dirty="0" smtClean="0">
+                  <a:solidFill>
+                    <a:schemeClr val="tx1"/>
+                  </a:solidFill>
+                </a:rPr>
+                <a:t>場所や標高</a:t>
+              </a:r>
+              <a:r>
+                <a:rPr lang="en-US" altLang="ja-JP" sz="2400" b="1" dirty="0" smtClean="0">
+                  <a:solidFill>
+                    <a:schemeClr val="tx1"/>
+                  </a:solidFill>
+                </a:rPr>
+                <a:t>)</a:t>
+              </a:r>
+              <a:endParaRPr kumimoji="1" lang="ja-JP" altLang="en-US" sz="2000" b="1" dirty="0">
+                <a:solidFill>
+                  <a:schemeClr val="tx1"/>
+                </a:solidFill>
+              </a:endParaRPr>
+            </a:p>
+          </p:txBody>
+        </p:sp>
+        <p:sp>
+          <p:nvSpPr>
+            <p:cNvPr id="8" name="角丸四角形 7"/>
+            <p:cNvSpPr/>
+            <p:nvPr/>
+          </p:nvSpPr>
+          <p:spPr>
+            <a:xfrm>
+              <a:off x="4686300" y="777240"/>
+              <a:ext cx="3048000" cy="1097280"/>
+            </a:xfrm>
+            <a:prstGeom prst="roundRect">
+              <a:avLst/>
+            </a:prstGeom>
+            <a:solidFill>
+              <a:schemeClr val="accent1">
+                <a:lumMod val="40000"/>
+                <a:lumOff val="60000"/>
+              </a:schemeClr>
+            </a:solidFill>
+          </p:spPr>
+          <p:style>
+            <a:lnRef idx="2">
+              <a:schemeClr val="accent1">
+                <a:shade val="50000"/>
+              </a:schemeClr>
+            </a:lnRef>
+            <a:fillRef idx="1">
+              <a:schemeClr val="accent1"/>
+            </a:fillRef>
+            <a:effectRef idx="0">
+              <a:schemeClr val="accent1"/>
+            </a:effectRef>
+            <a:fontRef idx="minor">
+              <a:schemeClr val="lt1"/>
+            </a:fontRef>
+          </p:style>
+          <p:txBody>
+            <a:bodyPr rtlCol="0" anchor="ctr"/>
+            <a:lstStyle/>
+            <a:p>
+              <a:pPr algn="ctr"/>
+              <a:r>
+                <a:rPr kumimoji="1" lang="ja-JP" altLang="en-US" sz="3200" b="1" strike="sngStrike" dirty="0" smtClean="0">
+                  <a:solidFill>
+                    <a:schemeClr val="bg1">
+                      <a:lumMod val="50000"/>
+                    </a:schemeClr>
+                  </a:solidFill>
+                </a:rPr>
+                <a:t>運転方法</a:t>
+              </a:r>
+              <a:endParaRPr kumimoji="1" lang="en-US" altLang="ja-JP" sz="3200" b="1" strike="sngStrike" dirty="0" smtClean="0">
+                <a:solidFill>
+                  <a:schemeClr val="bg1">
+                    <a:lumMod val="50000"/>
+                  </a:schemeClr>
+                </a:solidFill>
+              </a:endParaRPr>
+            </a:p>
+            <a:p>
+              <a:pPr algn="ctr"/>
+              <a:r>
+                <a:rPr lang="ja-JP" altLang="en-US" sz="2000" b="1" dirty="0" smtClean="0">
+                  <a:solidFill>
+                    <a:schemeClr val="bg1">
+                      <a:lumMod val="50000"/>
+                    </a:schemeClr>
+                  </a:solidFill>
+                </a:rPr>
+                <a:t>（</a:t>
+              </a:r>
+              <a:r>
+                <a:rPr lang="ja-JP" altLang="en-US" sz="2000" b="1" strike="sngStrike" dirty="0" smtClean="0">
+                  <a:solidFill>
+                    <a:schemeClr val="bg1">
+                      <a:lumMod val="50000"/>
+                    </a:schemeClr>
+                  </a:solidFill>
+                </a:rPr>
+                <a:t>速度や</a:t>
+              </a:r>
+              <a:r>
+                <a:rPr lang="ja-JP" altLang="en-US" sz="2000" b="1" dirty="0" smtClean="0">
+                  <a:solidFill>
+                    <a:schemeClr val="tx1"/>
+                  </a:solidFill>
+                </a:rPr>
+                <a:t>ハンドルの操作</a:t>
+              </a:r>
+              <a:r>
+                <a:rPr lang="ja-JP" altLang="en-US" sz="2000" b="1" dirty="0" smtClean="0">
+                  <a:solidFill>
+                    <a:schemeClr val="bg1">
+                      <a:lumMod val="50000"/>
+                    </a:schemeClr>
+                  </a:solidFill>
+                </a:rPr>
+                <a:t>）</a:t>
+              </a:r>
+              <a:endParaRPr kumimoji="1" lang="ja-JP" altLang="en-US" sz="2000" b="1" dirty="0">
+                <a:solidFill>
+                  <a:schemeClr val="bg1">
+                    <a:lumMod val="50000"/>
+                  </a:schemeClr>
+                </a:solidFill>
+              </a:endParaRPr>
+            </a:p>
+          </p:txBody>
+        </p:sp>
+        <p:sp>
+          <p:nvSpPr>
+            <p:cNvPr id="9" name="角丸四角形 8"/>
+            <p:cNvSpPr/>
+            <p:nvPr/>
+          </p:nvSpPr>
+          <p:spPr>
+            <a:xfrm>
+              <a:off x="8107680" y="777240"/>
+              <a:ext cx="3048000" cy="1097280"/>
+            </a:xfrm>
+            <a:prstGeom prst="roundRect">
+              <a:avLst/>
+            </a:prstGeom>
+            <a:grpFill/>
+          </p:spPr>
+          <p:style>
+            <a:lnRef idx="2">
+              <a:schemeClr val="accent1">
+                <a:shade val="50000"/>
+              </a:schemeClr>
+            </a:lnRef>
+            <a:fillRef idx="1">
+              <a:schemeClr val="accent1"/>
+            </a:fillRef>
+            <a:effectRef idx="0">
+              <a:schemeClr val="accent1"/>
+            </a:effectRef>
+            <a:fontRef idx="minor">
+              <a:schemeClr val="lt1"/>
+            </a:fontRef>
+          </p:style>
+          <p:txBody>
+            <a:bodyPr rtlCol="0" anchor="ctr"/>
+            <a:lstStyle/>
+            <a:p>
+              <a:pPr algn="ctr"/>
+              <a:r>
+                <a:rPr lang="ja-JP" altLang="en-US" sz="3200" b="1" dirty="0">
+                  <a:solidFill>
+                    <a:schemeClr val="tx1"/>
+                  </a:solidFill>
+                </a:rPr>
+                <a:t>気象</a:t>
+              </a:r>
+              <a:r>
+                <a:rPr lang="ja-JP" altLang="en-US" sz="3200" b="1" dirty="0" smtClean="0">
+                  <a:solidFill>
+                    <a:schemeClr val="tx1"/>
+                  </a:solidFill>
+                </a:rPr>
+                <a:t>情報</a:t>
+              </a:r>
+              <a:endParaRPr lang="en-US" altLang="ja-JP" sz="3200" b="1" dirty="0" smtClean="0">
+                <a:solidFill>
+                  <a:schemeClr val="tx1"/>
+                </a:solidFill>
+              </a:endParaRPr>
+            </a:p>
+            <a:p>
+              <a:pPr algn="ctr"/>
+              <a:r>
+                <a:rPr kumimoji="1" lang="en-US" altLang="ja-JP" sz="2400" b="1" dirty="0" smtClean="0">
+                  <a:solidFill>
+                    <a:schemeClr val="tx1"/>
+                  </a:solidFill>
+                </a:rPr>
+                <a:t>(</a:t>
+              </a:r>
+              <a:r>
+                <a:rPr lang="ja-JP" altLang="en-US" sz="2400" b="1" dirty="0" smtClean="0">
+                  <a:solidFill>
+                    <a:schemeClr val="tx1"/>
+                  </a:solidFill>
+                </a:rPr>
+                <a:t>晴れ・雨・曇り</a:t>
+              </a:r>
+              <a:r>
+                <a:rPr kumimoji="1" lang="en-US" altLang="ja-JP" sz="2400" b="1" dirty="0" smtClean="0">
+                  <a:solidFill>
+                    <a:schemeClr val="tx1"/>
+                  </a:solidFill>
+                </a:rPr>
+                <a:t>)</a:t>
+              </a:r>
+              <a:endParaRPr kumimoji="1" lang="ja-JP" altLang="en-US" sz="2400" b="1" dirty="0">
+                <a:solidFill>
+                  <a:schemeClr val="tx1"/>
+                </a:solidFill>
+              </a:endParaRPr>
+            </a:p>
+          </p:txBody>
+        </p:sp>
+      </p:grpSp>
+      <p:sp>
+        <p:nvSpPr>
+          <p:cNvPr id="10" name="下矢印 9"/>
+          <p:cNvSpPr/>
+          <p:nvPr/>
+        </p:nvSpPr>
+        <p:spPr>
+          <a:xfrm>
+            <a:off x="5183556" y="3249461"/>
+            <a:ext cx="2023007" cy="1151558"/>
+          </a:xfrm>
+          <a:prstGeom prst="downArrow">
+            <a:avLst/>
+          </a:prstGeom>
+          <a:solidFill>
+            <a:schemeClr val="bg1">
+              <a:lumMod val="95000"/>
+            </a:schemeClr>
+          </a:solidFill>
+          <a:ln>
+            <a:solidFill>
+              <a:schemeClr val="tx1">
+                <a:lumMod val="50000"/>
+                <a:lumOff val="50000"/>
+              </a:schemeClr>
+            </a:solidFill>
+          </a:ln>
+        </p:spPr>
+        <p:style>
+          <a:lnRef idx="2">
+            <a:schemeClr val="accent1">
+              <a:shade val="50000"/>
+            </a:schemeClr>
+          </a:lnRef>
+          <a:fillRef idx="1">
+            <a:schemeClr val="accent1"/>
+          </a:fillRef>
+          <a:effectRef idx="0">
+            <a:schemeClr val="accent1"/>
+          </a:effectRef>
+          <a:fontRef idx="minor">
+            <a:schemeClr val="lt1"/>
+          </a:fontRef>
+        </p:style>
+        <p:txBody>
+          <a:bodyPr rtlCol="0" anchor="ctr"/>
+          <a:lstStyle/>
+          <a:p>
+            <a:pPr algn="ctr"/>
             <a:endParaRPr kumimoji="1" lang="ja-JP" altLang="en-US"/>
+          </a:p>
+        </p:txBody>
+      </p:sp>
+      <p:sp>
+        <p:nvSpPr>
+          <p:cNvPr id="11" name="角丸四角形 10"/>
+          <p:cNvSpPr/>
+          <p:nvPr/>
+        </p:nvSpPr>
+        <p:spPr>
+          <a:xfrm>
+            <a:off x="960120" y="4678680"/>
+            <a:ext cx="10195560" cy="1097280"/>
+          </a:xfrm>
+          <a:prstGeom prst="roundRect">
+            <a:avLst/>
+          </a:prstGeom>
+          <a:solidFill>
+            <a:srgbClr val="FEA184"/>
+          </a:solidFill>
+        </p:spPr>
+        <p:style>
+          <a:lnRef idx="2">
+            <a:schemeClr val="accent1">
+              <a:shade val="50000"/>
+            </a:schemeClr>
+          </a:lnRef>
+          <a:fillRef idx="1">
+            <a:schemeClr val="accent1"/>
+          </a:fillRef>
+          <a:effectRef idx="0">
+            <a:schemeClr val="accent1"/>
+          </a:effectRef>
+          <a:fontRef idx="minor">
+            <a:schemeClr val="lt1"/>
+          </a:fontRef>
+        </p:style>
+        <p:txBody>
+          <a:bodyPr rtlCol="0" anchor="ctr"/>
+          <a:lstStyle/>
+          <a:p>
+            <a:pPr algn="ctr"/>
+            <a:r>
+              <a:rPr lang="ja-JP" altLang="en-US" sz="3600" b="1" dirty="0">
+                <a:solidFill>
+                  <a:schemeClr val="tx1"/>
+                </a:solidFill>
+              </a:rPr>
+              <a:t>楽器</a:t>
+            </a:r>
+            <a:r>
+              <a:rPr lang="ja-JP" altLang="en-US" sz="3600" b="1" dirty="0" smtClean="0">
+                <a:solidFill>
+                  <a:schemeClr val="tx1"/>
+                </a:solidFill>
+              </a:rPr>
+              <a:t>の種類、</a:t>
+            </a:r>
+            <a:r>
+              <a:rPr lang="ja-JP" altLang="en-US" sz="3600" b="1" strike="sngStrike" dirty="0" smtClean="0">
+                <a:solidFill>
+                  <a:schemeClr val="bg1">
+                    <a:lumMod val="50000"/>
+                  </a:schemeClr>
+                </a:solidFill>
+              </a:rPr>
+              <a:t>リズム</a:t>
+            </a:r>
+            <a:r>
+              <a:rPr lang="ja-JP" altLang="en-US" sz="3600" b="1" dirty="0" smtClean="0">
+                <a:solidFill>
+                  <a:schemeClr val="tx1"/>
+                </a:solidFill>
+              </a:rPr>
+              <a:t>、旋律を生成</a:t>
+            </a:r>
+            <a:endParaRPr kumimoji="1" lang="ja-JP" altLang="en-US" sz="3600" b="1" dirty="0">
+              <a:solidFill>
+                <a:schemeClr val="tx1"/>
+              </a:solidFill>
+            </a:endParaRPr>
+          </a:p>
+        </p:txBody>
+      </p:sp>
+    </p:spTree>
+    <p:extLst>
+      <p:ext uri="{BB962C8B-B14F-4D97-AF65-F5344CB8AC3E}">
+        <p14:creationId xmlns:p14="http://schemas.microsoft.com/office/powerpoint/2010/main" val="2355846220"/>
+      </p:ext>
+    </p:extLst>
+  </p:cSld>
+  <p:clrMapOvr>
+    <a:masterClrMapping/>
+  </p:clrMapOvr>
+  <p:timing>
+    <p:tnLst>
+      <p:par>
+        <p:cTn id="1" dur="indefinite" restart="never" nodeType="tmRoot"/>
+      </p:par>
+    </p:tnLst>
+  </p:timing>
+</p:sld>
+</file>
+
+<file path=ppt/slides/slide7.xml><?xml version="1.0" encoding="utf-8"?>
+<p:sld xmlns:a="http://schemas.openxmlformats.org/drawingml/2006/main" xmlns:r="http://schemas.openxmlformats.org/officeDocument/2006/relationships" xmlns:p="http://schemas.openxmlformats.org/presentationml/2006/main">
+  <p:cSld>
+    <p:spTree>
+      <p:nvGrpSpPr>
+        <p:cNvPr id="1" name=""/>
+        <p:cNvGrpSpPr/>
+        <p:nvPr/>
+      </p:nvGrpSpPr>
+      <p:grpSpPr>
+        <a:xfrm>
+          <a:off x="0" y="0"/>
+          <a:ext cx="0" cy="0"/>
+          <a:chOff x="0" y="0"/>
+          <a:chExt cx="0" cy="0"/>
+        </a:xfrm>
+      </p:grpSpPr>
+      <p:sp>
+        <p:nvSpPr>
+          <p:cNvPr id="2" name="タイトル 1"/>
+          <p:cNvSpPr>
+            <a:spLocks noGrp="1"/>
+          </p:cNvSpPr>
+          <p:nvPr>
+            <p:ph type="title"/>
+          </p:nvPr>
+        </p:nvSpPr>
+        <p:spPr/>
+        <p:txBody>
+          <a:bodyPr/>
+          <a:lstStyle/>
+          <a:p>
+            <a:r>
+              <a:rPr lang="ja-JP" altLang="en-US" dirty="0"/>
+              <a:t>まとめ</a:t>
+            </a:r>
+            <a:endParaRPr kumimoji="1" lang="ja-JP" altLang="en-US" dirty="0"/>
+          </a:p>
+        </p:txBody>
+      </p:sp>
+      <p:sp>
+        <p:nvSpPr>
+          <p:cNvPr id="3" name="コンテンツ プレースホルダー 2"/>
+          <p:cNvSpPr>
+            <a:spLocks noGrp="1"/>
+          </p:cNvSpPr>
+          <p:nvPr>
+            <p:ph idx="1"/>
+          </p:nvPr>
+        </p:nvSpPr>
+        <p:spPr/>
+        <p:txBody>
+          <a:bodyPr>
+            <a:normAutofit fontScale="92500" lnSpcReduction="10000"/>
+          </a:bodyPr>
+          <a:lstStyle/>
+          <a:p>
+            <a:pPr marL="0" indent="0">
+              <a:buNone/>
+            </a:pPr>
+            <a:r>
+              <a:rPr lang="ja-JP" altLang="en-US" sz="3600" dirty="0" smtClean="0"/>
+              <a:t>コンセプト</a:t>
+            </a:r>
+            <a:r>
+              <a:rPr lang="en-US" altLang="ja-JP" sz="3600" dirty="0" smtClean="0"/>
+              <a:t>:</a:t>
+            </a:r>
+          </a:p>
+          <a:p>
+            <a:pPr marL="0" indent="0">
+              <a:buNone/>
+            </a:pPr>
+            <a:r>
+              <a:rPr lang="ja-JP" altLang="en-US" sz="3600" dirty="0" smtClean="0"/>
+              <a:t>  車の</a:t>
+            </a:r>
+            <a:r>
+              <a:rPr lang="ja-JP" altLang="en-US" sz="3600" dirty="0"/>
+              <a:t>走行データを</a:t>
+            </a:r>
+            <a:r>
+              <a:rPr lang="ja-JP" altLang="en-US" sz="3600" u="sng" dirty="0">
+                <a:solidFill>
+                  <a:srgbClr val="FF0000"/>
+                </a:solidFill>
+              </a:rPr>
+              <a:t>リアルタイム</a:t>
+            </a:r>
+            <a:r>
+              <a:rPr lang="ja-JP" altLang="en-US" sz="3600" dirty="0" smtClean="0"/>
+              <a:t>に</a:t>
+            </a:r>
+            <a:r>
+              <a:rPr lang="ja-JP" altLang="en-US" sz="3600" b="1" u="sng" dirty="0" smtClean="0">
+                <a:solidFill>
+                  <a:schemeClr val="accent1">
+                    <a:lumMod val="75000"/>
+                  </a:schemeClr>
+                </a:solidFill>
+              </a:rPr>
+              <a:t>聴覚化</a:t>
+            </a:r>
+            <a:endParaRPr lang="en-US" altLang="ja-JP" sz="3600" b="1" u="sng" dirty="0" smtClean="0">
+              <a:solidFill>
+                <a:schemeClr val="tx1"/>
+              </a:solidFill>
+            </a:endParaRPr>
+          </a:p>
+          <a:p>
+            <a:pPr marL="0" indent="0">
+              <a:buNone/>
+            </a:pPr>
+            <a:r>
+              <a:rPr lang="ja-JP" altLang="en-US" sz="3600" dirty="0" smtClean="0">
+                <a:solidFill>
+                  <a:schemeClr val="tx1"/>
+                </a:solidFill>
+              </a:rPr>
+              <a:t>今回は</a:t>
+            </a:r>
+            <a:r>
+              <a:rPr lang="en-US" altLang="ja-JP" sz="3600" dirty="0" smtClean="0">
+                <a:solidFill>
+                  <a:schemeClr val="tx1"/>
+                </a:solidFill>
+              </a:rPr>
+              <a:t>:</a:t>
+            </a:r>
+          </a:p>
+          <a:p>
+            <a:pPr marL="0" indent="0">
+              <a:buNone/>
+            </a:pPr>
+            <a:r>
+              <a:rPr lang="ja-JP" altLang="en-US" sz="3600" dirty="0" smtClean="0">
+                <a:solidFill>
+                  <a:schemeClr val="tx1"/>
+                </a:solidFill>
+              </a:rPr>
+              <a:t>  単純化の為に、ドラムの拍だけを出力する。</a:t>
+            </a:r>
+            <a:endParaRPr lang="en-US" altLang="ja-JP" sz="3600" dirty="0" smtClean="0">
+              <a:solidFill>
+                <a:schemeClr val="tx1"/>
+              </a:solidFill>
+            </a:endParaRPr>
+          </a:p>
+          <a:p>
+            <a:pPr>
+              <a:buFont typeface="Wingdings" panose="05000000000000000000" pitchFamily="2" charset="2"/>
+              <a:buChar char="l"/>
+            </a:pPr>
+            <a:endParaRPr lang="en-US" altLang="ja-JP" sz="3600" dirty="0">
+              <a:solidFill>
+                <a:schemeClr val="tx1"/>
+              </a:solidFill>
+            </a:endParaRPr>
+          </a:p>
+          <a:p>
+            <a:pPr algn="ctr"/>
+            <a:r>
+              <a:rPr lang="ja-JP" altLang="en-US" sz="3600" dirty="0" smtClean="0">
+                <a:solidFill>
+                  <a:schemeClr val="tx1"/>
+                </a:solidFill>
+              </a:rPr>
+              <a:t>端末の動きに合わせて、</a:t>
+            </a:r>
+            <a:endParaRPr lang="en-US" altLang="ja-JP" sz="3600" dirty="0" smtClean="0">
+              <a:solidFill>
+                <a:schemeClr val="tx1"/>
+              </a:solidFill>
+            </a:endParaRPr>
+          </a:p>
+          <a:p>
+            <a:pPr algn="ctr"/>
+            <a:r>
+              <a:rPr lang="ja-JP" altLang="en-US" sz="3600" dirty="0" smtClean="0">
+                <a:solidFill>
+                  <a:schemeClr val="tx1"/>
+                </a:solidFill>
+              </a:rPr>
+              <a:t>リズム</a:t>
+            </a:r>
+            <a:r>
+              <a:rPr lang="ja-JP" altLang="en-US" sz="3600" dirty="0">
+                <a:solidFill>
+                  <a:schemeClr val="tx1"/>
+                </a:solidFill>
+              </a:rPr>
+              <a:t>を変化させることが</a:t>
+            </a:r>
+            <a:r>
+              <a:rPr lang="ja-JP" altLang="en-US" sz="3600" dirty="0" smtClean="0">
+                <a:solidFill>
+                  <a:schemeClr val="tx1"/>
+                </a:solidFill>
+              </a:rPr>
+              <a:t>できた</a:t>
+            </a:r>
+            <a:endParaRPr lang="en-US" altLang="ja-JP" sz="3600" dirty="0">
+              <a:solidFill>
+                <a:schemeClr val="tx1"/>
+              </a:solidFill>
+            </a:endParaRPr>
           </a:p>
         </p:txBody>
       </p:sp>
@@ -5690,6 +6966,107 @@
   <p:clrMapOvr>
     <a:masterClrMapping/>
   </p:clrMapOvr>
+  <p:timing>
+    <p:tnLst>
+      <p:par>
+        <p:cTn id="1" dur="indefinite" restart="never" nodeType="tmRoot"/>
+      </p:par>
+    </p:tnLst>
+  </p:timing>
+</p:sld>
+</file>
+
+<file path=ppt/slides/slide8.xml><?xml version="1.0" encoding="utf-8"?>
+<p:sld xmlns:a="http://schemas.openxmlformats.org/drawingml/2006/main" xmlns:r="http://schemas.openxmlformats.org/officeDocument/2006/relationships" xmlns:p="http://schemas.openxmlformats.org/presentationml/2006/main">
+  <p:cSld>
+    <p:spTree>
+      <p:nvGrpSpPr>
+        <p:cNvPr id="1" name=""/>
+        <p:cNvGrpSpPr/>
+        <p:nvPr/>
+      </p:nvGrpSpPr>
+      <p:grpSpPr>
+        <a:xfrm>
+          <a:off x="0" y="0"/>
+          <a:ext cx="0" cy="0"/>
+          <a:chOff x="0" y="0"/>
+          <a:chExt cx="0" cy="0"/>
+        </a:xfrm>
+      </p:grpSpPr>
+      <p:sp>
+        <p:nvSpPr>
+          <p:cNvPr id="2" name="タイトル 1"/>
+          <p:cNvSpPr>
+            <a:spLocks noGrp="1"/>
+          </p:cNvSpPr>
+          <p:nvPr>
+            <p:ph type="title"/>
+          </p:nvPr>
+        </p:nvSpPr>
+        <p:spPr/>
+        <p:txBody>
+          <a:bodyPr/>
+          <a:lstStyle/>
+          <a:p>
+            <a:r>
+              <a:rPr lang="ja-JP" altLang="en-US" dirty="0"/>
+              <a:t>まとめ</a:t>
+            </a:r>
+            <a:endParaRPr kumimoji="1" lang="ja-JP" altLang="en-US" dirty="0"/>
+          </a:p>
+        </p:txBody>
+      </p:sp>
+      <p:sp>
+        <p:nvSpPr>
+          <p:cNvPr id="3" name="コンテンツ プレースホルダー 2"/>
+          <p:cNvSpPr>
+            <a:spLocks noGrp="1"/>
+          </p:cNvSpPr>
+          <p:nvPr>
+            <p:ph idx="1"/>
+          </p:nvPr>
+        </p:nvSpPr>
+        <p:spPr/>
+        <p:txBody>
+          <a:bodyPr/>
+          <a:lstStyle/>
+          <a:p>
+            <a:r>
+              <a:rPr lang="ja-JP" altLang="en-US" dirty="0">
+                <a:solidFill>
+                  <a:schemeClr val="tx1"/>
+                </a:solidFill>
+              </a:rPr>
+              <a:t>加速度センサーを使い、リズムを変化させることができた。</a:t>
+            </a:r>
+            <a:endParaRPr lang="en-US" altLang="ja-JP" dirty="0">
+              <a:solidFill>
+                <a:schemeClr val="tx1"/>
+              </a:solidFill>
+            </a:endParaRPr>
+          </a:p>
+          <a:p>
+            <a:endParaRPr kumimoji="1" lang="ja-JP" altLang="en-US" dirty="0"/>
+          </a:p>
+        </p:txBody>
+      </p:sp>
+    </p:spTree>
+    <p:extLst>
+      <p:ext uri="{BB962C8B-B14F-4D97-AF65-F5344CB8AC3E}">
+        <p14:creationId xmlns:p14="http://schemas.microsoft.com/office/powerpoint/2010/main" val="4041779215"/>
+      </p:ext>
+    </p:extLst>
+  </p:cSld>
+  <p:clrMapOvr>
+    <a:masterClrMapping/>
+  </p:clrMapOvr>
+  <p:timing>
+    <p:tnLst>
+      <p:par>
+        <p:cTn id="1" dur="indefinite" restart="never" nodeType="tmRoot"/>
+      </p:par>
+    </p:tnLst>
+  </p:timing>
 </p:sld>
 </file>
 

--- a/コンポライブ.pptx
+++ b/コンポライブ.pptx
@@ -5,7 +5,7 @@
     <p:sldMasterId id="2147483672" r:id="rId1"/>
   </p:sldMasterIdLst>
   <p:notesMasterIdLst>
-    <p:notesMasterId r:id="rId10"/>
+    <p:notesMasterId r:id="rId9"/>
   </p:notesMasterIdLst>
   <p:sldIdLst>
     <p:sldId id="256" r:id="rId2"/>
@@ -15,7 +15,6 @@
     <p:sldId id="258" r:id="rId6"/>
     <p:sldId id="264" r:id="rId7"/>
     <p:sldId id="259" r:id="rId8"/>
-    <p:sldId id="265" r:id="rId9"/>
   </p:sldIdLst>
   <p:sldSz cx="12192000" cy="6858000"/>
   <p:notesSz cx="6858000" cy="9144000"/>
@@ -580,7 +579,7 @@
           <a:p>
             <a:fld id="{67E2B855-C789-47AF-9A27-59D9F3F544C4}" type="slidenum">
               <a:rPr kumimoji="1" lang="ja-JP" altLang="en-US" smtClean="0"/>
-              <a:t>4</a:t>
+              <a:t>2</a:t>
             </a:fld>
             <a:endParaRPr kumimoji="1" lang="ja-JP" altLang="en-US"/>
           </a:p>
@@ -589,7 +588,7 @@
     </p:spTree>
     <p:extLst>
       <p:ext uri="{BB962C8B-B14F-4D97-AF65-F5344CB8AC3E}">
-        <p14:creationId xmlns:p14="http://schemas.microsoft.com/office/powerpoint/2010/main" val="2533896945"/>
+        <p14:creationId xmlns:p14="http://schemas.microsoft.com/office/powerpoint/2010/main" val="633354465"/>
       </p:ext>
     </p:extLst>
   </p:cSld>
@@ -644,6 +643,225 @@
           <a:lstStyle/>
           <a:p>
             <a:r>
+              <a:rPr kumimoji="1" lang="ja-JP" altLang="en-US" dirty="0" smtClean="0"/>
+              <a:t>・車の位置</a:t>
+            </a:r>
+            <a:r>
+              <a:rPr kumimoji="1" lang="en-US" altLang="ja-JP" dirty="0" smtClean="0"/>
+              <a:t>(</a:t>
+            </a:r>
+            <a:r>
+              <a:rPr kumimoji="1" lang="ja-JP" altLang="en-US" dirty="0" smtClean="0"/>
+              <a:t>市街地や沿岸地などのスポットの情報や、標高などの情報</a:t>
+            </a:r>
+            <a:r>
+              <a:rPr kumimoji="1" lang="en-US" altLang="ja-JP" dirty="0" smtClean="0"/>
+              <a:t>)</a:t>
+            </a:r>
+          </a:p>
+          <a:p>
+            <a:r>
+              <a:rPr kumimoji="1" lang="ja-JP" altLang="en-US" dirty="0" smtClean="0"/>
+              <a:t>・運転方法</a:t>
+            </a:r>
+            <a:r>
+              <a:rPr kumimoji="1" lang="en-US" altLang="ja-JP" dirty="0" smtClean="0"/>
+              <a:t>(</a:t>
+            </a:r>
+            <a:r>
+              <a:rPr kumimoji="1" lang="ja-JP" altLang="en-US" dirty="0" smtClean="0"/>
+              <a:t>速度の変化やハンドルの操作</a:t>
+            </a:r>
+            <a:r>
+              <a:rPr kumimoji="1" lang="en-US" altLang="ja-JP" dirty="0" smtClean="0"/>
+              <a:t>)</a:t>
+            </a:r>
+          </a:p>
+          <a:p>
+            <a:r>
+              <a:rPr kumimoji="1" lang="ja-JP" altLang="en-US" dirty="0" smtClean="0"/>
+              <a:t>・気象情報</a:t>
+            </a:r>
+            <a:r>
+              <a:rPr kumimoji="1" lang="en-US" altLang="ja-JP" dirty="0" smtClean="0"/>
+              <a:t>(</a:t>
+            </a:r>
+            <a:r>
+              <a:rPr kumimoji="1" lang="ja-JP" altLang="en-US" dirty="0" smtClean="0"/>
+              <a:t>晴れや雨・曇りなど</a:t>
+            </a:r>
+            <a:r>
+              <a:rPr kumimoji="1" lang="en-US" altLang="ja-JP" dirty="0" smtClean="0"/>
+              <a:t>)</a:t>
+            </a:r>
+          </a:p>
+          <a:p>
+            <a:r>
+              <a:rPr kumimoji="1" lang="ja-JP" altLang="en-US" dirty="0" smtClean="0"/>
+              <a:t>の情報から楽器の種類、リズム、旋律を生成します。</a:t>
+            </a:r>
+            <a:endParaRPr kumimoji="1" lang="en-US" altLang="ja-JP" dirty="0" smtClean="0"/>
+          </a:p>
+          <a:p>
+            <a:endParaRPr kumimoji="1" lang="ja-JP" altLang="en-US" dirty="0"/>
+          </a:p>
+        </p:txBody>
+      </p:sp>
+      <p:sp>
+        <p:nvSpPr>
+          <p:cNvPr id="4" name="スライド番号プレースホルダー 3"/>
+          <p:cNvSpPr>
+            <a:spLocks noGrp="1"/>
+          </p:cNvSpPr>
+          <p:nvPr>
+            <p:ph type="sldNum" sz="quarter" idx="10"/>
+          </p:nvPr>
+        </p:nvSpPr>
+        <p:spPr/>
+        <p:txBody>
+          <a:bodyPr/>
+          <a:lstStyle/>
+          <a:p>
+            <a:fld id="{67E2B855-C789-47AF-9A27-59D9F3F544C4}" type="slidenum">
+              <a:rPr kumimoji="1" lang="ja-JP" altLang="en-US" smtClean="0"/>
+              <a:t>4</a:t>
+            </a:fld>
+            <a:endParaRPr kumimoji="1" lang="ja-JP" altLang="en-US"/>
+          </a:p>
+        </p:txBody>
+      </p:sp>
+    </p:spTree>
+    <p:extLst>
+      <p:ext uri="{BB962C8B-B14F-4D97-AF65-F5344CB8AC3E}">
+        <p14:creationId xmlns:p14="http://schemas.microsoft.com/office/powerpoint/2010/main" val="2533896945"/>
+      </p:ext>
+    </p:extLst>
+  </p:cSld>
+  <p:clrMapOvr>
+    <a:masterClrMapping/>
+  </p:clrMapOvr>
+</p:notes>
+</file>
+
+<file path=ppt/notesSlides/notesSlide3.xml><?xml version="1.0" encoding="utf-8"?>
+<p:notes xmlns:a="http://schemas.openxmlformats.org/drawingml/2006/main" xmlns:r="http://schemas.openxmlformats.org/officeDocument/2006/relationships" xmlns:p="http://schemas.openxmlformats.org/presentationml/2006/main">
+  <p:cSld>
+    <p:spTree>
+      <p:nvGrpSpPr>
+        <p:cNvPr id="1" name=""/>
+        <p:cNvGrpSpPr/>
+        <p:nvPr/>
+      </p:nvGrpSpPr>
+      <p:grpSpPr>
+        <a:xfrm>
+          <a:off x="0" y="0"/>
+          <a:ext cx="0" cy="0"/>
+          <a:chOff x="0" y="0"/>
+          <a:chExt cx="0" cy="0"/>
+        </a:xfrm>
+      </p:grpSpPr>
+      <p:sp>
+        <p:nvSpPr>
+          <p:cNvPr id="2" name="スライド イメージ プレースホルダー 1"/>
+          <p:cNvSpPr>
+            <a:spLocks noGrp="1" noRot="1" noChangeAspect="1"/>
+          </p:cNvSpPr>
+          <p:nvPr>
+            <p:ph type="sldImg"/>
+          </p:nvPr>
+        </p:nvSpPr>
+        <p:spPr/>
+      </p:sp>
+      <p:sp>
+        <p:nvSpPr>
+          <p:cNvPr id="3" name="ノート プレースホルダー 2"/>
+          <p:cNvSpPr>
+            <a:spLocks noGrp="1"/>
+          </p:cNvSpPr>
+          <p:nvPr>
+            <p:ph type="body" idx="1"/>
+          </p:nvPr>
+        </p:nvSpPr>
+        <p:spPr/>
+        <p:txBody>
+          <a:bodyPr/>
+          <a:lstStyle/>
+          <a:p>
+            <a:r>
+              <a:rPr kumimoji="1" lang="ja-JP" altLang="en-US" dirty="0" smtClean="0"/>
+              <a:t>今回は限られた環境での</a:t>
+            </a:r>
+            <a:r>
+              <a:rPr kumimoji="1" lang="en-US" altLang="ja-JP" b="1" dirty="0" smtClean="0">
+                <a:solidFill>
+                  <a:schemeClr val="accent1">
+                    <a:lumMod val="75000"/>
+                  </a:schemeClr>
+                </a:solidFill>
+              </a:rPr>
+              <a:t>Proof of Concept </a:t>
+            </a:r>
+            <a:r>
+              <a:rPr kumimoji="1" lang="ja-JP" altLang="en-US" b="1" dirty="0" smtClean="0">
+                <a:solidFill>
+                  <a:schemeClr val="accent1">
+                    <a:lumMod val="75000"/>
+                  </a:schemeClr>
+                </a:solidFill>
+              </a:rPr>
+              <a:t>なので、</a:t>
+            </a:r>
+            <a:endParaRPr kumimoji="1" lang="en-US" altLang="ja-JP" b="1" dirty="0" smtClean="0">
+              <a:solidFill>
+                <a:schemeClr val="accent1">
+                  <a:lumMod val="75000"/>
+                </a:schemeClr>
+              </a:solidFill>
+            </a:endParaRPr>
+          </a:p>
+          <a:p>
+            <a:r>
+              <a:rPr lang="ja-JP" altLang="en-US" b="1" dirty="0" smtClean="0">
+                <a:solidFill>
+                  <a:schemeClr val="accent1">
+                    <a:lumMod val="75000"/>
+                  </a:schemeClr>
+                </a:solidFill>
+              </a:rPr>
+              <a:t>生成するのはドラムの拍のみに限定</a:t>
+            </a:r>
+            <a:endParaRPr lang="en-US" altLang="ja-JP" b="1" dirty="0" smtClean="0">
+              <a:solidFill>
+                <a:schemeClr val="accent1">
+                  <a:lumMod val="75000"/>
+                </a:schemeClr>
+              </a:solidFill>
+            </a:endParaRPr>
+          </a:p>
+          <a:p>
+            <a:r>
+              <a:rPr kumimoji="1" lang="ja-JP" altLang="en-US" b="1" dirty="0" smtClean="0">
+                <a:solidFill>
+                  <a:schemeClr val="accent1">
+                    <a:lumMod val="75000"/>
+                  </a:schemeClr>
+                </a:solidFill>
+              </a:rPr>
+              <a:t>タブレットのモーションセンサーを車載センサーの代用とする。</a:t>
+            </a:r>
+            <a:endParaRPr kumimoji="1" lang="en-US" altLang="ja-JP" b="1" dirty="0" smtClean="0">
+              <a:solidFill>
+                <a:schemeClr val="accent1">
+                  <a:lumMod val="75000"/>
+                </a:schemeClr>
+              </a:solidFill>
+            </a:endParaRPr>
+          </a:p>
+          <a:p>
+            <a:endParaRPr kumimoji="1" lang="en-US" altLang="ja-JP" dirty="0" smtClean="0"/>
+          </a:p>
+          <a:p>
+            <a:r>
               <a:rPr kumimoji="1" lang="en-US" altLang="ja-JP" dirty="0" smtClean="0"/>
               <a:t>(</a:t>
             </a:r>
@@ -744,57 +962,6 @@
             </a:endParaRPr>
           </a:p>
           <a:p>
-            <a:r>
-              <a:rPr kumimoji="1" lang="ja-JP" altLang="en-US" dirty="0" smtClean="0"/>
-              <a:t>  ことを、</a:t>
-            </a:r>
-            <a:r>
-              <a:rPr kumimoji="1" lang="en-US" altLang="ja-JP" dirty="0" smtClean="0"/>
-              <a:t>3~4</a:t>
-            </a:r>
-            <a:r>
-              <a:rPr kumimoji="1" lang="ja-JP" altLang="en-US" dirty="0" smtClean="0"/>
-              <a:t>分 </a:t>
-            </a:r>
-            <a:r>
-              <a:rPr kumimoji="1" lang="en-US" altLang="ja-JP" dirty="0" smtClean="0"/>
-              <a:t>(</a:t>
-            </a:r>
-            <a:r>
-              <a:rPr kumimoji="1" lang="ja-JP" altLang="en-US" dirty="0" smtClean="0"/>
-              <a:t>スライド </a:t>
-            </a:r>
-            <a:r>
-              <a:rPr kumimoji="1" lang="en-US" altLang="ja-JP" dirty="0" smtClean="0"/>
-              <a:t>3</a:t>
-            </a:r>
-            <a:r>
-              <a:rPr kumimoji="1" lang="ja-JP" altLang="en-US" dirty="0" smtClean="0"/>
-              <a:t>～</a:t>
-            </a:r>
-            <a:r>
-              <a:rPr kumimoji="1" lang="en-US" altLang="ja-JP" dirty="0" smtClean="0"/>
-              <a:t>4</a:t>
-            </a:r>
-            <a:r>
-              <a:rPr lang="ja-JP" altLang="en-US" dirty="0" smtClean="0"/>
-              <a:t>枚</a:t>
-            </a:r>
-            <a:r>
-              <a:rPr lang="en-US" altLang="ja-JP" dirty="0" smtClean="0"/>
-              <a:t>) </a:t>
-            </a:r>
-            <a:r>
-              <a:rPr lang="ja-JP" altLang="en-US" dirty="0" smtClean="0"/>
-              <a:t>にまとめる</a:t>
-            </a:r>
-            <a:r>
-              <a:rPr lang="en-US" altLang="ja-JP" dirty="0" smtClean="0"/>
-              <a:t>)</a:t>
-            </a:r>
-            <a:endParaRPr kumimoji="1" lang="en-US" altLang="ja-JP" dirty="0" smtClean="0"/>
-          </a:p>
-          <a:p>
             <a:endParaRPr kumimoji="1" lang="ja-JP" altLang="en-US" dirty="0"/>
           </a:p>
         </p:txBody>
@@ -826,6 +993,197 @@
     <p:extLst>
       <p:ext uri="{BB962C8B-B14F-4D97-AF65-F5344CB8AC3E}">
         <p14:creationId xmlns:p14="http://schemas.microsoft.com/office/powerpoint/2010/main" val="4038972247"/>
+      </p:ext>
+    </p:extLst>
+  </p:cSld>
+  <p:clrMapOvr>
+    <a:masterClrMapping/>
+  </p:clrMapOvr>
+</p:notes>
+</file>
+
+<file path=ppt/notesSlides/notesSlide4.xml><?xml version="1.0" encoding="utf-8"?>
+<p:notes xmlns:a="http://schemas.openxmlformats.org/drawingml/2006/main" xmlns:r="http://schemas.openxmlformats.org/officeDocument/2006/relationships" xmlns:p="http://schemas.openxmlformats.org/presentationml/2006/main">
+  <p:cSld>
+    <p:spTree>
+      <p:nvGrpSpPr>
+        <p:cNvPr id="1" name=""/>
+        <p:cNvGrpSpPr/>
+        <p:nvPr/>
+      </p:nvGrpSpPr>
+      <p:grpSpPr>
+        <a:xfrm>
+          <a:off x="0" y="0"/>
+          <a:ext cx="0" cy="0"/>
+          <a:chOff x="0" y="0"/>
+          <a:chExt cx="0" cy="0"/>
+        </a:xfrm>
+      </p:grpSpPr>
+      <p:sp>
+        <p:nvSpPr>
+          <p:cNvPr id="2" name="スライド イメージ プレースホルダー 1"/>
+          <p:cNvSpPr>
+            <a:spLocks noGrp="1" noRot="1" noChangeAspect="1"/>
+          </p:cNvSpPr>
+          <p:nvPr>
+            <p:ph type="sldImg"/>
+          </p:nvPr>
+        </p:nvSpPr>
+        <p:spPr/>
+      </p:sp>
+      <p:sp>
+        <p:nvSpPr>
+          <p:cNvPr id="3" name="ノート プレースホルダー 2"/>
+          <p:cNvSpPr>
+            <a:spLocks noGrp="1"/>
+          </p:cNvSpPr>
+          <p:nvPr>
+            <p:ph type="body" idx="1"/>
+          </p:nvPr>
+        </p:nvSpPr>
+        <p:spPr/>
+        <p:txBody>
+          <a:bodyPr/>
+          <a:lstStyle/>
+          <a:p>
+            <a:r>
+              <a:rPr kumimoji="1" lang="ja-JP" altLang="en-US" dirty="0" smtClean="0"/>
+              <a:t>今回できなかった車の位置、気象情報などから楽器の種類、</a:t>
+            </a:r>
+            <a:r>
+              <a:rPr kumimoji="1" lang="ja-JP" altLang="en-US" dirty="0" err="1" smtClean="0"/>
+              <a:t>旋律の旋律の</a:t>
+            </a:r>
+            <a:r>
+              <a:rPr kumimoji="1" lang="ja-JP" altLang="en-US" dirty="0" smtClean="0"/>
+              <a:t>生成を導入したい。</a:t>
+            </a:r>
+            <a:endParaRPr kumimoji="1" lang="ja-JP" altLang="en-US" dirty="0"/>
+          </a:p>
+        </p:txBody>
+      </p:sp>
+      <p:sp>
+        <p:nvSpPr>
+          <p:cNvPr id="4" name="スライド番号プレースホルダー 3"/>
+          <p:cNvSpPr>
+            <a:spLocks noGrp="1"/>
+          </p:cNvSpPr>
+          <p:nvPr>
+            <p:ph type="sldNum" sz="quarter" idx="10"/>
+          </p:nvPr>
+        </p:nvSpPr>
+        <p:spPr/>
+        <p:txBody>
+          <a:bodyPr/>
+          <a:lstStyle/>
+          <a:p>
+            <a:fld id="{67E2B855-C789-47AF-9A27-59D9F3F544C4}" type="slidenum">
+              <a:rPr kumimoji="1" lang="ja-JP" altLang="en-US" smtClean="0"/>
+              <a:t>6</a:t>
+            </a:fld>
+            <a:endParaRPr kumimoji="1" lang="ja-JP" altLang="en-US"/>
+          </a:p>
+        </p:txBody>
+      </p:sp>
+    </p:spTree>
+    <p:extLst>
+      <p:ext uri="{BB962C8B-B14F-4D97-AF65-F5344CB8AC3E}">
+        <p14:creationId xmlns:p14="http://schemas.microsoft.com/office/powerpoint/2010/main" val="3293890647"/>
+      </p:ext>
+    </p:extLst>
+  </p:cSld>
+  <p:clrMapOvr>
+    <a:masterClrMapping/>
+  </p:clrMapOvr>
+</p:notes>
+</file>
+
+<file path=ppt/notesSlides/notesSlide5.xml><?xml version="1.0" encoding="utf-8"?>
+<p:notes xmlns:a="http://schemas.openxmlformats.org/drawingml/2006/main" xmlns:r="http://schemas.openxmlformats.org/officeDocument/2006/relationships" xmlns:p="http://schemas.openxmlformats.org/presentationml/2006/main">
+  <p:cSld>
+    <p:spTree>
+      <p:nvGrpSpPr>
+        <p:cNvPr id="1" name=""/>
+        <p:cNvGrpSpPr/>
+        <p:nvPr/>
+      </p:nvGrpSpPr>
+      <p:grpSpPr>
+        <a:xfrm>
+          <a:off x="0" y="0"/>
+          <a:ext cx="0" cy="0"/>
+          <a:chOff x="0" y="0"/>
+          <a:chExt cx="0" cy="0"/>
+        </a:xfrm>
+      </p:grpSpPr>
+      <p:sp>
+        <p:nvSpPr>
+          <p:cNvPr id="2" name="スライド イメージ プレースホルダー 1"/>
+          <p:cNvSpPr>
+            <a:spLocks noGrp="1" noRot="1" noChangeAspect="1"/>
+          </p:cNvSpPr>
+          <p:nvPr>
+            <p:ph type="sldImg"/>
+          </p:nvPr>
+        </p:nvSpPr>
+        <p:spPr/>
+      </p:sp>
+      <p:sp>
+        <p:nvSpPr>
+          <p:cNvPr id="3" name="ノート プレースホルダー 2"/>
+          <p:cNvSpPr>
+            <a:spLocks noGrp="1"/>
+          </p:cNvSpPr>
+          <p:nvPr>
+            <p:ph type="body" idx="1"/>
+          </p:nvPr>
+        </p:nvSpPr>
+        <p:spPr/>
+        <p:txBody>
+          <a:bodyPr/>
+          <a:lstStyle/>
+          <a:p>
+            <a:r>
+              <a:rPr kumimoji="1" lang="ja-JP" altLang="en-US" dirty="0" smtClean="0"/>
+              <a:t>聴覚化する。</a:t>
+            </a:r>
+            <a:endParaRPr kumimoji="1" lang="en-US" altLang="ja-JP" dirty="0" smtClean="0"/>
+          </a:p>
+          <a:p>
+            <a:r>
+              <a:rPr kumimoji="1" lang="ja-JP" altLang="en-US" dirty="0" smtClean="0"/>
+              <a:t>今回は単純化の為に、</a:t>
+            </a:r>
+            <a:endParaRPr kumimoji="1" lang="ja-JP" altLang="en-US" dirty="0"/>
+          </a:p>
+        </p:txBody>
+      </p:sp>
+      <p:sp>
+        <p:nvSpPr>
+          <p:cNvPr id="4" name="スライド番号プレースホルダー 3"/>
+          <p:cNvSpPr>
+            <a:spLocks noGrp="1"/>
+          </p:cNvSpPr>
+          <p:nvPr>
+            <p:ph type="sldNum" sz="quarter" idx="10"/>
+          </p:nvPr>
+        </p:nvSpPr>
+        <p:spPr/>
+        <p:txBody>
+          <a:bodyPr/>
+          <a:lstStyle/>
+          <a:p>
+            <a:fld id="{67E2B855-C789-47AF-9A27-59D9F3F544C4}" type="slidenum">
+              <a:rPr kumimoji="1" lang="ja-JP" altLang="en-US" smtClean="0"/>
+              <a:t>7</a:t>
+            </a:fld>
+            <a:endParaRPr kumimoji="1" lang="ja-JP" altLang="en-US"/>
+          </a:p>
+        </p:txBody>
+      </p:sp>
+    </p:spTree>
+    <p:extLst>
+      <p:ext uri="{BB962C8B-B14F-4D97-AF65-F5344CB8AC3E}">
+        <p14:creationId xmlns:p14="http://schemas.microsoft.com/office/powerpoint/2010/main" val="1295022923"/>
       </p:ext>
     </p:extLst>
   </p:cSld>
@@ -4898,6 +5256,13 @@
   <p:clrMapOvr>
     <a:masterClrMapping/>
   </p:clrMapOvr>
+  <p:timing>
+    <p:tnLst>
+      <p:par>
+        <p:cTn id="1" dur="indefinite" restart="never" nodeType="tmRoot"/>
+      </p:par>
+    </p:tnLst>
+  </p:timing>
 </p:sld>
 </file>
 
@@ -4953,7 +5318,7 @@
         </p:nvSpPr>
         <p:spPr>
           <a:xfrm>
-            <a:off x="1062446" y="2629506"/>
+            <a:off x="1077686" y="3162906"/>
             <a:ext cx="10058400" cy="427203"/>
           </a:xfrm>
         </p:spPr>
@@ -4984,288 +5349,23 @@
               <a:rPr kumimoji="1" lang="ja-JP" altLang="en-US" sz="4400" dirty="0" smtClean="0"/>
               <a:t>ドライブ</a:t>
             </a:r>
-            <a:endParaRPr lang="en-US" altLang="ja-JP" sz="4400" dirty="0"/>
-          </a:p>
-        </p:txBody>
-      </p:sp>
-      <p:sp>
-        <p:nvSpPr>
-          <p:cNvPr id="4" name="コンテンツ プレースホルダー 2"/>
-          <p:cNvSpPr txBox="1">
-            <a:spLocks/>
-          </p:cNvSpPr>
-          <p:nvPr/>
-        </p:nvSpPr>
-        <p:spPr>
-          <a:xfrm>
-            <a:off x="1062446" y="4177211"/>
-            <a:ext cx="10058400" cy="427203"/>
-          </a:xfrm>
-          <a:prstGeom prst="rect">
-            <a:avLst/>
-          </a:prstGeom>
-        </p:spPr>
-        <p:txBody>
-          <a:bodyPr vert="horz" lIns="0" tIns="45720" rIns="0" bIns="45720" rtlCol="0">
-            <a:normAutofit fontScale="92500" lnSpcReduction="20000"/>
-          </a:bodyPr>
-          <a:lstStyle>
-            <a:lvl1pPr marL="91440" indent="-91440" algn="l" defTabSz="914400" rtl="0" eaLnBrk="1" latinLnBrk="0" hangingPunct="1">
-              <a:lnSpc>
-                <a:spcPct val="90000"/>
-              </a:lnSpc>
-              <a:spcBef>
-                <a:spcPts val="1200"/>
-              </a:spcBef>
-              <a:spcAft>
-                <a:spcPts val="200"/>
-              </a:spcAft>
-              <a:buClr>
-                <a:schemeClr val="accent1"/>
-              </a:buClr>
-              <a:buSzPct val="100000"/>
-              <a:buFont typeface="Calibri" panose="020F0502020204030204" pitchFamily="34" charset="0"/>
-              <a:buChar char=" "/>
-              <a:defRPr kumimoji="1" sz="2000" kern="1200">
-                <a:solidFill>
-                  <a:schemeClr val="tx1">
-                    <a:lumMod val="75000"/>
-                    <a:lumOff val="25000"/>
-                  </a:schemeClr>
-                </a:solidFill>
-                <a:latin typeface="+mn-lt"/>
-                <a:ea typeface="+mn-ea"/>
-                <a:cs typeface="+mn-cs"/>
-              </a:defRPr>
-            </a:lvl1pPr>
-            <a:lvl2pPr marL="384048" indent="-182880" algn="l" defTabSz="914400" rtl="0" eaLnBrk="1" latinLnBrk="0" hangingPunct="1">
-              <a:lnSpc>
-                <a:spcPct val="90000"/>
-              </a:lnSpc>
-              <a:spcBef>
-                <a:spcPts val="200"/>
-              </a:spcBef>
-              <a:spcAft>
-                <a:spcPts val="400"/>
-              </a:spcAft>
-              <a:buClr>
-                <a:schemeClr val="accent1"/>
-              </a:buClr>
-              <a:buFont typeface="Calibri" pitchFamily="34" charset="0"/>
-              <a:buChar char="◦"/>
-              <a:defRPr kumimoji="1" sz="1800" kern="1200">
-                <a:solidFill>
-                  <a:schemeClr val="tx1">
-                    <a:lumMod val="75000"/>
-                    <a:lumOff val="25000"/>
-                  </a:schemeClr>
-                </a:solidFill>
-                <a:latin typeface="+mn-lt"/>
-                <a:ea typeface="+mn-ea"/>
-                <a:cs typeface="+mn-cs"/>
-              </a:defRPr>
-            </a:lvl2pPr>
-            <a:lvl3pPr marL="566928" indent="-182880" algn="l" defTabSz="914400" rtl="0" eaLnBrk="1" latinLnBrk="0" hangingPunct="1">
-              <a:lnSpc>
-                <a:spcPct val="90000"/>
-              </a:lnSpc>
-              <a:spcBef>
-                <a:spcPts val="200"/>
-              </a:spcBef>
-              <a:spcAft>
-                <a:spcPts val="400"/>
-              </a:spcAft>
-              <a:buClr>
-                <a:schemeClr val="accent1"/>
-              </a:buClr>
-              <a:buFont typeface="Calibri" pitchFamily="34" charset="0"/>
-              <a:buChar char="◦"/>
-              <a:defRPr kumimoji="1" sz="1400" kern="1200">
-                <a:solidFill>
-                  <a:schemeClr val="tx1">
-                    <a:lumMod val="75000"/>
-                    <a:lumOff val="25000"/>
-                  </a:schemeClr>
-                </a:solidFill>
-                <a:latin typeface="+mn-lt"/>
-                <a:ea typeface="+mn-ea"/>
-                <a:cs typeface="+mn-cs"/>
-              </a:defRPr>
-            </a:lvl3pPr>
-            <a:lvl4pPr marL="749808" indent="-182880" algn="l" defTabSz="914400" rtl="0" eaLnBrk="1" latinLnBrk="0" hangingPunct="1">
-              <a:lnSpc>
-                <a:spcPct val="90000"/>
-              </a:lnSpc>
-              <a:spcBef>
-                <a:spcPts val="200"/>
-              </a:spcBef>
-              <a:spcAft>
-                <a:spcPts val="400"/>
-              </a:spcAft>
-              <a:buClr>
-                <a:schemeClr val="accent1"/>
-              </a:buClr>
-              <a:buFont typeface="Calibri" pitchFamily="34" charset="0"/>
-              <a:buChar char="◦"/>
-              <a:defRPr kumimoji="1" sz="1400" kern="1200">
-                <a:solidFill>
-                  <a:schemeClr val="tx1">
-                    <a:lumMod val="75000"/>
-                    <a:lumOff val="25000"/>
-                  </a:schemeClr>
-                </a:solidFill>
-                <a:latin typeface="+mn-lt"/>
-                <a:ea typeface="+mn-ea"/>
-                <a:cs typeface="+mn-cs"/>
-              </a:defRPr>
-            </a:lvl4pPr>
-            <a:lvl5pPr marL="932688" indent="-182880" algn="l" defTabSz="914400" rtl="0" eaLnBrk="1" latinLnBrk="0" hangingPunct="1">
-              <a:lnSpc>
-                <a:spcPct val="90000"/>
-              </a:lnSpc>
-              <a:spcBef>
-                <a:spcPts val="200"/>
-              </a:spcBef>
-              <a:spcAft>
-                <a:spcPts val="400"/>
-              </a:spcAft>
-              <a:buClr>
-                <a:schemeClr val="accent1"/>
-              </a:buClr>
-              <a:buFont typeface="Calibri" pitchFamily="34" charset="0"/>
-              <a:buChar char="◦"/>
-              <a:defRPr kumimoji="1" sz="1400" kern="1200">
-                <a:solidFill>
-                  <a:schemeClr val="tx1">
-                    <a:lumMod val="75000"/>
-                    <a:lumOff val="25000"/>
-                  </a:schemeClr>
-                </a:solidFill>
-                <a:latin typeface="+mn-lt"/>
-                <a:ea typeface="+mn-ea"/>
-                <a:cs typeface="+mn-cs"/>
-              </a:defRPr>
-            </a:lvl5pPr>
-            <a:lvl6pPr marL="1100000" indent="-228600" algn="l" defTabSz="914400" rtl="0" eaLnBrk="1" latinLnBrk="0" hangingPunct="1">
-              <a:lnSpc>
-                <a:spcPct val="90000"/>
-              </a:lnSpc>
-              <a:spcBef>
-                <a:spcPts val="200"/>
-              </a:spcBef>
-              <a:spcAft>
-                <a:spcPts val="400"/>
-              </a:spcAft>
-              <a:buClr>
-                <a:schemeClr val="accent1"/>
-              </a:buClr>
-              <a:buFont typeface="Calibri" pitchFamily="34" charset="0"/>
-              <a:buChar char="◦"/>
-              <a:defRPr kumimoji="1" sz="1400" kern="1200">
-                <a:solidFill>
-                  <a:schemeClr val="tx1">
-                    <a:lumMod val="75000"/>
-                    <a:lumOff val="25000"/>
-                  </a:schemeClr>
-                </a:solidFill>
-                <a:latin typeface="+mn-lt"/>
-                <a:ea typeface="+mn-ea"/>
-                <a:cs typeface="+mn-cs"/>
-              </a:defRPr>
-            </a:lvl6pPr>
-            <a:lvl7pPr marL="1300000" indent="-228600" algn="l" defTabSz="914400" rtl="0" eaLnBrk="1" latinLnBrk="0" hangingPunct="1">
-              <a:lnSpc>
-                <a:spcPct val="90000"/>
-              </a:lnSpc>
-              <a:spcBef>
-                <a:spcPts val="200"/>
-              </a:spcBef>
-              <a:spcAft>
-                <a:spcPts val="400"/>
-              </a:spcAft>
-              <a:buClr>
-                <a:schemeClr val="accent1"/>
-              </a:buClr>
-              <a:buFont typeface="Calibri" pitchFamily="34" charset="0"/>
-              <a:buChar char="◦"/>
-              <a:defRPr kumimoji="1" sz="1400" kern="1200">
-                <a:solidFill>
-                  <a:schemeClr val="tx1">
-                    <a:lumMod val="75000"/>
-                    <a:lumOff val="25000"/>
-                  </a:schemeClr>
-                </a:solidFill>
-                <a:latin typeface="+mn-lt"/>
-                <a:ea typeface="+mn-ea"/>
-                <a:cs typeface="+mn-cs"/>
-              </a:defRPr>
-            </a:lvl7pPr>
-            <a:lvl8pPr marL="1500000" indent="-228600" algn="l" defTabSz="914400" rtl="0" eaLnBrk="1" latinLnBrk="0" hangingPunct="1">
-              <a:lnSpc>
-                <a:spcPct val="90000"/>
-              </a:lnSpc>
-              <a:spcBef>
-                <a:spcPts val="200"/>
-              </a:spcBef>
-              <a:spcAft>
-                <a:spcPts val="400"/>
-              </a:spcAft>
-              <a:buClr>
-                <a:schemeClr val="accent1"/>
-              </a:buClr>
-              <a:buFont typeface="Calibri" pitchFamily="34" charset="0"/>
-              <a:buChar char="◦"/>
-              <a:defRPr kumimoji="1" sz="1400" kern="1200">
-                <a:solidFill>
-                  <a:schemeClr val="tx1">
-                    <a:lumMod val="75000"/>
-                    <a:lumOff val="25000"/>
-                  </a:schemeClr>
-                </a:solidFill>
-                <a:latin typeface="+mn-lt"/>
-                <a:ea typeface="+mn-ea"/>
-                <a:cs typeface="+mn-cs"/>
-              </a:defRPr>
-            </a:lvl8pPr>
-            <a:lvl9pPr marL="1700000" indent="-228600" algn="l" defTabSz="914400" rtl="0" eaLnBrk="1" latinLnBrk="0" hangingPunct="1">
-              <a:lnSpc>
-                <a:spcPct val="90000"/>
-              </a:lnSpc>
-              <a:spcBef>
-                <a:spcPts val="200"/>
-              </a:spcBef>
-              <a:spcAft>
-                <a:spcPts val="400"/>
-              </a:spcAft>
-              <a:buClr>
-                <a:schemeClr val="accent1"/>
-              </a:buClr>
-              <a:buFont typeface="Calibri" pitchFamily="34" charset="0"/>
-              <a:buChar char="◦"/>
-              <a:defRPr kumimoji="1" sz="1400" kern="1200">
-                <a:solidFill>
-                  <a:schemeClr val="tx1">
-                    <a:lumMod val="75000"/>
-                    <a:lumOff val="25000"/>
-                  </a:schemeClr>
-                </a:solidFill>
-                <a:latin typeface="+mn-lt"/>
-                <a:ea typeface="+mn-ea"/>
-                <a:cs typeface="+mn-cs"/>
-              </a:defRPr>
-            </a:lvl9pPr>
-          </a:lstStyle>
+            <a:endParaRPr kumimoji="1" lang="en-US" altLang="ja-JP" sz="4400" dirty="0" smtClean="0"/>
+          </a:p>
           <a:p>
             <a:pPr algn="ctr"/>
             <a:r>
-              <a:rPr lang="ja-JP" altLang="en-US" sz="3000" dirty="0" smtClean="0"/>
+              <a:rPr lang="en-US" altLang="ja-JP" sz="3200" dirty="0"/>
+              <a:t>-</a:t>
+            </a:r>
+            <a:r>
+              <a:rPr lang="ja-JP" altLang="en-US" sz="3200" dirty="0" smtClean="0"/>
               <a:t>日常のほんの一幕にもより良い価値を</a:t>
             </a:r>
             <a:r>
-              <a:rPr lang="ja-JP" altLang="en-US" dirty="0" smtClean="0"/>
-              <a:t>　</a:t>
-            </a:r>
-            <a:endParaRPr lang="en-US" altLang="ja-JP" dirty="0"/>
+              <a:rPr lang="en-US" altLang="ja-JP" sz="3200" dirty="0" smtClean="0"/>
+              <a:t>-</a:t>
+            </a:r>
+            <a:endParaRPr lang="en-US" altLang="ja-JP" sz="3200" dirty="0"/>
           </a:p>
         </p:txBody>
       </p:sp>
@@ -5282,150 +5382,9 @@
   <p:timing>
     <p:tnLst>
       <p:par>
-        <p:cTn id="1" dur="indefinite" restart="never" nodeType="tmRoot">
-          <p:childTnLst>
-            <p:seq concurrent="1" nextAc="seek">
-              <p:cTn id="2" dur="indefinite" nodeType="mainSeq">
-                <p:childTnLst>
-                  <p:par>
-                    <p:cTn id="3" fill="hold">
-                      <p:stCondLst>
-                        <p:cond delay="indefinite"/>
-                      </p:stCondLst>
-                      <p:childTnLst>
-                        <p:par>
-                          <p:cTn id="4" fill="hold">
-                            <p:stCondLst>
-                              <p:cond delay="0"/>
-                            </p:stCondLst>
-                            <p:childTnLst>
-                              <p:par>
-                                <p:cTn id="5" presetID="10" presetClass="entr" presetSubtype="0" fill="hold" grpId="0" nodeType="clickEffect">
-                                  <p:stCondLst>
-                                    <p:cond delay="0"/>
-                                  </p:stCondLst>
-                                  <p:childTnLst>
-                                    <p:set>
-                                      <p:cBhvr>
-                                        <p:cTn id="6" dur="1" fill="hold">
-                                          <p:stCondLst>
-                                            <p:cond delay="0"/>
-                                          </p:stCondLst>
-                                        </p:cTn>
-                                        <p:tgtEl>
-                                          <p:spTgt spid="3">
-                                            <p:txEl>
-                                              <p:pRg st="0" end="0"/>
-                                            </p:txEl>
-                                          </p:spTgt>
-                                        </p:tgtEl>
-                                        <p:attrNameLst>
-                                          <p:attrName>style.visibility</p:attrName>
-                                        </p:attrNameLst>
-                                      </p:cBhvr>
-                                      <p:to>
-                                        <p:strVal val="visible"/>
-                                      </p:to>
-                                    </p:set>
-                                    <p:animEffect transition="in" filter="fade">
-                                      <p:cBhvr>
-                                        <p:cTn id="7" dur="500"/>
-                                        <p:tgtEl>
-                                          <p:spTgt spid="3">
-                                            <p:txEl>
-                                              <p:pRg st="0" end="0"/>
-                                            </p:txEl>
-                                          </p:spTgt>
-                                        </p:tgtEl>
-                                      </p:cBhvr>
-                                    </p:animEffect>
-                                  </p:childTnLst>
-                                </p:cTn>
-                              </p:par>
-                            </p:childTnLst>
-                          </p:cTn>
-                        </p:par>
-                      </p:childTnLst>
-                    </p:cTn>
-                  </p:par>
-                  <p:par>
-                    <p:cTn id="8" fill="hold">
-                      <p:stCondLst>
-                        <p:cond delay="indefinite"/>
-                      </p:stCondLst>
-                      <p:childTnLst>
-                        <p:par>
-                          <p:cTn id="9" fill="hold">
-                            <p:stCondLst>
-                              <p:cond delay="0"/>
-                            </p:stCondLst>
-                            <p:childTnLst>
-                              <p:par>
-                                <p:cTn id="10" presetID="10" presetClass="entr" presetSubtype="0" fill="hold" grpId="0" nodeType="clickEffect">
-                                  <p:stCondLst>
-                                    <p:cond delay="0"/>
-                                  </p:stCondLst>
-                                  <p:childTnLst>
-                                    <p:set>
-                                      <p:cBhvr>
-                                        <p:cTn id="11" dur="1" fill="hold">
-                                          <p:stCondLst>
-                                            <p:cond delay="0"/>
-                                          </p:stCondLst>
-                                        </p:cTn>
-                                        <p:tgtEl>
-                                          <p:spTgt spid="4"/>
-                                        </p:tgtEl>
-                                        <p:attrNameLst>
-                                          <p:attrName>style.visibility</p:attrName>
-                                        </p:attrNameLst>
-                                      </p:cBhvr>
-                                      <p:to>
-                                        <p:strVal val="visible"/>
-                                      </p:to>
-                                    </p:set>
-                                    <p:animEffect transition="in" filter="fade">
-                                      <p:cBhvr>
-                                        <p:cTn id="12" dur="500"/>
-                                        <p:tgtEl>
-                                          <p:spTgt spid="4"/>
-                                        </p:tgtEl>
-                                      </p:cBhvr>
-                                    </p:animEffect>
-                                  </p:childTnLst>
-                                </p:cTn>
-                              </p:par>
-                            </p:childTnLst>
-                          </p:cTn>
-                        </p:par>
-                      </p:childTnLst>
-                    </p:cTn>
-                  </p:par>
-                </p:childTnLst>
-              </p:cTn>
-              <p:prevCondLst>
-                <p:cond evt="onPrev" delay="0">
-                  <p:tgtEl>
-                    <p:sldTgt/>
-                  </p:tgtEl>
-                </p:cond>
-              </p:prevCondLst>
-              <p:nextCondLst>
-                <p:cond evt="onNext" delay="0">
-                  <p:tgtEl>
-                    <p:sldTgt/>
-                  </p:tgtEl>
-                </p:cond>
-              </p:nextCondLst>
-            </p:seq>
-          </p:childTnLst>
-        </p:cTn>
+        <p:cTn id="1" dur="indefinite" restart="never" nodeType="tmRoot"/>
       </p:par>
     </p:tnLst>
-    <p:bldLst>
-      <p:bldP spid="3" grpId="0" build="p"/>
-      <p:bldP spid="4" grpId="0"/>
-    </p:bldLst>
   </p:timing>
 </p:sld>
 </file>
@@ -6150,46 +6109,6 @@
             <a:r>
               <a:rPr lang="ja-JP" altLang="en-US" sz="3400" dirty="0" smtClean="0"/>
               <a:t>拍だけを出力</a:t>
-            </a:r>
-            <a:endParaRPr lang="en-US" altLang="ja-JP" sz="3400" dirty="0" smtClean="0"/>
-          </a:p>
-          <a:p>
-            <a:pPr marL="0" indent="0">
-              <a:buNone/>
-            </a:pPr>
-            <a:endParaRPr lang="en-US" altLang="ja-JP" sz="4000" dirty="0" smtClean="0">
-              <a:solidFill>
-                <a:schemeClr val="tx1"/>
-              </a:solidFill>
-            </a:endParaRPr>
-          </a:p>
-          <a:p>
-            <a:pPr marL="0" indent="0">
-              <a:buNone/>
-            </a:pPr>
-            <a:r>
-              <a:rPr lang="ja-JP" altLang="en-US" sz="4000" dirty="0" smtClean="0">
-                <a:solidFill>
-                  <a:schemeClr val="tx1"/>
-                </a:solidFill>
-              </a:rPr>
-              <a:t>加速度センサーの値</a:t>
-            </a:r>
-            <a:r>
-              <a:rPr lang="ja-JP" altLang="en-US" sz="3600" dirty="0" smtClean="0">
-                <a:solidFill>
-                  <a:schemeClr val="tx1"/>
-                </a:solidFill>
-              </a:rPr>
-              <a:t>　⇒　</a:t>
-            </a:r>
-            <a:r>
-              <a:rPr lang="ja-JP" altLang="en-US" sz="4400" dirty="0" smtClean="0">
-                <a:solidFill>
-                  <a:schemeClr val="tx1"/>
-                </a:solidFill>
-              </a:rPr>
-              <a:t>リズムを生成</a:t>
             </a:r>
             <a:endParaRPr lang="en-US" altLang="ja-JP" sz="3600" dirty="0" smtClean="0">
               <a:solidFill>
@@ -6800,7 +6719,7 @@
         <p:spPr/>
         <p:txBody>
           <a:bodyPr>
-            <a:normAutofit fontScale="92500" lnSpcReduction="10000"/>
+            <a:normAutofit fontScale="92500" lnSpcReduction="20000"/>
           </a:bodyPr>
           <a:lstStyle/>
           <a:p>
@@ -6808,11 +6727,11 @@
               <a:buNone/>
             </a:pPr>
             <a:r>
-              <a:rPr lang="ja-JP" altLang="en-US" sz="3600" dirty="0" smtClean="0"/>
+              <a:rPr lang="ja-JP" altLang="en-US" sz="3600" u="sng" dirty="0" smtClean="0"/>
               <a:t>コンセプト</a:t>
             </a:r>
             <a:r>
-              <a:rPr lang="en-US" altLang="ja-JP" sz="3600" dirty="0" smtClean="0"/>
+              <a:rPr lang="en-US" altLang="ja-JP" sz="3600" u="sng" dirty="0" smtClean="0"/>
               <a:t>:</a:t>
             </a:r>
           </a:p>
@@ -6822,14 +6741,18 @@
             </a:pPr>
             <a:r>
               <a:rPr lang="ja-JP" altLang="en-US" sz="3600" dirty="0" smtClean="0"/>
-              <a:t>  車の</a:t>
-            </a:r>
-            <a:r>
-              <a:rPr lang="ja-JP" altLang="en-US" sz="3600" dirty="0"/>
+              <a:t>  </a:t>
+            </a:r>
+            <a:r>
+              <a:rPr lang="ja-JP" altLang="en-US" sz="3500" dirty="0" smtClean="0"/>
+              <a:t>車の</a:t>
+            </a:r>
+            <a:r>
+              <a:rPr lang="ja-JP" altLang="en-US" sz="3500" dirty="0"/>
               <a:t>走行データを</a:t>
             </a:r>
             <a:r>
-              <a:rPr lang="ja-JP" altLang="en-US" sz="3600" u="sng" dirty="0">
+              <a:rPr lang="ja-JP" altLang="en-US" sz="3500" u="sng" dirty="0">
                 <a:solidFill>
                   <a:srgbClr val="FF0000"/>
                 </a:solidFill>
@@ -6837,11 +6760,11 @@
               <a:t>リアルタイム</a:t>
             </a:r>
             <a:r>
-              <a:rPr lang="ja-JP" altLang="en-US" sz="3600" dirty="0" smtClean="0"/>
+              <a:rPr lang="ja-JP" altLang="en-US" sz="3500" dirty="0" smtClean="0"/>
               <a:t>に</a:t>
             </a:r>
             <a:r>
-              <a:rPr lang="ja-JP" altLang="en-US" sz="3600" b="1" u="sng" dirty="0" smtClean="0">
+              <a:rPr lang="ja-JP" altLang="en-US" sz="3500" b="1" u="sng" dirty="0" smtClean="0">
                 <a:solidFill>
                   <a:schemeClr val="accent1">
                     <a:lumMod val="75000"/>
@@ -6861,35 +6784,43 @@
               <a:buNone/>
             </a:pPr>
             <a:r>
+              <a:rPr lang="ja-JP" altLang="en-US" sz="3600" u="sng" dirty="0" smtClean="0">
+                <a:solidFill>
+                  <a:schemeClr val="tx1"/>
+                </a:solidFill>
+              </a:rPr>
+              <a:t>今回は</a:t>
+            </a:r>
+            <a:r>
+              <a:rPr lang="en-US" altLang="ja-JP" sz="3600" u="sng" dirty="0" smtClean="0">
+                <a:solidFill>
+                  <a:schemeClr val="tx1"/>
+                </a:solidFill>
+              </a:rPr>
+              <a:t>:</a:t>
+            </a:r>
+          </a:p>
+          <a:p>
+            <a:pPr marL="0" indent="0">
+              <a:buNone/>
+            </a:pPr>
+            <a:r>
               <a:rPr lang="ja-JP" altLang="en-US" sz="3600" dirty="0" smtClean="0">
                 <a:solidFill>
                   <a:schemeClr val="tx1"/>
                 </a:solidFill>
               </a:rPr>
-              <a:t>今回は</a:t>
-            </a:r>
-            <a:r>
-              <a:rPr lang="en-US" altLang="ja-JP" sz="3600" dirty="0" smtClean="0">
+              <a:t>  </a:t>
+            </a:r>
+            <a:r>
+              <a:rPr lang="ja-JP" altLang="en-US" sz="3500" dirty="0" smtClean="0">
                 <a:solidFill>
                   <a:schemeClr val="tx1"/>
                 </a:solidFill>
               </a:rPr>
-              <a:t>:</a:t>
-            </a:r>
-          </a:p>
-          <a:p>
-            <a:pPr marL="0" indent="0">
-              <a:buNone/>
-            </a:pPr>
-            <a:r>
-              <a:rPr lang="ja-JP" altLang="en-US" sz="3600" dirty="0" smtClean="0">
-                <a:solidFill>
-                  <a:schemeClr val="tx1"/>
-                </a:solidFill>
-              </a:rPr>
-              <a:t>  単純化の為に、ドラムの拍だけを出力する。</a:t>
-            </a:r>
-            <a:endParaRPr lang="en-US" altLang="ja-JP" sz="3600" dirty="0" smtClean="0">
+              <a:t>単純化の為に、ドラムの拍だけを出力</a:t>
+            </a:r>
+            <a:endParaRPr lang="en-US" altLang="ja-JP" sz="3500" dirty="0" smtClean="0">
               <a:solidFill>
                 <a:schemeClr val="tx1"/>
               </a:solidFill>
@@ -6909,14 +6840,14 @@
           <a:p>
             <a:pPr algn="ctr"/>
             <a:r>
-              <a:rPr lang="ja-JP" altLang="en-US" sz="3600" dirty="0" smtClean="0">
+              <a:rPr lang="ja-JP" altLang="en-US" sz="4800" dirty="0" smtClean="0">
                 <a:solidFill>
                   <a:schemeClr val="tx1"/>
                 </a:solidFill>
               </a:rPr>
               <a:t>端末の動きに合わせて、</a:t>
             </a:r>
-            <a:endParaRPr lang="en-US" altLang="ja-JP" sz="3600" dirty="0" smtClean="0">
+            <a:endParaRPr lang="en-US" altLang="ja-JP" sz="4800" dirty="0" smtClean="0">
               <a:solidFill>
                 <a:schemeClr val="tx1"/>
               </a:solidFill>
@@ -6925,7 +6856,7 @@
           <a:p>
             <a:pPr algn="ctr"/>
             <a:r>
-              <a:rPr lang="ja-JP" altLang="en-US" sz="3600" dirty="0" smtClean="0">
+              <a:rPr lang="ja-JP" altLang="en-US" sz="4800" dirty="0" smtClean="0">
                 <a:solidFill>
                   <a:schemeClr val="tx1"/>
                 </a:solidFill>
@@ -6933,7 +6864,7 @@
               <a:t>リズム</a:t>
             </a:r>
             <a:r>
-              <a:rPr lang="ja-JP" altLang="en-US" sz="3600" dirty="0">
+              <a:rPr lang="ja-JP" altLang="en-US" sz="4800" dirty="0">
                 <a:solidFill>
                   <a:schemeClr val="tx1"/>
                 </a:solidFill>
@@ -6941,14 +6872,14 @@
               <a:t>を変化させることが</a:t>
             </a:r>
             <a:r>
-              <a:rPr lang="ja-JP" altLang="en-US" sz="3600" dirty="0" smtClean="0">
+              <a:rPr lang="ja-JP" altLang="en-US" sz="4800" dirty="0" smtClean="0">
                 <a:solidFill>
                   <a:schemeClr val="tx1"/>
                 </a:solidFill>
               </a:rPr>
               <a:t>できた</a:t>
             </a:r>
-            <a:endParaRPr lang="en-US" altLang="ja-JP" sz="3600" dirty="0">
+            <a:endParaRPr lang="en-US" altLang="ja-JP" sz="4800" dirty="0">
               <a:solidFill>
                 <a:schemeClr val="tx1"/>
               </a:solidFill>
@@ -6960,100 +6891,6 @@
     <p:extLst>
       <p:ext uri="{BB962C8B-B14F-4D97-AF65-F5344CB8AC3E}">
         <p14:creationId xmlns:p14="http://schemas.microsoft.com/office/powerpoint/2010/main" val="4148518912"/>
-      </p:ext>
-    </p:extLst>
-  </p:cSld>
-  <p:clrMapOvr>
-    <a:masterClrMapping/>
-  </p:clrMapOvr>
-  <p:timing>
-    <p:tnLst>
-      <p:par>
-        <p:cTn id="1" dur="indefinite" restart="never" nodeType="tmRoot"/>
-      </p:par>
-    </p:tnLst>
-  </p:timing>
-</p:sld>
-</file>
-
-<file path=ppt/slides/slide8.xml><?xml version="1.0" encoding="utf-8"?>
-<p:sld xmlns:a="http://schemas.openxmlformats.org/drawingml/2006/main" xmlns:r="http://schemas.openxmlformats.org/officeDocument/2006/relationships" xmlns:p="http://schemas.openxmlformats.org/presentationml/2006/main">
-  <p:cSld>
-    <p:spTree>
-      <p:nvGrpSpPr>
-        <p:cNvPr id="1" name=""/>
-        <p:cNvGrpSpPr/>
-        <p:nvPr/>
-      </p:nvGrpSpPr>
-      <p:grpSpPr>
-        <a:xfrm>
-          <a:off x="0" y="0"/>
-          <a:ext cx="0" cy="0"/>
-          <a:chOff x="0" y="0"/>
-          <a:chExt cx="0" cy="0"/>
-        </a:xfrm>
-      </p:grpSpPr>
-      <p:sp>
-        <p:nvSpPr>
-          <p:cNvPr id="2" name="タイトル 1"/>
-          <p:cNvSpPr>
-            <a:spLocks noGrp="1"/>
-          </p:cNvSpPr>
-          <p:nvPr>
-            <p:ph type="title"/>
-          </p:nvPr>
-        </p:nvSpPr>
-        <p:spPr/>
-        <p:txBody>
-          <a:bodyPr/>
-          <a:lstStyle/>
-          <a:p>
-            <a:r>
-              <a:rPr lang="ja-JP" altLang="en-US" dirty="0"/>
-              <a:t>まとめ</a:t>
-            </a:r>
-            <a:endParaRPr kumimoji="1" lang="ja-JP" altLang="en-US" dirty="0"/>
-          </a:p>
-        </p:txBody>
-      </p:sp>
-      <p:sp>
-        <p:nvSpPr>
-          <p:cNvPr id="3" name="コンテンツ プレースホルダー 2"/>
-          <p:cNvSpPr>
-            <a:spLocks noGrp="1"/>
-          </p:cNvSpPr>
-          <p:nvPr>
-            <p:ph idx="1"/>
-          </p:nvPr>
-        </p:nvSpPr>
-        <p:spPr/>
-        <p:txBody>
-          <a:bodyPr/>
-          <a:lstStyle/>
-          <a:p>
-            <a:r>
-              <a:rPr lang="ja-JP" altLang="en-US" dirty="0">
-                <a:solidFill>
-                  <a:schemeClr val="tx1"/>
-                </a:solidFill>
-              </a:rPr>
-              <a:t>加速度センサーを使い、リズムを変化させることができた。</a:t>
-            </a:r>
-            <a:endParaRPr lang="en-US" altLang="ja-JP" dirty="0">
-              <a:solidFill>
-                <a:schemeClr val="tx1"/>
-              </a:solidFill>
-            </a:endParaRPr>
-          </a:p>
-          <a:p>
-            <a:endParaRPr kumimoji="1" lang="ja-JP" altLang="en-US" dirty="0"/>
-          </a:p>
-        </p:txBody>
-      </p:sp>
-    </p:spTree>
-    <p:extLst>
-      <p:ext uri="{BB962C8B-B14F-4D97-AF65-F5344CB8AC3E}">
-        <p14:creationId xmlns:p14="http://schemas.microsoft.com/office/powerpoint/2010/main" val="4041779215"/>
       </p:ext>
     </p:extLst>
   </p:cSld>
